--- a/Presentation.pptx
+++ b/Presentation.pptx
@@ -2,10 +2,22 @@
 <file path=ppt/presentation.xml><?xml version="1.0" encoding="utf-8"?>
 <p:presentation xmlns:a="http://schemas.openxmlformats.org/drawingml/2006/main" xmlns:r="http://schemas.openxmlformats.org/officeDocument/2006/relationships" xmlns:p="http://schemas.openxmlformats.org/presentationml/2006/main" saveSubsetFonts="1" autoCompressPictures="0">
   <p:sldMasterIdLst>
-    <p:sldMasterId id="2147483648" r:id="rId1"/>
+    <p:sldMasterId id="2147483762" r:id="rId1"/>
   </p:sldMasterIdLst>
   <p:sldIdLst>
     <p:sldId id="256" r:id="rId2"/>
+    <p:sldId id="258" r:id="rId3"/>
+    <p:sldId id="259" r:id="rId4"/>
+    <p:sldId id="260" r:id="rId5"/>
+    <p:sldId id="261" r:id="rId6"/>
+    <p:sldId id="262" r:id="rId7"/>
+    <p:sldId id="263" r:id="rId8"/>
+    <p:sldId id="264" r:id="rId9"/>
+    <p:sldId id="265" r:id="rId10"/>
+    <p:sldId id="266" r:id="rId11"/>
+    <p:sldId id="267" r:id="rId12"/>
+    <p:sldId id="268" r:id="rId13"/>
+    <p:sldId id="269" r:id="rId14"/>
   </p:sldIdLst>
   <p:sldSz cx="12192000" cy="6858000"/>
   <p:notesSz cx="6858000" cy="9144000"/>
@@ -13,7 +25,7 @@
     <a:defPPr>
       <a:defRPr lang="en-US"/>
     </a:defPPr>
-    <a:lvl1pPr marL="0" algn="l" defTabSz="914400" rtl="0" eaLnBrk="1" latinLnBrk="0" hangingPunct="1">
+    <a:lvl1pPr marL="0" algn="l" defTabSz="457200" rtl="0" eaLnBrk="1" latinLnBrk="0" hangingPunct="1">
       <a:defRPr sz="1800" kern="1200">
         <a:solidFill>
           <a:schemeClr val="tx1"/>
@@ -23,7 +35,7 @@
         <a:cs typeface="+mn-cs"/>
       </a:defRPr>
     </a:lvl1pPr>
-    <a:lvl2pPr marL="457200" algn="l" defTabSz="914400" rtl="0" eaLnBrk="1" latinLnBrk="0" hangingPunct="1">
+    <a:lvl2pPr marL="457200" algn="l" defTabSz="457200" rtl="0" eaLnBrk="1" latinLnBrk="0" hangingPunct="1">
       <a:defRPr sz="1800" kern="1200">
         <a:solidFill>
           <a:schemeClr val="tx1"/>
@@ -33,7 +45,7 @@
         <a:cs typeface="+mn-cs"/>
       </a:defRPr>
     </a:lvl2pPr>
-    <a:lvl3pPr marL="914400" algn="l" defTabSz="914400" rtl="0" eaLnBrk="1" latinLnBrk="0" hangingPunct="1">
+    <a:lvl3pPr marL="914400" algn="l" defTabSz="457200" rtl="0" eaLnBrk="1" latinLnBrk="0" hangingPunct="1">
       <a:defRPr sz="1800" kern="1200">
         <a:solidFill>
           <a:schemeClr val="tx1"/>
@@ -43,7 +55,7 @@
         <a:cs typeface="+mn-cs"/>
       </a:defRPr>
     </a:lvl3pPr>
-    <a:lvl4pPr marL="1371600" algn="l" defTabSz="914400" rtl="0" eaLnBrk="1" latinLnBrk="0" hangingPunct="1">
+    <a:lvl4pPr marL="1371600" algn="l" defTabSz="457200" rtl="0" eaLnBrk="1" latinLnBrk="0" hangingPunct="1">
       <a:defRPr sz="1800" kern="1200">
         <a:solidFill>
           <a:schemeClr val="tx1"/>
@@ -53,7 +65,7 @@
         <a:cs typeface="+mn-cs"/>
       </a:defRPr>
     </a:lvl4pPr>
-    <a:lvl5pPr marL="1828800" algn="l" defTabSz="914400" rtl="0" eaLnBrk="1" latinLnBrk="0" hangingPunct="1">
+    <a:lvl5pPr marL="1828800" algn="l" defTabSz="457200" rtl="0" eaLnBrk="1" latinLnBrk="0" hangingPunct="1">
       <a:defRPr sz="1800" kern="1200">
         <a:solidFill>
           <a:schemeClr val="tx1"/>
@@ -63,7 +75,7 @@
         <a:cs typeface="+mn-cs"/>
       </a:defRPr>
     </a:lvl5pPr>
-    <a:lvl6pPr marL="2286000" algn="l" defTabSz="914400" rtl="0" eaLnBrk="1" latinLnBrk="0" hangingPunct="1">
+    <a:lvl6pPr marL="2286000" algn="l" defTabSz="457200" rtl="0" eaLnBrk="1" latinLnBrk="0" hangingPunct="1">
       <a:defRPr sz="1800" kern="1200">
         <a:solidFill>
           <a:schemeClr val="tx1"/>
@@ -73,7 +85,7 @@
         <a:cs typeface="+mn-cs"/>
       </a:defRPr>
     </a:lvl6pPr>
-    <a:lvl7pPr marL="2743200" algn="l" defTabSz="914400" rtl="0" eaLnBrk="1" latinLnBrk="0" hangingPunct="1">
+    <a:lvl7pPr marL="2743200" algn="l" defTabSz="457200" rtl="0" eaLnBrk="1" latinLnBrk="0" hangingPunct="1">
       <a:defRPr sz="1800" kern="1200">
         <a:solidFill>
           <a:schemeClr val="tx1"/>
@@ -83,7 +95,7 @@
         <a:cs typeface="+mn-cs"/>
       </a:defRPr>
     </a:lvl7pPr>
-    <a:lvl8pPr marL="3200400" algn="l" defTabSz="914400" rtl="0" eaLnBrk="1" latinLnBrk="0" hangingPunct="1">
+    <a:lvl8pPr marL="3200400" algn="l" defTabSz="457200" rtl="0" eaLnBrk="1" latinLnBrk="0" hangingPunct="1">
       <a:defRPr sz="1800" kern="1200">
         <a:solidFill>
           <a:schemeClr val="tx1"/>
@@ -93,7 +105,7 @@
         <a:cs typeface="+mn-cs"/>
       </a:defRPr>
     </a:lvl8pPr>
-    <a:lvl9pPr marL="3657600" algn="l" defTabSz="914400" rtl="0" eaLnBrk="1" latinLnBrk="0" hangingPunct="1">
+    <a:lvl9pPr marL="3657600" algn="l" defTabSz="457200" rtl="0" eaLnBrk="1" latinLnBrk="0" hangingPunct="1">
       <a:defRPr sz="1800" kern="1200">
         <a:solidFill>
           <a:schemeClr val="tx1"/>
@@ -126,13 +138,7 @@
       </p:grpSpPr>
       <p:sp>
         <p:nvSpPr>
-          <p:cNvPr id="2" name="Title 1">
-            <a:extLst>
-              <a:ext uri="{FF2B5EF4-FFF2-40B4-BE49-F238E27FC236}">
-                <a16:creationId xmlns:a16="http://schemas.microsoft.com/office/drawing/2014/main" id="{7E423607-AD1E-23BD-69A1-B2D98EBED11F}"/>
-              </a:ext>
-            </a:extLst>
-          </p:cNvPr>
+          <p:cNvPr id="2" name="Title 1"/>
           <p:cNvSpPr>
             <a:spLocks noGrp="1"/>
           </p:cNvSpPr>
@@ -142,15 +148,17 @@
         </p:nvSpPr>
         <p:spPr>
           <a:xfrm>
-            <a:off x="1524000" y="1122363"/>
-            <a:ext cx="9144000" cy="2387600"/>
+            <a:off x="2417779" y="802298"/>
+            <a:ext cx="8637073" cy="2541431"/>
           </a:xfrm>
         </p:spPr>
         <p:txBody>
-          <a:bodyPr anchor="b"/>
+          <a:bodyPr bIns="0" anchor="b">
+            <a:normAutofit/>
+          </a:bodyPr>
           <a:lstStyle>
-            <a:lvl1pPr algn="ctr">
-              <a:defRPr sz="6000"/>
+            <a:lvl1pPr algn="l">
+              <a:defRPr sz="6600"/>
             </a:lvl1pPr>
           </a:lstStyle>
           <a:p>
@@ -158,18 +166,13 @@
               <a:rPr lang="en-US"/>
               <a:t>Click to edit Master title style</a:t>
             </a:r>
-          </a:p>
-        </p:txBody>
-      </p:sp>
-      <p:sp>
-        <p:nvSpPr>
-          <p:cNvPr id="3" name="Subtitle 2">
-            <a:extLst>
-              <a:ext uri="{FF2B5EF4-FFF2-40B4-BE49-F238E27FC236}">
-                <a16:creationId xmlns:a16="http://schemas.microsoft.com/office/drawing/2014/main" id="{9F76106B-0A71-7C18-FF9F-1857421F15FB}"/>
-              </a:ext>
-            </a:extLst>
-          </p:cNvPr>
+            <a:endParaRPr lang="en-US" dirty="0"/>
+          </a:p>
+        </p:txBody>
+      </p:sp>
+      <p:sp>
+        <p:nvSpPr>
+          <p:cNvPr id="3" name="Subtitle 2"/>
           <p:cNvSpPr>
             <a:spLocks noGrp="1"/>
           </p:cNvSpPr>
@@ -179,20 +182,26 @@
         </p:nvSpPr>
         <p:spPr>
           <a:xfrm>
-            <a:off x="1524000" y="3602038"/>
-            <a:ext cx="9144000" cy="1655762"/>
+            <a:off x="2417780" y="3531204"/>
+            <a:ext cx="8637072" cy="977621"/>
           </a:xfrm>
         </p:spPr>
         <p:txBody>
-          <a:bodyPr/>
+          <a:bodyPr tIns="91440" bIns="91440">
+            <a:normAutofit/>
+          </a:bodyPr>
           <a:lstStyle>
-            <a:lvl1pPr marL="0" indent="0" algn="ctr">
-              <a:buNone/>
-              <a:defRPr sz="2400"/>
+            <a:lvl1pPr marL="0" indent="0" algn="l">
+              <a:buNone/>
+              <a:defRPr sz="1800" b="0" cap="all" baseline="0">
+                <a:solidFill>
+                  <a:schemeClr val="tx1"/>
+                </a:solidFill>
+              </a:defRPr>
             </a:lvl1pPr>
             <a:lvl2pPr marL="457200" indent="0" algn="ctr">
               <a:buNone/>
-              <a:defRPr sz="2000"/>
+              <a:defRPr sz="1800"/>
             </a:lvl2pPr>
             <a:lvl3pPr marL="914400" indent="0" algn="ctr">
               <a:buNone/>
@@ -228,18 +237,13 @@
               <a:rPr lang="en-US"/>
               <a:t>Click to edit Master subtitle style</a:t>
             </a:r>
-          </a:p>
-        </p:txBody>
-      </p:sp>
-      <p:sp>
-        <p:nvSpPr>
-          <p:cNvPr id="4" name="Date Placeholder 3">
-            <a:extLst>
-              <a:ext uri="{FF2B5EF4-FFF2-40B4-BE49-F238E27FC236}">
-                <a16:creationId xmlns:a16="http://schemas.microsoft.com/office/drawing/2014/main" id="{2DDFAC1A-BD76-FCB7-8F0D-65FB37859EFE}"/>
-              </a:ext>
-            </a:extLst>
-          </p:cNvPr>
+            <a:endParaRPr lang="en-US" dirty="0"/>
+          </a:p>
+        </p:txBody>
+      </p:sp>
+      <p:sp>
+        <p:nvSpPr>
+          <p:cNvPr id="4" name="Date Placeholder 3"/>
           <p:cNvSpPr>
             <a:spLocks noGrp="1"/>
           </p:cNvSpPr>
@@ -252,7 +256,7 @@
           <a:bodyPr/>
           <a:lstStyle/>
           <a:p>
-            <a:fld id="{7896D7A7-A2E0-1947-A013-609D4B89094B}" type="datetimeFigureOut">
+            <a:fld id="{81B8F32D-D8B6-4B9E-9CBF-DCAC30B7B93D}" type="datetimeFigureOut">
               <a:rPr lang="en-US" smtClean="0"/>
               <a:t>5/8/23</a:t>
             </a:fld>
@@ -262,13 +266,7 @@
       </p:sp>
       <p:sp>
         <p:nvSpPr>
-          <p:cNvPr id="5" name="Footer Placeholder 4">
-            <a:extLst>
-              <a:ext uri="{FF2B5EF4-FFF2-40B4-BE49-F238E27FC236}">
-                <a16:creationId xmlns:a16="http://schemas.microsoft.com/office/drawing/2014/main" id="{AE995C95-815F-6AE0-E388-F47160D07272}"/>
-              </a:ext>
-            </a:extLst>
-          </p:cNvPr>
+          <p:cNvPr id="5" name="Footer Placeholder 4"/>
           <p:cNvSpPr>
             <a:spLocks noGrp="1"/>
           </p:cNvSpPr>
@@ -276,7 +274,12 @@
             <p:ph type="ftr" sz="quarter" idx="11"/>
           </p:nvPr>
         </p:nvSpPr>
-        <p:spPr/>
+        <p:spPr>
+          <a:xfrm>
+            <a:off x="2416500" y="329307"/>
+            <a:ext cx="4973915" cy="309201"/>
+          </a:xfrm>
+        </p:spPr>
         <p:txBody>
           <a:bodyPr/>
           <a:lstStyle/>
@@ -287,13 +290,7 @@
       </p:sp>
       <p:sp>
         <p:nvSpPr>
-          <p:cNvPr id="6" name="Slide Number Placeholder 5">
-            <a:extLst>
-              <a:ext uri="{FF2B5EF4-FFF2-40B4-BE49-F238E27FC236}">
-                <a16:creationId xmlns:a16="http://schemas.microsoft.com/office/drawing/2014/main" id="{E9C60799-E28D-6523-1177-CE4B9AA5AFA7}"/>
-              </a:ext>
-            </a:extLst>
-          </p:cNvPr>
+          <p:cNvPr id="6" name="Slide Number Placeholder 5"/>
           <p:cNvSpPr>
             <a:spLocks noGrp="1"/>
           </p:cNvSpPr>
@@ -301,12 +298,17 @@
             <p:ph type="sldNum" sz="quarter" idx="12"/>
           </p:nvPr>
         </p:nvSpPr>
-        <p:spPr/>
-        <p:txBody>
-          <a:bodyPr/>
-          <a:lstStyle/>
-          <a:p>
-            <a:fld id="{7208F48A-EB98-5247-AE52-6CFB907D196B}" type="slidenum">
+        <p:spPr>
+          <a:xfrm>
+            <a:off x="1437664" y="798973"/>
+            <a:ext cx="811019" cy="503578"/>
+          </a:xfrm>
+        </p:spPr>
+        <p:txBody>
+          <a:bodyPr/>
+          <a:lstStyle/>
+          <a:p>
+            <a:fld id="{60553ECD-7F6D-420D-93CA-D8D15EB427AC}" type="slidenum">
               <a:rPr lang="en-US" smtClean="0"/>
               <a:t>‹#›</a:t>
             </a:fld>
@@ -314,10 +316,41 @@
           </a:p>
         </p:txBody>
       </p:sp>
+      <p:cxnSp>
+        <p:nvCxnSpPr>
+          <p:cNvPr id="15" name="Straight Connector 14"/>
+          <p:cNvCxnSpPr/>
+          <p:nvPr/>
+        </p:nvCxnSpPr>
+        <p:spPr>
+          <a:xfrm>
+            <a:off x="2417780" y="3528542"/>
+            <a:ext cx="8637072" cy="0"/>
+          </a:xfrm>
+          <a:prstGeom prst="line">
+            <a:avLst/>
+          </a:prstGeom>
+          <a:ln w="31750"/>
+        </p:spPr>
+        <p:style>
+          <a:lnRef idx="3">
+            <a:schemeClr val="accent1"/>
+          </a:lnRef>
+          <a:fillRef idx="0">
+            <a:schemeClr val="accent1"/>
+          </a:fillRef>
+          <a:effectRef idx="2">
+            <a:schemeClr val="accent1"/>
+          </a:effectRef>
+          <a:fontRef idx="minor">
+            <a:schemeClr val="tx1"/>
+          </a:fontRef>
+        </p:style>
+      </p:cxnSp>
     </p:spTree>
     <p:extLst>
       <p:ext uri="{BB962C8B-B14F-4D97-AF65-F5344CB8AC3E}">
-        <p14:creationId xmlns:p14="http://schemas.microsoft.com/office/powerpoint/2010/main" val="3305245706"/>
+        <p14:creationId xmlns:p14="http://schemas.microsoft.com/office/powerpoint/2010/main" val="1294724402"/>
       </p:ext>
     </p:extLst>
   </p:cSld>
@@ -346,13 +379,7 @@
       </p:grpSpPr>
       <p:sp>
         <p:nvSpPr>
-          <p:cNvPr id="2" name="Title 1">
-            <a:extLst>
-              <a:ext uri="{FF2B5EF4-FFF2-40B4-BE49-F238E27FC236}">
-                <a16:creationId xmlns:a16="http://schemas.microsoft.com/office/drawing/2014/main" id="{B4F4643C-D8C5-4FB8-3524-C0DF21C9610C}"/>
-              </a:ext>
-            </a:extLst>
-          </p:cNvPr>
+          <p:cNvPr id="2" name="Title 1"/>
           <p:cNvSpPr>
             <a:spLocks noGrp="1"/>
           </p:cNvSpPr>
@@ -369,18 +396,13 @@
               <a:rPr lang="en-US"/>
               <a:t>Click to edit Master title style</a:t>
             </a:r>
-          </a:p>
-        </p:txBody>
-      </p:sp>
-      <p:sp>
-        <p:nvSpPr>
-          <p:cNvPr id="3" name="Vertical Text Placeholder 2">
-            <a:extLst>
-              <a:ext uri="{FF2B5EF4-FFF2-40B4-BE49-F238E27FC236}">
-                <a16:creationId xmlns:a16="http://schemas.microsoft.com/office/drawing/2014/main" id="{B8BD6E1E-D285-86AD-CEE2-07BE1B2D6DA3}"/>
-              </a:ext>
-            </a:extLst>
-          </p:cNvPr>
+            <a:endParaRPr lang="en-US" dirty="0"/>
+          </a:p>
+        </p:txBody>
+      </p:sp>
+      <p:sp>
+        <p:nvSpPr>
+          <p:cNvPr id="3" name="Vertical Text Placeholder 2"/>
           <p:cNvSpPr>
             <a:spLocks noGrp="1"/>
           </p:cNvSpPr>
@@ -426,18 +448,13 @@
               <a:rPr lang="en-US"/>
               <a:t>Fifth level</a:t>
             </a:r>
-          </a:p>
-        </p:txBody>
-      </p:sp>
-      <p:sp>
-        <p:nvSpPr>
-          <p:cNvPr id="4" name="Date Placeholder 3">
-            <a:extLst>
-              <a:ext uri="{FF2B5EF4-FFF2-40B4-BE49-F238E27FC236}">
-                <a16:creationId xmlns:a16="http://schemas.microsoft.com/office/drawing/2014/main" id="{982C5784-7EB4-4663-B0FC-81F4427AD5BD}"/>
-              </a:ext>
-            </a:extLst>
-          </p:cNvPr>
+            <a:endParaRPr lang="en-US" dirty="0"/>
+          </a:p>
+        </p:txBody>
+      </p:sp>
+      <p:sp>
+        <p:nvSpPr>
+          <p:cNvPr id="4" name="Date Placeholder 3"/>
           <p:cNvSpPr>
             <a:spLocks noGrp="1"/>
           </p:cNvSpPr>
@@ -450,7 +467,7 @@
           <a:bodyPr/>
           <a:lstStyle/>
           <a:p>
-            <a:fld id="{7896D7A7-A2E0-1947-A013-609D4B89094B}" type="datetimeFigureOut">
+            <a:fld id="{81B8F32D-D8B6-4B9E-9CBF-DCAC30B7B93D}" type="datetimeFigureOut">
               <a:rPr lang="en-US" smtClean="0"/>
               <a:t>5/8/23</a:t>
             </a:fld>
@@ -460,13 +477,7 @@
       </p:sp>
       <p:sp>
         <p:nvSpPr>
-          <p:cNvPr id="5" name="Footer Placeholder 4">
-            <a:extLst>
-              <a:ext uri="{FF2B5EF4-FFF2-40B4-BE49-F238E27FC236}">
-                <a16:creationId xmlns:a16="http://schemas.microsoft.com/office/drawing/2014/main" id="{8586F027-EB57-236F-8E2C-1E8D08DF201A}"/>
-              </a:ext>
-            </a:extLst>
-          </p:cNvPr>
+          <p:cNvPr id="5" name="Footer Placeholder 4"/>
           <p:cNvSpPr>
             <a:spLocks noGrp="1"/>
           </p:cNvSpPr>
@@ -485,13 +496,7 @@
       </p:sp>
       <p:sp>
         <p:nvSpPr>
-          <p:cNvPr id="6" name="Slide Number Placeholder 5">
-            <a:extLst>
-              <a:ext uri="{FF2B5EF4-FFF2-40B4-BE49-F238E27FC236}">
-                <a16:creationId xmlns:a16="http://schemas.microsoft.com/office/drawing/2014/main" id="{190383C6-C3CE-3FB2-335A-99CBAE010D38}"/>
-              </a:ext>
-            </a:extLst>
-          </p:cNvPr>
+          <p:cNvPr id="6" name="Slide Number Placeholder 5"/>
           <p:cNvSpPr>
             <a:spLocks noGrp="1"/>
           </p:cNvSpPr>
@@ -504,7 +509,7 @@
           <a:bodyPr/>
           <a:lstStyle/>
           <a:p>
-            <a:fld id="{7208F48A-EB98-5247-AE52-6CFB907D196B}" type="slidenum">
+            <a:fld id="{60553ECD-7F6D-420D-93CA-D8D15EB427AC}" type="slidenum">
               <a:rPr lang="en-US" smtClean="0"/>
               <a:t>‹#›</a:t>
             </a:fld>
@@ -512,10 +517,41 @@
           </a:p>
         </p:txBody>
       </p:sp>
+      <p:cxnSp>
+        <p:nvCxnSpPr>
+          <p:cNvPr id="26" name="Straight Connector 25"/>
+          <p:cNvCxnSpPr/>
+          <p:nvPr/>
+        </p:nvCxnSpPr>
+        <p:spPr>
+          <a:xfrm>
+            <a:off x="1453896" y="1847088"/>
+            <a:ext cx="9607522" cy="0"/>
+          </a:xfrm>
+          <a:prstGeom prst="line">
+            <a:avLst/>
+          </a:prstGeom>
+          <a:ln w="31750"/>
+        </p:spPr>
+        <p:style>
+          <a:lnRef idx="3">
+            <a:schemeClr val="accent1"/>
+          </a:lnRef>
+          <a:fillRef idx="0">
+            <a:schemeClr val="accent1"/>
+          </a:fillRef>
+          <a:effectRef idx="2">
+            <a:schemeClr val="accent1"/>
+          </a:effectRef>
+          <a:fontRef idx="minor">
+            <a:schemeClr val="tx1"/>
+          </a:fontRef>
+        </p:style>
+      </p:cxnSp>
     </p:spTree>
     <p:extLst>
       <p:ext uri="{BB962C8B-B14F-4D97-AF65-F5344CB8AC3E}">
-        <p14:creationId xmlns:p14="http://schemas.microsoft.com/office/powerpoint/2010/main" val="3100124888"/>
+        <p14:creationId xmlns:p14="http://schemas.microsoft.com/office/powerpoint/2010/main" val="3901966513"/>
       </p:ext>
     </p:extLst>
   </p:cSld>
@@ -544,13 +580,7 @@
       </p:grpSpPr>
       <p:sp>
         <p:nvSpPr>
-          <p:cNvPr id="2" name="Vertical Title 1">
-            <a:extLst>
-              <a:ext uri="{FF2B5EF4-FFF2-40B4-BE49-F238E27FC236}">
-                <a16:creationId xmlns:a16="http://schemas.microsoft.com/office/drawing/2014/main" id="{43E74FB6-5202-708C-2137-7A648945ABA4}"/>
-              </a:ext>
-            </a:extLst>
-          </p:cNvPr>
+          <p:cNvPr id="2" name="Vertical Title 1"/>
           <p:cNvSpPr>
             <a:spLocks noGrp="1"/>
           </p:cNvSpPr>
@@ -560,30 +590,29 @@
         </p:nvSpPr>
         <p:spPr>
           <a:xfrm>
-            <a:off x="8724900" y="365125"/>
-            <a:ext cx="2628900" cy="5811838"/>
+            <a:off x="9439111" y="798973"/>
+            <a:ext cx="1615742" cy="4659889"/>
           </a:xfrm>
         </p:spPr>
         <p:txBody>
           <a:bodyPr vert="eaVert"/>
-          <a:lstStyle/>
+          <a:lstStyle>
+            <a:lvl1pPr algn="l">
+              <a:defRPr/>
+            </a:lvl1pPr>
+          </a:lstStyle>
           <a:p>
             <a:r>
               <a:rPr lang="en-US"/>
               <a:t>Click to edit Master title style</a:t>
             </a:r>
-          </a:p>
-        </p:txBody>
-      </p:sp>
-      <p:sp>
-        <p:nvSpPr>
-          <p:cNvPr id="3" name="Vertical Text Placeholder 2">
-            <a:extLst>
-              <a:ext uri="{FF2B5EF4-FFF2-40B4-BE49-F238E27FC236}">
-                <a16:creationId xmlns:a16="http://schemas.microsoft.com/office/drawing/2014/main" id="{48BF5123-3541-F398-7451-8AF3AE5583D7}"/>
-              </a:ext>
-            </a:extLst>
-          </p:cNvPr>
+            <a:endParaRPr lang="en-US" dirty="0"/>
+          </a:p>
+        </p:txBody>
+      </p:sp>
+      <p:sp>
+        <p:nvSpPr>
+          <p:cNvPr id="3" name="Vertical Text Placeholder 2"/>
           <p:cNvSpPr>
             <a:spLocks noGrp="1"/>
           </p:cNvSpPr>
@@ -593,8 +622,8 @@
         </p:nvSpPr>
         <p:spPr>
           <a:xfrm>
-            <a:off x="838200" y="365125"/>
-            <a:ext cx="7734300" cy="5811838"/>
+            <a:off x="1444672" y="798973"/>
+            <a:ext cx="7828830" cy="4659889"/>
           </a:xfrm>
         </p:spPr>
         <p:txBody>
@@ -634,18 +663,13 @@
               <a:rPr lang="en-US"/>
               <a:t>Fifth level</a:t>
             </a:r>
-          </a:p>
-        </p:txBody>
-      </p:sp>
-      <p:sp>
-        <p:nvSpPr>
-          <p:cNvPr id="4" name="Date Placeholder 3">
-            <a:extLst>
-              <a:ext uri="{FF2B5EF4-FFF2-40B4-BE49-F238E27FC236}">
-                <a16:creationId xmlns:a16="http://schemas.microsoft.com/office/drawing/2014/main" id="{BB9E57AA-9DEB-F05C-4A34-AD1530F55F85}"/>
-              </a:ext>
-            </a:extLst>
-          </p:cNvPr>
+            <a:endParaRPr lang="en-US" dirty="0"/>
+          </a:p>
+        </p:txBody>
+      </p:sp>
+      <p:sp>
+        <p:nvSpPr>
+          <p:cNvPr id="4" name="Date Placeholder 3"/>
           <p:cNvSpPr>
             <a:spLocks noGrp="1"/>
           </p:cNvSpPr>
@@ -658,7 +682,7 @@
           <a:bodyPr/>
           <a:lstStyle/>
           <a:p>
-            <a:fld id="{7896D7A7-A2E0-1947-A013-609D4B89094B}" type="datetimeFigureOut">
+            <a:fld id="{81B8F32D-D8B6-4B9E-9CBF-DCAC30B7B93D}" type="datetimeFigureOut">
               <a:rPr lang="en-US" smtClean="0"/>
               <a:t>5/8/23</a:t>
             </a:fld>
@@ -668,13 +692,7 @@
       </p:sp>
       <p:sp>
         <p:nvSpPr>
-          <p:cNvPr id="5" name="Footer Placeholder 4">
-            <a:extLst>
-              <a:ext uri="{FF2B5EF4-FFF2-40B4-BE49-F238E27FC236}">
-                <a16:creationId xmlns:a16="http://schemas.microsoft.com/office/drawing/2014/main" id="{82EDAA95-2B85-0CD2-0CF6-F580A2025C01}"/>
-              </a:ext>
-            </a:extLst>
-          </p:cNvPr>
+          <p:cNvPr id="5" name="Footer Placeholder 4"/>
           <p:cNvSpPr>
             <a:spLocks noGrp="1"/>
           </p:cNvSpPr>
@@ -693,13 +711,7 @@
       </p:sp>
       <p:sp>
         <p:nvSpPr>
-          <p:cNvPr id="6" name="Slide Number Placeholder 5">
-            <a:extLst>
-              <a:ext uri="{FF2B5EF4-FFF2-40B4-BE49-F238E27FC236}">
-                <a16:creationId xmlns:a16="http://schemas.microsoft.com/office/drawing/2014/main" id="{426AB3D7-85FD-27BC-3F6A-BBA305BE2821}"/>
-              </a:ext>
-            </a:extLst>
-          </p:cNvPr>
+          <p:cNvPr id="6" name="Slide Number Placeholder 5"/>
           <p:cNvSpPr>
             <a:spLocks noGrp="1"/>
           </p:cNvSpPr>
@@ -712,7 +724,7 @@
           <a:bodyPr/>
           <a:lstStyle/>
           <a:p>
-            <a:fld id="{7208F48A-EB98-5247-AE52-6CFB907D196B}" type="slidenum">
+            <a:fld id="{60553ECD-7F6D-420D-93CA-D8D15EB427AC}" type="slidenum">
               <a:rPr lang="en-US" smtClean="0"/>
               <a:t>‹#›</a:t>
             </a:fld>
@@ -720,10 +732,41 @@
           </a:p>
         </p:txBody>
       </p:sp>
+      <p:cxnSp>
+        <p:nvCxnSpPr>
+          <p:cNvPr id="15" name="Straight Connector 14"/>
+          <p:cNvCxnSpPr/>
+          <p:nvPr/>
+        </p:nvCxnSpPr>
+        <p:spPr>
+          <a:xfrm>
+            <a:off x="9439111" y="798973"/>
+            <a:ext cx="0" cy="4659889"/>
+          </a:xfrm>
+          <a:prstGeom prst="line">
+            <a:avLst/>
+          </a:prstGeom>
+          <a:ln w="31750"/>
+        </p:spPr>
+        <p:style>
+          <a:lnRef idx="3">
+            <a:schemeClr val="accent1"/>
+          </a:lnRef>
+          <a:fillRef idx="0">
+            <a:schemeClr val="accent1"/>
+          </a:fillRef>
+          <a:effectRef idx="2">
+            <a:schemeClr val="accent1"/>
+          </a:effectRef>
+          <a:fontRef idx="minor">
+            <a:schemeClr val="tx1"/>
+          </a:fontRef>
+        </p:style>
+      </p:cxnSp>
     </p:spTree>
     <p:extLst>
       <p:ext uri="{BB962C8B-B14F-4D97-AF65-F5344CB8AC3E}">
-        <p14:creationId xmlns:p14="http://schemas.microsoft.com/office/powerpoint/2010/main" val="999932155"/>
+        <p14:creationId xmlns:p14="http://schemas.microsoft.com/office/powerpoint/2010/main" val="670014550"/>
       </p:ext>
     </p:extLst>
   </p:cSld>
@@ -752,13 +795,7 @@
       </p:grpSpPr>
       <p:sp>
         <p:nvSpPr>
-          <p:cNvPr id="2" name="Title 1">
-            <a:extLst>
-              <a:ext uri="{FF2B5EF4-FFF2-40B4-BE49-F238E27FC236}">
-                <a16:creationId xmlns:a16="http://schemas.microsoft.com/office/drawing/2014/main" id="{20AE0143-7C2A-595A-26D9-F2589C85C6A6}"/>
-              </a:ext>
-            </a:extLst>
-          </p:cNvPr>
+          <p:cNvPr id="2" name="Title 1"/>
           <p:cNvSpPr>
             <a:spLocks noGrp="1"/>
           </p:cNvSpPr>
@@ -775,18 +812,13 @@
               <a:rPr lang="en-US"/>
               <a:t>Click to edit Master title style</a:t>
             </a:r>
-          </a:p>
-        </p:txBody>
-      </p:sp>
-      <p:sp>
-        <p:nvSpPr>
-          <p:cNvPr id="3" name="Content Placeholder 2">
-            <a:extLst>
-              <a:ext uri="{FF2B5EF4-FFF2-40B4-BE49-F238E27FC236}">
-                <a16:creationId xmlns:a16="http://schemas.microsoft.com/office/drawing/2014/main" id="{FD95C967-A85B-088E-2FB7-59812B390E98}"/>
-              </a:ext>
-            </a:extLst>
-          </p:cNvPr>
+            <a:endParaRPr lang="en-US" dirty="0"/>
+          </a:p>
+        </p:txBody>
+      </p:sp>
+      <p:sp>
+        <p:nvSpPr>
+          <p:cNvPr id="3" name="Content Placeholder 2"/>
           <p:cNvSpPr>
             <a:spLocks noGrp="1"/>
           </p:cNvSpPr>
@@ -796,7 +828,7 @@
         </p:nvSpPr>
         <p:spPr/>
         <p:txBody>
-          <a:bodyPr/>
+          <a:bodyPr anchor="t"/>
           <a:lstStyle/>
           <a:p>
             <a:pPr lvl="0"/>
@@ -832,18 +864,13 @@
               <a:rPr lang="en-US"/>
               <a:t>Fifth level</a:t>
             </a:r>
-          </a:p>
-        </p:txBody>
-      </p:sp>
-      <p:sp>
-        <p:nvSpPr>
-          <p:cNvPr id="4" name="Date Placeholder 3">
-            <a:extLst>
-              <a:ext uri="{FF2B5EF4-FFF2-40B4-BE49-F238E27FC236}">
-                <a16:creationId xmlns:a16="http://schemas.microsoft.com/office/drawing/2014/main" id="{F4C5E143-6AE7-AE2C-56EB-6FEBD73A6857}"/>
-              </a:ext>
-            </a:extLst>
-          </p:cNvPr>
+            <a:endParaRPr lang="en-US" dirty="0"/>
+          </a:p>
+        </p:txBody>
+      </p:sp>
+      <p:sp>
+        <p:nvSpPr>
+          <p:cNvPr id="4" name="Date Placeholder 3"/>
           <p:cNvSpPr>
             <a:spLocks noGrp="1"/>
           </p:cNvSpPr>
@@ -856,7 +883,7 @@
           <a:bodyPr/>
           <a:lstStyle/>
           <a:p>
-            <a:fld id="{7896D7A7-A2E0-1947-A013-609D4B89094B}" type="datetimeFigureOut">
+            <a:fld id="{81B8F32D-D8B6-4B9E-9CBF-DCAC30B7B93D}" type="datetimeFigureOut">
               <a:rPr lang="en-US" smtClean="0"/>
               <a:t>5/8/23</a:t>
             </a:fld>
@@ -866,13 +893,7 @@
       </p:sp>
       <p:sp>
         <p:nvSpPr>
-          <p:cNvPr id="5" name="Footer Placeholder 4">
-            <a:extLst>
-              <a:ext uri="{FF2B5EF4-FFF2-40B4-BE49-F238E27FC236}">
-                <a16:creationId xmlns:a16="http://schemas.microsoft.com/office/drawing/2014/main" id="{40294C29-8F69-157D-97D5-3FE77810FBB4}"/>
-              </a:ext>
-            </a:extLst>
-          </p:cNvPr>
+          <p:cNvPr id="5" name="Footer Placeholder 4"/>
           <p:cNvSpPr>
             <a:spLocks noGrp="1"/>
           </p:cNvSpPr>
@@ -891,13 +912,7 @@
       </p:sp>
       <p:sp>
         <p:nvSpPr>
-          <p:cNvPr id="6" name="Slide Number Placeholder 5">
-            <a:extLst>
-              <a:ext uri="{FF2B5EF4-FFF2-40B4-BE49-F238E27FC236}">
-                <a16:creationId xmlns:a16="http://schemas.microsoft.com/office/drawing/2014/main" id="{D7CD3F9E-9EEE-7075-C8BB-DAAA72889365}"/>
-              </a:ext>
-            </a:extLst>
-          </p:cNvPr>
+          <p:cNvPr id="6" name="Slide Number Placeholder 5"/>
           <p:cNvSpPr>
             <a:spLocks noGrp="1"/>
           </p:cNvSpPr>
@@ -910,7 +925,7 @@
           <a:bodyPr/>
           <a:lstStyle/>
           <a:p>
-            <a:fld id="{7208F48A-EB98-5247-AE52-6CFB907D196B}" type="slidenum">
+            <a:fld id="{60553ECD-7F6D-420D-93CA-D8D15EB427AC}" type="slidenum">
               <a:rPr lang="en-US" smtClean="0"/>
               <a:t>‹#›</a:t>
             </a:fld>
@@ -918,10 +933,41 @@
           </a:p>
         </p:txBody>
       </p:sp>
+      <p:cxnSp>
+        <p:nvCxnSpPr>
+          <p:cNvPr id="33" name="Straight Connector 32"/>
+          <p:cNvCxnSpPr/>
+          <p:nvPr/>
+        </p:nvCxnSpPr>
+        <p:spPr>
+          <a:xfrm>
+            <a:off x="1453896" y="1847088"/>
+            <a:ext cx="9607522" cy="0"/>
+          </a:xfrm>
+          <a:prstGeom prst="line">
+            <a:avLst/>
+          </a:prstGeom>
+          <a:ln w="31750"/>
+        </p:spPr>
+        <p:style>
+          <a:lnRef idx="3">
+            <a:schemeClr val="accent1"/>
+          </a:lnRef>
+          <a:fillRef idx="0">
+            <a:schemeClr val="accent1"/>
+          </a:fillRef>
+          <a:effectRef idx="2">
+            <a:schemeClr val="accent1"/>
+          </a:effectRef>
+          <a:fontRef idx="minor">
+            <a:schemeClr val="tx1"/>
+          </a:fontRef>
+        </p:style>
+      </p:cxnSp>
     </p:spTree>
     <p:extLst>
       <p:ext uri="{BB962C8B-B14F-4D97-AF65-F5344CB8AC3E}">
-        <p14:creationId xmlns:p14="http://schemas.microsoft.com/office/powerpoint/2010/main" val="1993113782"/>
+        <p14:creationId xmlns:p14="http://schemas.microsoft.com/office/powerpoint/2010/main" val="1444121284"/>
       </p:ext>
     </p:extLst>
   </p:cSld>
@@ -950,13 +996,7 @@
       </p:grpSpPr>
       <p:sp>
         <p:nvSpPr>
-          <p:cNvPr id="2" name="Title 1">
-            <a:extLst>
-              <a:ext uri="{FF2B5EF4-FFF2-40B4-BE49-F238E27FC236}">
-                <a16:creationId xmlns:a16="http://schemas.microsoft.com/office/drawing/2014/main" id="{2F110500-3829-BD35-CD15-3E7CBE240C01}"/>
-              </a:ext>
-            </a:extLst>
-          </p:cNvPr>
+          <p:cNvPr id="2" name="Title 1"/>
           <p:cNvSpPr>
             <a:spLocks noGrp="1"/>
           </p:cNvSpPr>
@@ -966,15 +1006,17 @@
         </p:nvSpPr>
         <p:spPr>
           <a:xfrm>
-            <a:off x="831850" y="1709738"/>
-            <a:ext cx="10515600" cy="2852737"/>
+            <a:off x="1454239" y="1756130"/>
+            <a:ext cx="8643154" cy="1887950"/>
           </a:xfrm>
         </p:spPr>
         <p:txBody>
-          <a:bodyPr anchor="b"/>
+          <a:bodyPr anchor="b">
+            <a:normAutofit/>
+          </a:bodyPr>
           <a:lstStyle>
-            <a:lvl1pPr>
-              <a:defRPr sz="6000"/>
+            <a:lvl1pPr algn="l">
+              <a:defRPr sz="3600"/>
             </a:lvl1pPr>
           </a:lstStyle>
           <a:p>
@@ -982,18 +1024,13 @@
               <a:rPr lang="en-US"/>
               <a:t>Click to edit Master title style</a:t>
             </a:r>
-          </a:p>
-        </p:txBody>
-      </p:sp>
-      <p:sp>
-        <p:nvSpPr>
-          <p:cNvPr id="3" name="Text Placeholder 2">
-            <a:extLst>
-              <a:ext uri="{FF2B5EF4-FFF2-40B4-BE49-F238E27FC236}">
-                <a16:creationId xmlns:a16="http://schemas.microsoft.com/office/drawing/2014/main" id="{F9C35B3D-3C12-B4FB-7677-AC3F5D8377E2}"/>
-              </a:ext>
-            </a:extLst>
-          </p:cNvPr>
+            <a:endParaRPr lang="en-US" dirty="0"/>
+          </a:p>
+        </p:txBody>
+      </p:sp>
+      <p:sp>
+        <p:nvSpPr>
+          <p:cNvPr id="3" name="Text Placeholder 2"/>
           <p:cNvSpPr>
             <a:spLocks noGrp="1"/>
           </p:cNvSpPr>
@@ -1003,26 +1040,26 @@
         </p:nvSpPr>
         <p:spPr>
           <a:xfrm>
-            <a:off x="831850" y="4589463"/>
-            <a:ext cx="10515600" cy="1500187"/>
+            <a:off x="1454239" y="3806195"/>
+            <a:ext cx="8630446" cy="1012929"/>
           </a:xfrm>
         </p:spPr>
         <p:txBody>
-          <a:bodyPr/>
+          <a:bodyPr tIns="91440">
+            <a:normAutofit/>
+          </a:bodyPr>
           <a:lstStyle>
-            <a:lvl1pPr marL="0" indent="0">
-              <a:buNone/>
-              <a:defRPr sz="2400">
+            <a:lvl1pPr marL="0" indent="0" algn="l">
+              <a:buNone/>
+              <a:defRPr sz="1800">
                 <a:solidFill>
-                  <a:schemeClr val="tx1">
-                    <a:tint val="75000"/>
-                  </a:schemeClr>
+                  <a:schemeClr val="tx1"/>
                 </a:solidFill>
               </a:defRPr>
             </a:lvl1pPr>
             <a:lvl2pPr marL="457200" indent="0">
               <a:buNone/>
-              <a:defRPr sz="2000">
+              <a:defRPr sz="1800">
                 <a:solidFill>
                   <a:schemeClr val="tx1">
                     <a:tint val="75000"/>
@@ -1112,13 +1149,7 @@
       </p:sp>
       <p:sp>
         <p:nvSpPr>
-          <p:cNvPr id="4" name="Date Placeholder 3">
-            <a:extLst>
-              <a:ext uri="{FF2B5EF4-FFF2-40B4-BE49-F238E27FC236}">
-                <a16:creationId xmlns:a16="http://schemas.microsoft.com/office/drawing/2014/main" id="{4AE80383-769F-56FD-1F5B-6F41D75FFF47}"/>
-              </a:ext>
-            </a:extLst>
-          </p:cNvPr>
+          <p:cNvPr id="4" name="Date Placeholder 3"/>
           <p:cNvSpPr>
             <a:spLocks noGrp="1"/>
           </p:cNvSpPr>
@@ -1131,7 +1162,7 @@
           <a:bodyPr/>
           <a:lstStyle/>
           <a:p>
-            <a:fld id="{7896D7A7-A2E0-1947-A013-609D4B89094B}" type="datetimeFigureOut">
+            <a:fld id="{81B8F32D-D8B6-4B9E-9CBF-DCAC30B7B93D}" type="datetimeFigureOut">
               <a:rPr lang="en-US" smtClean="0"/>
               <a:t>5/8/23</a:t>
             </a:fld>
@@ -1141,13 +1172,7 @@
       </p:sp>
       <p:sp>
         <p:nvSpPr>
-          <p:cNvPr id="5" name="Footer Placeholder 4">
-            <a:extLst>
-              <a:ext uri="{FF2B5EF4-FFF2-40B4-BE49-F238E27FC236}">
-                <a16:creationId xmlns:a16="http://schemas.microsoft.com/office/drawing/2014/main" id="{88D2204C-80D6-DFC0-183E-84BAF71A22CE}"/>
-              </a:ext>
-            </a:extLst>
-          </p:cNvPr>
+          <p:cNvPr id="5" name="Footer Placeholder 4"/>
           <p:cNvSpPr>
             <a:spLocks noGrp="1"/>
           </p:cNvSpPr>
@@ -1166,13 +1191,7 @@
       </p:sp>
       <p:sp>
         <p:nvSpPr>
-          <p:cNvPr id="6" name="Slide Number Placeholder 5">
-            <a:extLst>
-              <a:ext uri="{FF2B5EF4-FFF2-40B4-BE49-F238E27FC236}">
-                <a16:creationId xmlns:a16="http://schemas.microsoft.com/office/drawing/2014/main" id="{BA4C66F9-B327-5059-5BE0-048879303018}"/>
-              </a:ext>
-            </a:extLst>
-          </p:cNvPr>
+          <p:cNvPr id="6" name="Slide Number Placeholder 5"/>
           <p:cNvSpPr>
             <a:spLocks noGrp="1"/>
           </p:cNvSpPr>
@@ -1185,7 +1204,7 @@
           <a:bodyPr/>
           <a:lstStyle/>
           <a:p>
-            <a:fld id="{7208F48A-EB98-5247-AE52-6CFB907D196B}" type="slidenum">
+            <a:fld id="{60553ECD-7F6D-420D-93CA-D8D15EB427AC}" type="slidenum">
               <a:rPr lang="en-US" smtClean="0"/>
               <a:t>‹#›</a:t>
             </a:fld>
@@ -1193,10 +1212,41 @@
           </a:p>
         </p:txBody>
       </p:sp>
+      <p:cxnSp>
+        <p:nvCxnSpPr>
+          <p:cNvPr id="15" name="Straight Connector 14"/>
+          <p:cNvCxnSpPr/>
+          <p:nvPr/>
+        </p:nvCxnSpPr>
+        <p:spPr>
+          <a:xfrm>
+            <a:off x="1454239" y="3804985"/>
+            <a:ext cx="8630446" cy="0"/>
+          </a:xfrm>
+          <a:prstGeom prst="line">
+            <a:avLst/>
+          </a:prstGeom>
+          <a:ln w="31750"/>
+        </p:spPr>
+        <p:style>
+          <a:lnRef idx="3">
+            <a:schemeClr val="accent1"/>
+          </a:lnRef>
+          <a:fillRef idx="0">
+            <a:schemeClr val="accent1"/>
+          </a:fillRef>
+          <a:effectRef idx="2">
+            <a:schemeClr val="accent1"/>
+          </a:effectRef>
+          <a:fontRef idx="minor">
+            <a:schemeClr val="tx1"/>
+          </a:fontRef>
+        </p:style>
+      </p:cxnSp>
     </p:spTree>
     <p:extLst>
       <p:ext uri="{BB962C8B-B14F-4D97-AF65-F5344CB8AC3E}">
-        <p14:creationId xmlns:p14="http://schemas.microsoft.com/office/powerpoint/2010/main" val="4111020585"/>
+        <p14:creationId xmlns:p14="http://schemas.microsoft.com/office/powerpoint/2010/main" val="710718576"/>
       </p:ext>
     </p:extLst>
   </p:cSld>
@@ -1225,114 +1275,46 @@
       </p:grpSpPr>
       <p:sp>
         <p:nvSpPr>
-          <p:cNvPr id="2" name="Title 1">
-            <a:extLst>
-              <a:ext uri="{FF2B5EF4-FFF2-40B4-BE49-F238E27FC236}">
-                <a16:creationId xmlns:a16="http://schemas.microsoft.com/office/drawing/2014/main" id="{8B14514E-9CE1-229D-2954-C571B74E785A}"/>
-              </a:ext>
-            </a:extLst>
-          </p:cNvPr>
+          <p:cNvPr id="2" name="Title 1"/>
           <p:cNvSpPr>
             <a:spLocks noGrp="1"/>
           </p:cNvSpPr>
           <p:nvPr>
             <p:ph type="title"/>
-          </p:nvPr>
-        </p:nvSpPr>
-        <p:spPr/>
-        <p:txBody>
-          <a:bodyPr/>
-          <a:lstStyle/>
-          <a:p>
-            <a:r>
-              <a:rPr lang="en-US"/>
-              <a:t>Click to edit Master title style</a:t>
-            </a:r>
-          </a:p>
-        </p:txBody>
-      </p:sp>
-      <p:sp>
-        <p:nvSpPr>
-          <p:cNvPr id="3" name="Content Placeholder 2">
-            <a:extLst>
-              <a:ext uri="{FF2B5EF4-FFF2-40B4-BE49-F238E27FC236}">
-                <a16:creationId xmlns:a16="http://schemas.microsoft.com/office/drawing/2014/main" id="{15D7480A-1D3E-32D0-785F-64DCAE0A64C6}"/>
-              </a:ext>
-            </a:extLst>
-          </p:cNvPr>
-          <p:cNvSpPr>
-            <a:spLocks noGrp="1"/>
-          </p:cNvSpPr>
-          <p:nvPr>
-            <p:ph sz="half" idx="1"/>
           </p:nvPr>
         </p:nvSpPr>
         <p:spPr>
           <a:xfrm>
-            <a:off x="838200" y="1825625"/>
-            <a:ext cx="5181600" cy="4351338"/>
+            <a:off x="1449217" y="804889"/>
+            <a:ext cx="9605635" cy="1059305"/>
           </a:xfrm>
         </p:spPr>
         <p:txBody>
           <a:bodyPr/>
           <a:lstStyle/>
           <a:p>
-            <a:pPr lvl="0"/>
-            <a:r>
-              <a:rPr lang="en-US"/>
-              <a:t>Click to edit Master text styles</a:t>
-            </a:r>
-          </a:p>
-          <a:p>
-            <a:pPr lvl="1"/>
-            <a:r>
-              <a:rPr lang="en-US"/>
-              <a:t>Second level</a:t>
-            </a:r>
-          </a:p>
-          <a:p>
-            <a:pPr lvl="2"/>
-            <a:r>
-              <a:rPr lang="en-US"/>
-              <a:t>Third level</a:t>
-            </a:r>
-          </a:p>
-          <a:p>
-            <a:pPr lvl="3"/>
-            <a:r>
-              <a:rPr lang="en-US"/>
-              <a:t>Fourth level</a:t>
-            </a:r>
-          </a:p>
-          <a:p>
-            <a:pPr lvl="4"/>
-            <a:r>
-              <a:rPr lang="en-US"/>
-              <a:t>Fifth level</a:t>
-            </a:r>
-          </a:p>
-        </p:txBody>
-      </p:sp>
-      <p:sp>
-        <p:nvSpPr>
-          <p:cNvPr id="4" name="Content Placeholder 3">
-            <a:extLst>
-              <a:ext uri="{FF2B5EF4-FFF2-40B4-BE49-F238E27FC236}">
-                <a16:creationId xmlns:a16="http://schemas.microsoft.com/office/drawing/2014/main" id="{9A03D9D8-68B7-2B83-0BE5-70F60199BE7E}"/>
-              </a:ext>
-            </a:extLst>
-          </p:cNvPr>
-          <p:cNvSpPr>
-            <a:spLocks noGrp="1"/>
-          </p:cNvSpPr>
-          <p:nvPr>
-            <p:ph sz="half" idx="2"/>
+            <a:r>
+              <a:rPr lang="en-US"/>
+              <a:t>Click to edit Master title style</a:t>
+            </a:r>
+            <a:endParaRPr lang="en-US" dirty="0"/>
+          </a:p>
+        </p:txBody>
+      </p:sp>
+      <p:sp>
+        <p:nvSpPr>
+          <p:cNvPr id="3" name="Content Placeholder 2"/>
+          <p:cNvSpPr>
+            <a:spLocks noGrp="1"/>
+          </p:cNvSpPr>
+          <p:nvPr>
+            <p:ph sz="half" idx="1"/>
           </p:nvPr>
         </p:nvSpPr>
         <p:spPr>
           <a:xfrm>
-            <a:off x="6172200" y="1825625"/>
-            <a:ext cx="5181600" cy="4351338"/>
+            <a:off x="1447331" y="2010878"/>
+            <a:ext cx="4645152" cy="3448595"/>
           </a:xfrm>
         </p:spPr>
         <p:txBody>
@@ -1372,18 +1354,70 @@
               <a:rPr lang="en-US"/>
               <a:t>Fifth level</a:t>
             </a:r>
-          </a:p>
-        </p:txBody>
-      </p:sp>
-      <p:sp>
-        <p:nvSpPr>
-          <p:cNvPr id="5" name="Date Placeholder 4">
-            <a:extLst>
-              <a:ext uri="{FF2B5EF4-FFF2-40B4-BE49-F238E27FC236}">
-                <a16:creationId xmlns:a16="http://schemas.microsoft.com/office/drawing/2014/main" id="{78B42D9C-E53E-D5F4-D07C-02688057C91B}"/>
-              </a:ext>
-            </a:extLst>
-          </p:cNvPr>
+            <a:endParaRPr lang="en-US" dirty="0"/>
+          </a:p>
+        </p:txBody>
+      </p:sp>
+      <p:sp>
+        <p:nvSpPr>
+          <p:cNvPr id="4" name="Content Placeholder 3"/>
+          <p:cNvSpPr>
+            <a:spLocks noGrp="1"/>
+          </p:cNvSpPr>
+          <p:nvPr>
+            <p:ph sz="half" idx="2"/>
+          </p:nvPr>
+        </p:nvSpPr>
+        <p:spPr>
+          <a:xfrm>
+            <a:off x="6413771" y="2017343"/>
+            <a:ext cx="4645152" cy="3441520"/>
+          </a:xfrm>
+        </p:spPr>
+        <p:txBody>
+          <a:bodyPr/>
+          <a:lstStyle/>
+          <a:p>
+            <a:pPr lvl="0"/>
+            <a:r>
+              <a:rPr lang="en-US"/>
+              <a:t>Click to edit Master text styles</a:t>
+            </a:r>
+          </a:p>
+          <a:p>
+            <a:pPr lvl="1"/>
+            <a:r>
+              <a:rPr lang="en-US"/>
+              <a:t>Second level</a:t>
+            </a:r>
+          </a:p>
+          <a:p>
+            <a:pPr lvl="2"/>
+            <a:r>
+              <a:rPr lang="en-US"/>
+              <a:t>Third level</a:t>
+            </a:r>
+          </a:p>
+          <a:p>
+            <a:pPr lvl="3"/>
+            <a:r>
+              <a:rPr lang="en-US"/>
+              <a:t>Fourth level</a:t>
+            </a:r>
+          </a:p>
+          <a:p>
+            <a:pPr lvl="4"/>
+            <a:r>
+              <a:rPr lang="en-US"/>
+              <a:t>Fifth level</a:t>
+            </a:r>
+            <a:endParaRPr lang="en-US" dirty="0"/>
+          </a:p>
+        </p:txBody>
+      </p:sp>
+      <p:sp>
+        <p:nvSpPr>
+          <p:cNvPr id="5" name="Date Placeholder 4"/>
           <p:cNvSpPr>
             <a:spLocks noGrp="1"/>
           </p:cNvSpPr>
@@ -1396,7 +1430,7 @@
           <a:bodyPr/>
           <a:lstStyle/>
           <a:p>
-            <a:fld id="{7896D7A7-A2E0-1947-A013-609D4B89094B}" type="datetimeFigureOut">
+            <a:fld id="{81B8F32D-D8B6-4B9E-9CBF-DCAC30B7B93D}" type="datetimeFigureOut">
               <a:rPr lang="en-US" smtClean="0"/>
               <a:t>5/8/23</a:t>
             </a:fld>
@@ -1406,13 +1440,7 @@
       </p:sp>
       <p:sp>
         <p:nvSpPr>
-          <p:cNvPr id="6" name="Footer Placeholder 5">
-            <a:extLst>
-              <a:ext uri="{FF2B5EF4-FFF2-40B4-BE49-F238E27FC236}">
-                <a16:creationId xmlns:a16="http://schemas.microsoft.com/office/drawing/2014/main" id="{00D16BA2-26AF-F0AF-D46F-C3766AE029DE}"/>
-              </a:ext>
-            </a:extLst>
-          </p:cNvPr>
+          <p:cNvPr id="6" name="Footer Placeholder 5"/>
           <p:cNvSpPr>
             <a:spLocks noGrp="1"/>
           </p:cNvSpPr>
@@ -1431,13 +1459,7 @@
       </p:sp>
       <p:sp>
         <p:nvSpPr>
-          <p:cNvPr id="7" name="Slide Number Placeholder 6">
-            <a:extLst>
-              <a:ext uri="{FF2B5EF4-FFF2-40B4-BE49-F238E27FC236}">
-                <a16:creationId xmlns:a16="http://schemas.microsoft.com/office/drawing/2014/main" id="{0138F042-916E-460C-24AA-E3E786A96F70}"/>
-              </a:ext>
-            </a:extLst>
-          </p:cNvPr>
+          <p:cNvPr id="7" name="Slide Number Placeholder 6"/>
           <p:cNvSpPr>
             <a:spLocks noGrp="1"/>
           </p:cNvSpPr>
@@ -1450,7 +1472,7 @@
           <a:bodyPr/>
           <a:lstStyle/>
           <a:p>
-            <a:fld id="{7208F48A-EB98-5247-AE52-6CFB907D196B}" type="slidenum">
+            <a:fld id="{60553ECD-7F6D-420D-93CA-D8D15EB427AC}" type="slidenum">
               <a:rPr lang="en-US" smtClean="0"/>
               <a:t>‹#›</a:t>
             </a:fld>
@@ -1458,10 +1480,41 @@
           </a:p>
         </p:txBody>
       </p:sp>
+      <p:cxnSp>
+        <p:nvCxnSpPr>
+          <p:cNvPr id="35" name="Straight Connector 34"/>
+          <p:cNvCxnSpPr/>
+          <p:nvPr/>
+        </p:nvCxnSpPr>
+        <p:spPr>
+          <a:xfrm>
+            <a:off x="1453896" y="1847088"/>
+            <a:ext cx="9607522" cy="0"/>
+          </a:xfrm>
+          <a:prstGeom prst="line">
+            <a:avLst/>
+          </a:prstGeom>
+          <a:ln w="31750"/>
+        </p:spPr>
+        <p:style>
+          <a:lnRef idx="3">
+            <a:schemeClr val="accent1"/>
+          </a:lnRef>
+          <a:fillRef idx="0">
+            <a:schemeClr val="accent1"/>
+          </a:fillRef>
+          <a:effectRef idx="2">
+            <a:schemeClr val="accent1"/>
+          </a:effectRef>
+          <a:fontRef idx="minor">
+            <a:schemeClr val="tx1"/>
+          </a:fontRef>
+        </p:style>
+      </p:cxnSp>
     </p:spTree>
     <p:extLst>
       <p:ext uri="{BB962C8B-B14F-4D97-AF65-F5344CB8AC3E}">
-        <p14:creationId xmlns:p14="http://schemas.microsoft.com/office/powerpoint/2010/main" val="4165081237"/>
+        <p14:creationId xmlns:p14="http://schemas.microsoft.com/office/powerpoint/2010/main" val="1614425154"/>
       </p:ext>
     </p:extLst>
   </p:cSld>
@@ -1490,13 +1543,7 @@
       </p:grpSpPr>
       <p:sp>
         <p:nvSpPr>
-          <p:cNvPr id="2" name="Title 1">
-            <a:extLst>
-              <a:ext uri="{FF2B5EF4-FFF2-40B4-BE49-F238E27FC236}">
-                <a16:creationId xmlns:a16="http://schemas.microsoft.com/office/drawing/2014/main" id="{33513B59-00B1-0AAB-FC97-F19BCB307673}"/>
-              </a:ext>
-            </a:extLst>
-          </p:cNvPr>
+          <p:cNvPr id="2" name="Title 1"/>
           <p:cNvSpPr>
             <a:spLocks noGrp="1"/>
           </p:cNvSpPr>
@@ -1506,8 +1553,8 @@
         </p:nvSpPr>
         <p:spPr>
           <a:xfrm>
-            <a:off x="839788" y="365125"/>
-            <a:ext cx="10515600" cy="1325563"/>
+            <a:off x="1447191" y="804163"/>
+            <a:ext cx="9607661" cy="1056319"/>
           </a:xfrm>
         </p:spPr>
         <p:txBody>
@@ -1518,18 +1565,13 @@
               <a:rPr lang="en-US"/>
               <a:t>Click to edit Master title style</a:t>
             </a:r>
-          </a:p>
-        </p:txBody>
-      </p:sp>
-      <p:sp>
-        <p:nvSpPr>
-          <p:cNvPr id="3" name="Text Placeholder 2">
-            <a:extLst>
-              <a:ext uri="{FF2B5EF4-FFF2-40B4-BE49-F238E27FC236}">
-                <a16:creationId xmlns:a16="http://schemas.microsoft.com/office/drawing/2014/main" id="{26B82EE6-5468-E181-5526-4A25E0092162}"/>
-              </a:ext>
-            </a:extLst>
-          </p:cNvPr>
+            <a:endParaRPr lang="en-US" dirty="0"/>
+          </a:p>
+        </p:txBody>
+      </p:sp>
+      <p:sp>
+        <p:nvSpPr>
+          <p:cNvPr id="3" name="Text Placeholder 2"/>
           <p:cNvSpPr>
             <a:spLocks noGrp="1"/>
           </p:cNvSpPr>
@@ -1539,16 +1581,25 @@
         </p:nvSpPr>
         <p:spPr>
           <a:xfrm>
-            <a:off x="839788" y="1681163"/>
-            <a:ext cx="5157787" cy="823912"/>
+            <a:off x="1447191" y="2019549"/>
+            <a:ext cx="4645152" cy="801943"/>
           </a:xfrm>
         </p:spPr>
         <p:txBody>
-          <a:bodyPr anchor="b"/>
+          <a:bodyPr anchor="b">
+            <a:normAutofit/>
+          </a:bodyPr>
           <a:lstStyle>
             <a:lvl1pPr marL="0" indent="0">
-              <a:buNone/>
-              <a:defRPr sz="2400" b="1"/>
+              <a:lnSpc>
+                <a:spcPct val="100000"/>
+              </a:lnSpc>
+              <a:buNone/>
+              <a:defRPr sz="2200" b="0" cap="all" baseline="0">
+                <a:solidFill>
+                  <a:schemeClr val="accent1"/>
+                </a:solidFill>
+              </a:defRPr>
             </a:lvl1pPr>
             <a:lvl2pPr marL="457200" indent="0">
               <a:buNone/>
@@ -1594,13 +1645,7 @@
       </p:sp>
       <p:sp>
         <p:nvSpPr>
-          <p:cNvPr id="4" name="Content Placeholder 3">
-            <a:extLst>
-              <a:ext uri="{FF2B5EF4-FFF2-40B4-BE49-F238E27FC236}">
-                <a16:creationId xmlns:a16="http://schemas.microsoft.com/office/drawing/2014/main" id="{72BC7B86-D54D-4232-B82D-34A722D83520}"/>
-              </a:ext>
-            </a:extLst>
-          </p:cNvPr>
+          <p:cNvPr id="4" name="Content Placeholder 3"/>
           <p:cNvSpPr>
             <a:spLocks noGrp="1"/>
           </p:cNvSpPr>
@@ -1610,8 +1655,8 @@
         </p:nvSpPr>
         <p:spPr>
           <a:xfrm>
-            <a:off x="839788" y="2505075"/>
-            <a:ext cx="5157787" cy="3684588"/>
+            <a:off x="1447191" y="2824269"/>
+            <a:ext cx="4645152" cy="2644457"/>
           </a:xfrm>
         </p:spPr>
         <p:txBody>
@@ -1651,18 +1696,13 @@
               <a:rPr lang="en-US"/>
               <a:t>Fifth level</a:t>
             </a:r>
-          </a:p>
-        </p:txBody>
-      </p:sp>
-      <p:sp>
-        <p:nvSpPr>
-          <p:cNvPr id="5" name="Text Placeholder 4">
-            <a:extLst>
-              <a:ext uri="{FF2B5EF4-FFF2-40B4-BE49-F238E27FC236}">
-                <a16:creationId xmlns:a16="http://schemas.microsoft.com/office/drawing/2014/main" id="{32D363B0-D135-88ED-04EF-26923574E4C4}"/>
-              </a:ext>
-            </a:extLst>
-          </p:cNvPr>
+            <a:endParaRPr lang="en-US" dirty="0"/>
+          </a:p>
+        </p:txBody>
+      </p:sp>
+      <p:sp>
+        <p:nvSpPr>
+          <p:cNvPr id="5" name="Text Placeholder 4"/>
           <p:cNvSpPr>
             <a:spLocks noGrp="1"/>
           </p:cNvSpPr>
@@ -1672,16 +1712,25 @@
         </p:nvSpPr>
         <p:spPr>
           <a:xfrm>
-            <a:off x="6172200" y="1681163"/>
-            <a:ext cx="5183188" cy="823912"/>
+            <a:off x="6412362" y="2023003"/>
+            <a:ext cx="4645152" cy="802237"/>
           </a:xfrm>
         </p:spPr>
         <p:txBody>
-          <a:bodyPr anchor="b"/>
+          <a:bodyPr anchor="b">
+            <a:normAutofit/>
+          </a:bodyPr>
           <a:lstStyle>
             <a:lvl1pPr marL="0" indent="0">
-              <a:buNone/>
-              <a:defRPr sz="2400" b="1"/>
+              <a:lnSpc>
+                <a:spcPct val="100000"/>
+              </a:lnSpc>
+              <a:buNone/>
+              <a:defRPr sz="2200" b="0" cap="all" baseline="0">
+                <a:solidFill>
+                  <a:schemeClr val="accent1"/>
+                </a:solidFill>
+              </a:defRPr>
             </a:lvl1pPr>
             <a:lvl2pPr marL="457200" indent="0">
               <a:buNone/>
@@ -1727,13 +1776,7 @@
       </p:sp>
       <p:sp>
         <p:nvSpPr>
-          <p:cNvPr id="6" name="Content Placeholder 5">
-            <a:extLst>
-              <a:ext uri="{FF2B5EF4-FFF2-40B4-BE49-F238E27FC236}">
-                <a16:creationId xmlns:a16="http://schemas.microsoft.com/office/drawing/2014/main" id="{4A93894F-7587-C846-AEB3-59C2842F53FB}"/>
-              </a:ext>
-            </a:extLst>
-          </p:cNvPr>
+          <p:cNvPr id="6" name="Content Placeholder 5"/>
           <p:cNvSpPr>
             <a:spLocks noGrp="1"/>
           </p:cNvSpPr>
@@ -1743,8 +1786,8 @@
         </p:nvSpPr>
         <p:spPr>
           <a:xfrm>
-            <a:off x="6172200" y="2505075"/>
-            <a:ext cx="5183188" cy="3684588"/>
+            <a:off x="6412362" y="2821491"/>
+            <a:ext cx="4645152" cy="2637371"/>
           </a:xfrm>
         </p:spPr>
         <p:txBody>
@@ -1784,18 +1827,13 @@
               <a:rPr lang="en-US"/>
               <a:t>Fifth level</a:t>
             </a:r>
-          </a:p>
-        </p:txBody>
-      </p:sp>
-      <p:sp>
-        <p:nvSpPr>
-          <p:cNvPr id="7" name="Date Placeholder 6">
-            <a:extLst>
-              <a:ext uri="{FF2B5EF4-FFF2-40B4-BE49-F238E27FC236}">
-                <a16:creationId xmlns:a16="http://schemas.microsoft.com/office/drawing/2014/main" id="{94262A50-5EA9-E884-E7FA-D9AA627F3DC4}"/>
-              </a:ext>
-            </a:extLst>
-          </p:cNvPr>
+            <a:endParaRPr lang="en-US" dirty="0"/>
+          </a:p>
+        </p:txBody>
+      </p:sp>
+      <p:sp>
+        <p:nvSpPr>
+          <p:cNvPr id="7" name="Date Placeholder 6"/>
           <p:cNvSpPr>
             <a:spLocks noGrp="1"/>
           </p:cNvSpPr>
@@ -1808,7 +1846,7 @@
           <a:bodyPr/>
           <a:lstStyle/>
           <a:p>
-            <a:fld id="{7896D7A7-A2E0-1947-A013-609D4B89094B}" type="datetimeFigureOut">
+            <a:fld id="{81B8F32D-D8B6-4B9E-9CBF-DCAC30B7B93D}" type="datetimeFigureOut">
               <a:rPr lang="en-US" smtClean="0"/>
               <a:t>5/8/23</a:t>
             </a:fld>
@@ -1818,13 +1856,7 @@
       </p:sp>
       <p:sp>
         <p:nvSpPr>
-          <p:cNvPr id="8" name="Footer Placeholder 7">
-            <a:extLst>
-              <a:ext uri="{FF2B5EF4-FFF2-40B4-BE49-F238E27FC236}">
-                <a16:creationId xmlns:a16="http://schemas.microsoft.com/office/drawing/2014/main" id="{61A55243-3A2C-8907-957E-E51E71C9E6FC}"/>
-              </a:ext>
-            </a:extLst>
-          </p:cNvPr>
+          <p:cNvPr id="8" name="Footer Placeholder 7"/>
           <p:cNvSpPr>
             <a:spLocks noGrp="1"/>
           </p:cNvSpPr>
@@ -1843,13 +1875,7 @@
       </p:sp>
       <p:sp>
         <p:nvSpPr>
-          <p:cNvPr id="9" name="Slide Number Placeholder 8">
-            <a:extLst>
-              <a:ext uri="{FF2B5EF4-FFF2-40B4-BE49-F238E27FC236}">
-                <a16:creationId xmlns:a16="http://schemas.microsoft.com/office/drawing/2014/main" id="{A601C981-FEAB-7E8E-F43E-A753E7E98396}"/>
-              </a:ext>
-            </a:extLst>
-          </p:cNvPr>
+          <p:cNvPr id="9" name="Slide Number Placeholder 8"/>
           <p:cNvSpPr>
             <a:spLocks noGrp="1"/>
           </p:cNvSpPr>
@@ -1862,7 +1888,7 @@
           <a:bodyPr/>
           <a:lstStyle/>
           <a:p>
-            <a:fld id="{7208F48A-EB98-5247-AE52-6CFB907D196B}" type="slidenum">
+            <a:fld id="{60553ECD-7F6D-420D-93CA-D8D15EB427AC}" type="slidenum">
               <a:rPr lang="en-US" smtClean="0"/>
               <a:t>‹#›</a:t>
             </a:fld>
@@ -1870,10 +1896,41 @@
           </a:p>
         </p:txBody>
       </p:sp>
+      <p:cxnSp>
+        <p:nvCxnSpPr>
+          <p:cNvPr id="29" name="Straight Connector 28"/>
+          <p:cNvCxnSpPr/>
+          <p:nvPr/>
+        </p:nvCxnSpPr>
+        <p:spPr>
+          <a:xfrm>
+            <a:off x="1453896" y="1847088"/>
+            <a:ext cx="9607522" cy="0"/>
+          </a:xfrm>
+          <a:prstGeom prst="line">
+            <a:avLst/>
+          </a:prstGeom>
+          <a:ln w="31750"/>
+        </p:spPr>
+        <p:style>
+          <a:lnRef idx="3">
+            <a:schemeClr val="accent1"/>
+          </a:lnRef>
+          <a:fillRef idx="0">
+            <a:schemeClr val="accent1"/>
+          </a:fillRef>
+          <a:effectRef idx="2">
+            <a:schemeClr val="accent1"/>
+          </a:effectRef>
+          <a:fontRef idx="minor">
+            <a:schemeClr val="tx1"/>
+          </a:fontRef>
+        </p:style>
+      </p:cxnSp>
     </p:spTree>
     <p:extLst>
       <p:ext uri="{BB962C8B-B14F-4D97-AF65-F5344CB8AC3E}">
-        <p14:creationId xmlns:p14="http://schemas.microsoft.com/office/powerpoint/2010/main" val="2284134163"/>
+        <p14:creationId xmlns:p14="http://schemas.microsoft.com/office/powerpoint/2010/main" val="2857420791"/>
       </p:ext>
     </p:extLst>
   </p:cSld>
@@ -1902,13 +1959,7 @@
       </p:grpSpPr>
       <p:sp>
         <p:nvSpPr>
-          <p:cNvPr id="2" name="Title 1">
-            <a:extLst>
-              <a:ext uri="{FF2B5EF4-FFF2-40B4-BE49-F238E27FC236}">
-                <a16:creationId xmlns:a16="http://schemas.microsoft.com/office/drawing/2014/main" id="{7BBDFDB4-47B8-F9E2-CF02-A8349BA6D22A}"/>
-              </a:ext>
-            </a:extLst>
-          </p:cNvPr>
+          <p:cNvPr id="2" name="Title 1"/>
           <p:cNvSpPr>
             <a:spLocks noGrp="1"/>
           </p:cNvSpPr>
@@ -1925,18 +1976,13 @@
               <a:rPr lang="en-US"/>
               <a:t>Click to edit Master title style</a:t>
             </a:r>
-          </a:p>
-        </p:txBody>
-      </p:sp>
-      <p:sp>
-        <p:nvSpPr>
-          <p:cNvPr id="3" name="Date Placeholder 2">
-            <a:extLst>
-              <a:ext uri="{FF2B5EF4-FFF2-40B4-BE49-F238E27FC236}">
-                <a16:creationId xmlns:a16="http://schemas.microsoft.com/office/drawing/2014/main" id="{CF3043F3-2D27-8985-FBF8-B6480C4E82DB}"/>
-              </a:ext>
-            </a:extLst>
-          </p:cNvPr>
+            <a:endParaRPr lang="en-US" dirty="0"/>
+          </a:p>
+        </p:txBody>
+      </p:sp>
+      <p:sp>
+        <p:nvSpPr>
+          <p:cNvPr id="3" name="Date Placeholder 2"/>
           <p:cNvSpPr>
             <a:spLocks noGrp="1"/>
           </p:cNvSpPr>
@@ -1949,7 +1995,7 @@
           <a:bodyPr/>
           <a:lstStyle/>
           <a:p>
-            <a:fld id="{7896D7A7-A2E0-1947-A013-609D4B89094B}" type="datetimeFigureOut">
+            <a:fld id="{81B8F32D-D8B6-4B9E-9CBF-DCAC30B7B93D}" type="datetimeFigureOut">
               <a:rPr lang="en-US" smtClean="0"/>
               <a:t>5/8/23</a:t>
             </a:fld>
@@ -1959,13 +2005,7 @@
       </p:sp>
       <p:sp>
         <p:nvSpPr>
-          <p:cNvPr id="4" name="Footer Placeholder 3">
-            <a:extLst>
-              <a:ext uri="{FF2B5EF4-FFF2-40B4-BE49-F238E27FC236}">
-                <a16:creationId xmlns:a16="http://schemas.microsoft.com/office/drawing/2014/main" id="{40D41540-C60F-BD7B-A773-1861F377C360}"/>
-              </a:ext>
-            </a:extLst>
-          </p:cNvPr>
+          <p:cNvPr id="4" name="Footer Placeholder 3"/>
           <p:cNvSpPr>
             <a:spLocks noGrp="1"/>
           </p:cNvSpPr>
@@ -1984,13 +2024,7 @@
       </p:sp>
       <p:sp>
         <p:nvSpPr>
-          <p:cNvPr id="5" name="Slide Number Placeholder 4">
-            <a:extLst>
-              <a:ext uri="{FF2B5EF4-FFF2-40B4-BE49-F238E27FC236}">
-                <a16:creationId xmlns:a16="http://schemas.microsoft.com/office/drawing/2014/main" id="{E4BDFBB3-AA81-0F7D-AE08-0D9E1E986043}"/>
-              </a:ext>
-            </a:extLst>
-          </p:cNvPr>
+          <p:cNvPr id="5" name="Slide Number Placeholder 4"/>
           <p:cNvSpPr>
             <a:spLocks noGrp="1"/>
           </p:cNvSpPr>
@@ -2003,7 +2037,7 @@
           <a:bodyPr/>
           <a:lstStyle/>
           <a:p>
-            <a:fld id="{7208F48A-EB98-5247-AE52-6CFB907D196B}" type="slidenum">
+            <a:fld id="{60553ECD-7F6D-420D-93CA-D8D15EB427AC}" type="slidenum">
               <a:rPr lang="en-US" smtClean="0"/>
               <a:t>‹#›</a:t>
             </a:fld>
@@ -2011,10 +2045,41 @@
           </a:p>
         </p:txBody>
       </p:sp>
+      <p:cxnSp>
+        <p:nvCxnSpPr>
+          <p:cNvPr id="25" name="Straight Connector 24"/>
+          <p:cNvCxnSpPr/>
+          <p:nvPr/>
+        </p:nvCxnSpPr>
+        <p:spPr>
+          <a:xfrm>
+            <a:off x="1453896" y="1847088"/>
+            <a:ext cx="9607522" cy="0"/>
+          </a:xfrm>
+          <a:prstGeom prst="line">
+            <a:avLst/>
+          </a:prstGeom>
+          <a:ln w="31750"/>
+        </p:spPr>
+        <p:style>
+          <a:lnRef idx="3">
+            <a:schemeClr val="accent1"/>
+          </a:lnRef>
+          <a:fillRef idx="0">
+            <a:schemeClr val="accent1"/>
+          </a:fillRef>
+          <a:effectRef idx="2">
+            <a:schemeClr val="accent1"/>
+          </a:effectRef>
+          <a:fontRef idx="minor">
+            <a:schemeClr val="tx1"/>
+          </a:fontRef>
+        </p:style>
+      </p:cxnSp>
     </p:spTree>
     <p:extLst>
       <p:ext uri="{BB962C8B-B14F-4D97-AF65-F5344CB8AC3E}">
-        <p14:creationId xmlns:p14="http://schemas.microsoft.com/office/powerpoint/2010/main" val="2887766176"/>
+        <p14:creationId xmlns:p14="http://schemas.microsoft.com/office/powerpoint/2010/main" val="2814272785"/>
       </p:ext>
     </p:extLst>
   </p:cSld>
@@ -2043,13 +2108,7 @@
       </p:grpSpPr>
       <p:sp>
         <p:nvSpPr>
-          <p:cNvPr id="2" name="Date Placeholder 1">
-            <a:extLst>
-              <a:ext uri="{FF2B5EF4-FFF2-40B4-BE49-F238E27FC236}">
-                <a16:creationId xmlns:a16="http://schemas.microsoft.com/office/drawing/2014/main" id="{1529FEE7-E5E6-3F17-62FF-DCD81D273C85}"/>
-              </a:ext>
-            </a:extLst>
-          </p:cNvPr>
+          <p:cNvPr id="2" name="Date Placeholder 1"/>
           <p:cNvSpPr>
             <a:spLocks noGrp="1"/>
           </p:cNvSpPr>
@@ -2062,7 +2121,7 @@
           <a:bodyPr/>
           <a:lstStyle/>
           <a:p>
-            <a:fld id="{7896D7A7-A2E0-1947-A013-609D4B89094B}" type="datetimeFigureOut">
+            <a:fld id="{81B8F32D-D8B6-4B9E-9CBF-DCAC30B7B93D}" type="datetimeFigureOut">
               <a:rPr lang="en-US" smtClean="0"/>
               <a:t>5/8/23</a:t>
             </a:fld>
@@ -2072,13 +2131,7 @@
       </p:sp>
       <p:sp>
         <p:nvSpPr>
-          <p:cNvPr id="3" name="Footer Placeholder 2">
-            <a:extLst>
-              <a:ext uri="{FF2B5EF4-FFF2-40B4-BE49-F238E27FC236}">
-                <a16:creationId xmlns:a16="http://schemas.microsoft.com/office/drawing/2014/main" id="{1F971EC3-815E-3828-CDF9-163B98850326}"/>
-              </a:ext>
-            </a:extLst>
-          </p:cNvPr>
+          <p:cNvPr id="3" name="Footer Placeholder 2"/>
           <p:cNvSpPr>
             <a:spLocks noGrp="1"/>
           </p:cNvSpPr>
@@ -2097,13 +2150,7 @@
       </p:sp>
       <p:sp>
         <p:nvSpPr>
-          <p:cNvPr id="4" name="Slide Number Placeholder 3">
-            <a:extLst>
-              <a:ext uri="{FF2B5EF4-FFF2-40B4-BE49-F238E27FC236}">
-                <a16:creationId xmlns:a16="http://schemas.microsoft.com/office/drawing/2014/main" id="{074C310A-5F65-4424-C047-0293389910A0}"/>
-              </a:ext>
-            </a:extLst>
-          </p:cNvPr>
+          <p:cNvPr id="4" name="Slide Number Placeholder 3"/>
           <p:cNvSpPr>
             <a:spLocks noGrp="1"/>
           </p:cNvSpPr>
@@ -2116,7 +2163,7 @@
           <a:bodyPr/>
           <a:lstStyle/>
           <a:p>
-            <a:fld id="{7208F48A-EB98-5247-AE52-6CFB907D196B}" type="slidenum">
+            <a:fld id="{60553ECD-7F6D-420D-93CA-D8D15EB427AC}" type="slidenum">
               <a:rPr lang="en-US" smtClean="0"/>
               <a:t>‹#›</a:t>
             </a:fld>
@@ -2127,7 +2174,7 @@
     </p:spTree>
     <p:extLst>
       <p:ext uri="{BB962C8B-B14F-4D97-AF65-F5344CB8AC3E}">
-        <p14:creationId xmlns:p14="http://schemas.microsoft.com/office/powerpoint/2010/main" val="59426654"/>
+        <p14:creationId xmlns:p14="http://schemas.microsoft.com/office/powerpoint/2010/main" val="3005657208"/>
       </p:ext>
     </p:extLst>
   </p:cSld>
@@ -2156,13 +2203,7 @@
       </p:grpSpPr>
       <p:sp>
         <p:nvSpPr>
-          <p:cNvPr id="2" name="Title 1">
-            <a:extLst>
-              <a:ext uri="{FF2B5EF4-FFF2-40B4-BE49-F238E27FC236}">
-                <a16:creationId xmlns:a16="http://schemas.microsoft.com/office/drawing/2014/main" id="{69BCB5DA-D66F-17BB-F243-DD6018759FF9}"/>
-              </a:ext>
-            </a:extLst>
-          </p:cNvPr>
+          <p:cNvPr id="2" name="Title 1"/>
           <p:cNvSpPr>
             <a:spLocks noGrp="1"/>
           </p:cNvSpPr>
@@ -2172,15 +2213,17 @@
         </p:nvSpPr>
         <p:spPr>
           <a:xfrm>
-            <a:off x="839788" y="457200"/>
-            <a:ext cx="3932237" cy="1600200"/>
+            <a:off x="1444671" y="798973"/>
+            <a:ext cx="3273099" cy="2247117"/>
           </a:xfrm>
         </p:spPr>
         <p:txBody>
-          <a:bodyPr anchor="b"/>
+          <a:bodyPr anchor="b">
+            <a:normAutofit/>
+          </a:bodyPr>
           <a:lstStyle>
-            <a:lvl1pPr>
-              <a:defRPr sz="3200"/>
+            <a:lvl1pPr algn="l">
+              <a:defRPr sz="2400"/>
             </a:lvl1pPr>
           </a:lstStyle>
           <a:p>
@@ -2188,18 +2231,13 @@
               <a:rPr lang="en-US"/>
               <a:t>Click to edit Master title style</a:t>
             </a:r>
-          </a:p>
-        </p:txBody>
-      </p:sp>
-      <p:sp>
-        <p:nvSpPr>
-          <p:cNvPr id="3" name="Content Placeholder 2">
-            <a:extLst>
-              <a:ext uri="{FF2B5EF4-FFF2-40B4-BE49-F238E27FC236}">
-                <a16:creationId xmlns:a16="http://schemas.microsoft.com/office/drawing/2014/main" id="{9AD469BA-0E3F-17E5-4BDB-AFE7AA25EF2D}"/>
-              </a:ext>
-            </a:extLst>
-          </p:cNvPr>
+            <a:endParaRPr lang="en-US" dirty="0"/>
+          </a:p>
+        </p:txBody>
+      </p:sp>
+      <p:sp>
+        <p:nvSpPr>
+          <p:cNvPr id="3" name="Content Placeholder 2"/>
           <p:cNvSpPr>
             <a:spLocks noGrp="1"/>
           </p:cNvSpPr>
@@ -2209,41 +2247,13 @@
         </p:nvSpPr>
         <p:spPr>
           <a:xfrm>
-            <a:off x="5183188" y="987425"/>
-            <a:ext cx="6172200" cy="4873625"/>
+            <a:off x="5043714" y="798974"/>
+            <a:ext cx="6012470" cy="4658826"/>
           </a:xfrm>
         </p:spPr>
         <p:txBody>
-          <a:bodyPr/>
-          <a:lstStyle>
-            <a:lvl1pPr>
-              <a:defRPr sz="3200"/>
-            </a:lvl1pPr>
-            <a:lvl2pPr>
-              <a:defRPr sz="2800"/>
-            </a:lvl2pPr>
-            <a:lvl3pPr>
-              <a:defRPr sz="2400"/>
-            </a:lvl3pPr>
-            <a:lvl4pPr>
-              <a:defRPr sz="2000"/>
-            </a:lvl4pPr>
-            <a:lvl5pPr>
-              <a:defRPr sz="2000"/>
-            </a:lvl5pPr>
-            <a:lvl6pPr>
-              <a:defRPr sz="2000"/>
-            </a:lvl6pPr>
-            <a:lvl7pPr>
-              <a:defRPr sz="2000"/>
-            </a:lvl7pPr>
-            <a:lvl8pPr>
-              <a:defRPr sz="2000"/>
-            </a:lvl8pPr>
-            <a:lvl9pPr>
-              <a:defRPr sz="2000"/>
-            </a:lvl9pPr>
-          </a:lstStyle>
+          <a:bodyPr anchor="ctr"/>
+          <a:lstStyle/>
           <a:p>
             <a:pPr lvl="0"/>
             <a:r>
@@ -2278,18 +2288,13 @@
               <a:rPr lang="en-US"/>
               <a:t>Fifth level</a:t>
             </a:r>
-          </a:p>
-        </p:txBody>
-      </p:sp>
-      <p:sp>
-        <p:nvSpPr>
-          <p:cNvPr id="4" name="Text Placeholder 3">
-            <a:extLst>
-              <a:ext uri="{FF2B5EF4-FFF2-40B4-BE49-F238E27FC236}">
-                <a16:creationId xmlns:a16="http://schemas.microsoft.com/office/drawing/2014/main" id="{16414FAC-4D73-35B1-D7C1-FE78BE10A6DF}"/>
-              </a:ext>
-            </a:extLst>
-          </p:cNvPr>
+            <a:endParaRPr lang="en-US" dirty="0"/>
+          </a:p>
+        </p:txBody>
+      </p:sp>
+      <p:sp>
+        <p:nvSpPr>
+          <p:cNvPr id="4" name="Text Placeholder 3"/>
           <p:cNvSpPr>
             <a:spLocks noGrp="1"/>
           </p:cNvSpPr>
@@ -2299,14 +2304,14 @@
         </p:nvSpPr>
         <p:spPr>
           <a:xfrm>
-            <a:off x="839788" y="2057400"/>
-            <a:ext cx="3932237" cy="3811588"/>
+            <a:off x="1444671" y="3205491"/>
+            <a:ext cx="3275013" cy="2248181"/>
           </a:xfrm>
         </p:spPr>
         <p:txBody>
           <a:bodyPr/>
           <a:lstStyle>
-            <a:lvl1pPr marL="0" indent="0">
+            <a:lvl1pPr marL="0" indent="0" algn="l">
               <a:buNone/>
               <a:defRPr sz="1600"/>
             </a:lvl1pPr>
@@ -2354,13 +2359,7 @@
       </p:sp>
       <p:sp>
         <p:nvSpPr>
-          <p:cNvPr id="5" name="Date Placeholder 4">
-            <a:extLst>
-              <a:ext uri="{FF2B5EF4-FFF2-40B4-BE49-F238E27FC236}">
-                <a16:creationId xmlns:a16="http://schemas.microsoft.com/office/drawing/2014/main" id="{D7240B56-F661-F580-26BB-AECDEB62A9EA}"/>
-              </a:ext>
-            </a:extLst>
-          </p:cNvPr>
+          <p:cNvPr id="5" name="Date Placeholder 4"/>
           <p:cNvSpPr>
             <a:spLocks noGrp="1"/>
           </p:cNvSpPr>
@@ -2373,7 +2372,7 @@
           <a:bodyPr/>
           <a:lstStyle/>
           <a:p>
-            <a:fld id="{7896D7A7-A2E0-1947-A013-609D4B89094B}" type="datetimeFigureOut">
+            <a:fld id="{81B8F32D-D8B6-4B9E-9CBF-DCAC30B7B93D}" type="datetimeFigureOut">
               <a:rPr lang="en-US" smtClean="0"/>
               <a:t>5/8/23</a:t>
             </a:fld>
@@ -2383,13 +2382,7 @@
       </p:sp>
       <p:sp>
         <p:nvSpPr>
-          <p:cNvPr id="6" name="Footer Placeholder 5">
-            <a:extLst>
-              <a:ext uri="{FF2B5EF4-FFF2-40B4-BE49-F238E27FC236}">
-                <a16:creationId xmlns:a16="http://schemas.microsoft.com/office/drawing/2014/main" id="{8DFA317B-8EA8-9EEA-12B4-3D886C412124}"/>
-              </a:ext>
-            </a:extLst>
-          </p:cNvPr>
+          <p:cNvPr id="6" name="Footer Placeholder 5"/>
           <p:cNvSpPr>
             <a:spLocks noGrp="1"/>
           </p:cNvSpPr>
@@ -2408,13 +2401,7 @@
       </p:sp>
       <p:sp>
         <p:nvSpPr>
-          <p:cNvPr id="7" name="Slide Number Placeholder 6">
-            <a:extLst>
-              <a:ext uri="{FF2B5EF4-FFF2-40B4-BE49-F238E27FC236}">
-                <a16:creationId xmlns:a16="http://schemas.microsoft.com/office/drawing/2014/main" id="{39F3679D-A6A5-EE20-3217-D7566FDB3277}"/>
-              </a:ext>
-            </a:extLst>
-          </p:cNvPr>
+          <p:cNvPr id="7" name="Slide Number Placeholder 6"/>
           <p:cNvSpPr>
             <a:spLocks noGrp="1"/>
           </p:cNvSpPr>
@@ -2427,7 +2414,7 @@
           <a:bodyPr/>
           <a:lstStyle/>
           <a:p>
-            <a:fld id="{7208F48A-EB98-5247-AE52-6CFB907D196B}" type="slidenum">
+            <a:fld id="{60553ECD-7F6D-420D-93CA-D8D15EB427AC}" type="slidenum">
               <a:rPr lang="en-US" smtClean="0"/>
               <a:t>‹#›</a:t>
             </a:fld>
@@ -2435,10 +2422,41 @@
           </a:p>
         </p:txBody>
       </p:sp>
+      <p:cxnSp>
+        <p:nvCxnSpPr>
+          <p:cNvPr id="17" name="Straight Connector 16"/>
+          <p:cNvCxnSpPr/>
+          <p:nvPr/>
+        </p:nvCxnSpPr>
+        <p:spPr>
+          <a:xfrm>
+            <a:off x="1448280" y="3205491"/>
+            <a:ext cx="3269490" cy="0"/>
+          </a:xfrm>
+          <a:prstGeom prst="line">
+            <a:avLst/>
+          </a:prstGeom>
+          <a:ln w="31750"/>
+        </p:spPr>
+        <p:style>
+          <a:lnRef idx="3">
+            <a:schemeClr val="accent1"/>
+          </a:lnRef>
+          <a:fillRef idx="0">
+            <a:schemeClr val="accent1"/>
+          </a:fillRef>
+          <a:effectRef idx="2">
+            <a:schemeClr val="accent1"/>
+          </a:effectRef>
+          <a:fontRef idx="minor">
+            <a:schemeClr val="tx1"/>
+          </a:fontRef>
+        </p:style>
+      </p:cxnSp>
     </p:spTree>
     <p:extLst>
       <p:ext uri="{BB962C8B-B14F-4D97-AF65-F5344CB8AC3E}">
-        <p14:creationId xmlns:p14="http://schemas.microsoft.com/office/powerpoint/2010/main" val="1890695960"/>
+        <p14:creationId xmlns:p14="http://schemas.microsoft.com/office/powerpoint/2010/main" val="2271693761"/>
       </p:ext>
     </p:extLst>
   </p:cSld>
@@ -2465,15 +2483,143 @@
           <a:chExt cx="0" cy="0"/>
         </a:xfrm>
       </p:grpSpPr>
-      <p:sp>
-        <p:nvSpPr>
-          <p:cNvPr id="2" name="Title 1">
-            <a:extLst>
-              <a:ext uri="{FF2B5EF4-FFF2-40B4-BE49-F238E27FC236}">
-                <a16:creationId xmlns:a16="http://schemas.microsoft.com/office/drawing/2014/main" id="{ABB4C408-9BB5-B256-8BA4-035FC2C80B5A}"/>
-              </a:ext>
-            </a:extLst>
-          </p:cNvPr>
+      <p:grpSp>
+        <p:nvGrpSpPr>
+          <p:cNvPr id="8" name="Group 7"/>
+          <p:cNvGrpSpPr/>
+          <p:nvPr/>
+        </p:nvGrpSpPr>
+        <p:grpSpPr>
+          <a:xfrm>
+            <a:off x="7477387" y="482170"/>
+            <a:ext cx="4074533" cy="5149101"/>
+            <a:chOff x="7477387" y="482170"/>
+            <a:chExt cx="4074533" cy="5149101"/>
+          </a:xfrm>
+        </p:grpSpPr>
+        <p:sp>
+          <p:nvSpPr>
+            <p:cNvPr id="18" name="Rectangle 17"/>
+            <p:cNvSpPr/>
+            <p:nvPr/>
+          </p:nvSpPr>
+          <p:spPr bwMode="black">
+            <a:xfrm>
+              <a:off x="7477387" y="482170"/>
+              <a:ext cx="4074533" cy="5149101"/>
+            </a:xfrm>
+            <a:prstGeom prst="rect">
+              <a:avLst/>
+            </a:prstGeom>
+            <a:gradFill>
+              <a:gsLst>
+                <a:gs pos="0">
+                  <a:srgbClr val="000001"/>
+                </a:gs>
+                <a:gs pos="100000">
+                  <a:srgbClr val="191919"/>
+                </a:gs>
+              </a:gsLst>
+            </a:gradFill>
+            <a:ln w="76200" cmpd="sng">
+              <a:noFill/>
+              <a:miter lim="800000"/>
+            </a:ln>
+            <a:effectLst>
+              <a:outerShdw blurRad="127000" dist="228600" dir="4740000" sx="98000" sy="98000" algn="tl" rotWithShape="0">
+                <a:srgbClr val="000000">
+                  <a:alpha val="34000"/>
+                </a:srgbClr>
+              </a:outerShdw>
+            </a:effectLst>
+            <a:scene3d>
+              <a:camera prst="orthographicFront"/>
+              <a:lightRig rig="threePt" dir="t"/>
+            </a:scene3d>
+            <a:sp3d>
+              <a:bevelT w="152400" h="50800" prst="softRound"/>
+            </a:sp3d>
+          </p:spPr>
+          <p:style>
+            <a:lnRef idx="1">
+              <a:schemeClr val="accent1"/>
+            </a:lnRef>
+            <a:fillRef idx="3">
+              <a:schemeClr val="accent1"/>
+            </a:fillRef>
+            <a:effectRef idx="2">
+              <a:schemeClr val="accent1"/>
+            </a:effectRef>
+            <a:fontRef idx="minor">
+              <a:schemeClr val="lt1"/>
+            </a:fontRef>
+          </p:style>
+        </p:sp>
+        <p:sp>
+          <p:nvSpPr>
+            <p:cNvPr id="19" name="Rectangle 18"/>
+            <p:cNvSpPr/>
+            <p:nvPr/>
+          </p:nvSpPr>
+          <p:spPr bwMode="blackWhite">
+            <a:xfrm>
+              <a:off x="7790446" y="812506"/>
+              <a:ext cx="3450289" cy="4466452"/>
+            </a:xfrm>
+            <a:prstGeom prst="rect">
+              <a:avLst/>
+            </a:prstGeom>
+            <a:gradFill>
+              <a:gsLst>
+                <a:gs pos="0">
+                  <a:srgbClr val="DADADA"/>
+                </a:gs>
+                <a:gs pos="100000">
+                  <a:srgbClr val="FFFFFE"/>
+                </a:gs>
+              </a:gsLst>
+              <a:lin ang="16200000" scaled="0"/>
+            </a:gradFill>
+            <a:ln w="50800" cmpd="sng">
+              <a:solidFill>
+                <a:srgbClr val="191919"/>
+              </a:solidFill>
+              <a:miter lim="800000"/>
+            </a:ln>
+            <a:effectLst>
+              <a:innerShdw blurRad="63500" dist="88900" dir="14100000">
+                <a:srgbClr val="000000">
+                  <a:alpha val="30000"/>
+                </a:srgbClr>
+              </a:innerShdw>
+            </a:effectLst>
+            <a:scene3d>
+              <a:camera prst="orthographicFront"/>
+              <a:lightRig rig="threePt" dir="t"/>
+            </a:scene3d>
+            <a:sp3d>
+              <a:bevelT prst="relaxedInset"/>
+            </a:sp3d>
+          </p:spPr>
+          <p:style>
+            <a:lnRef idx="1">
+              <a:schemeClr val="accent1"/>
+            </a:lnRef>
+            <a:fillRef idx="3">
+              <a:schemeClr val="accent1"/>
+            </a:fillRef>
+            <a:effectRef idx="2">
+              <a:schemeClr val="accent1"/>
+            </a:effectRef>
+            <a:fontRef idx="minor">
+              <a:schemeClr val="lt1"/>
+            </a:fontRef>
+          </p:style>
+        </p:sp>
+      </p:grpSp>
+      <p:sp>
+        <p:nvSpPr>
+          <p:cNvPr id="2" name="Title 1"/>
           <p:cNvSpPr>
             <a:spLocks noGrp="1"/>
           </p:cNvSpPr>
@@ -2483,12 +2629,14 @@
         </p:nvSpPr>
         <p:spPr>
           <a:xfrm>
-            <a:off x="839788" y="457200"/>
-            <a:ext cx="3932237" cy="1600200"/>
+            <a:off x="1451206" y="1129513"/>
+            <a:ext cx="5532328" cy="1830584"/>
           </a:xfrm>
         </p:spPr>
         <p:txBody>
-          <a:bodyPr anchor="b"/>
+          <a:bodyPr anchor="b">
+            <a:normAutofit/>
+          </a:bodyPr>
           <a:lstStyle>
             <a:lvl1pPr>
               <a:defRPr sz="3200"/>
@@ -2499,20 +2647,15 @@
               <a:rPr lang="en-US"/>
               <a:t>Click to edit Master title style</a:t>
             </a:r>
-          </a:p>
-        </p:txBody>
-      </p:sp>
-      <p:sp>
-        <p:nvSpPr>
-          <p:cNvPr id="3" name="Picture Placeholder 2">
-            <a:extLst>
-              <a:ext uri="{FF2B5EF4-FFF2-40B4-BE49-F238E27FC236}">
-                <a16:creationId xmlns:a16="http://schemas.microsoft.com/office/drawing/2014/main" id="{089F05C7-D171-C8BB-129A-FFA077DF289E}"/>
-              </a:ext>
-            </a:extLst>
-          </p:cNvPr>
-          <p:cNvSpPr>
-            <a:spLocks noGrp="1"/>
+            <a:endParaRPr lang="en-US" dirty="0"/>
+          </a:p>
+        </p:txBody>
+      </p:sp>
+      <p:sp>
+        <p:nvSpPr>
+          <p:cNvPr id="3" name="Picture Placeholder 2"/>
+          <p:cNvSpPr>
+            <a:spLocks noGrp="1" noChangeAspect="1"/>
           </p:cNvSpPr>
           <p:nvPr>
             <p:ph type="pic" idx="1"/>
@@ -2520,14 +2663,24 @@
         </p:nvSpPr>
         <p:spPr>
           <a:xfrm>
-            <a:off x="5183188" y="987425"/>
-            <a:ext cx="6172200" cy="4873625"/>
+            <a:off x="8124389" y="1122542"/>
+            <a:ext cx="2791171" cy="3866327"/>
           </a:xfrm>
+          <a:solidFill>
+            <a:schemeClr val="bg1">
+              <a:lumMod val="85000"/>
+            </a:schemeClr>
+          </a:solidFill>
+          <a:ln w="9525" cap="sq">
+            <a:noFill/>
+            <a:miter lim="800000"/>
+          </a:ln>
+          <a:effectLst/>
         </p:spPr>
         <p:txBody>
-          <a:bodyPr/>
+          <a:bodyPr anchor="t"/>
           <a:lstStyle>
-            <a:lvl1pPr marL="0" indent="0">
+            <a:lvl1pPr marL="0" indent="0" algn="ctr">
               <a:buNone/>
               <a:defRPr sz="3200"/>
             </a:lvl1pPr>
@@ -2565,19 +2718,17 @@
             </a:lvl9pPr>
           </a:lstStyle>
           <a:p>
-            <a:endParaRPr lang="en-US"/>
-          </a:p>
-        </p:txBody>
-      </p:sp>
-      <p:sp>
-        <p:nvSpPr>
-          <p:cNvPr id="4" name="Text Placeholder 3">
-            <a:extLst>
-              <a:ext uri="{FF2B5EF4-FFF2-40B4-BE49-F238E27FC236}">
-                <a16:creationId xmlns:a16="http://schemas.microsoft.com/office/drawing/2014/main" id="{F8DA3E68-00BE-5EB5-FC60-3AC563155D5C}"/>
-              </a:ext>
-            </a:extLst>
-          </p:cNvPr>
+            <a:r>
+              <a:rPr lang="en-US"/>
+              <a:t>Click icon to add picture</a:t>
+            </a:r>
+            <a:endParaRPr lang="en-US" dirty="0"/>
+          </a:p>
+        </p:txBody>
+      </p:sp>
+      <p:sp>
+        <p:nvSpPr>
+          <p:cNvPr id="4" name="Text Placeholder 3"/>
           <p:cNvSpPr>
             <a:spLocks noGrp="1"/>
           </p:cNvSpPr>
@@ -2587,16 +2738,18 @@
         </p:nvSpPr>
         <p:spPr>
           <a:xfrm>
-            <a:off x="839788" y="2057400"/>
-            <a:ext cx="3932237" cy="3811588"/>
+            <a:off x="1450329" y="3145992"/>
+            <a:ext cx="5524404" cy="2003742"/>
           </a:xfrm>
         </p:spPr>
         <p:txBody>
-          <a:bodyPr/>
+          <a:bodyPr>
+            <a:normAutofit/>
+          </a:bodyPr>
           <a:lstStyle>
-            <a:lvl1pPr marL="0" indent="0">
-              <a:buNone/>
-              <a:defRPr sz="1600"/>
+            <a:lvl1pPr marL="0" indent="0" algn="l">
+              <a:buNone/>
+              <a:defRPr sz="1800"/>
             </a:lvl1pPr>
             <a:lvl2pPr marL="457200" indent="0">
               <a:buNone/>
@@ -2642,13 +2795,7 @@
       </p:sp>
       <p:sp>
         <p:nvSpPr>
-          <p:cNvPr id="5" name="Date Placeholder 4">
-            <a:extLst>
-              <a:ext uri="{FF2B5EF4-FFF2-40B4-BE49-F238E27FC236}">
-                <a16:creationId xmlns:a16="http://schemas.microsoft.com/office/drawing/2014/main" id="{3A8C6B66-81FD-767B-A893-927342233299}"/>
-              </a:ext>
-            </a:extLst>
-          </p:cNvPr>
+          <p:cNvPr id="5" name="Date Placeholder 4"/>
           <p:cNvSpPr>
             <a:spLocks noGrp="1"/>
           </p:cNvSpPr>
@@ -2656,12 +2803,21 @@
             <p:ph type="dt" sz="half" idx="10"/>
           </p:nvPr>
         </p:nvSpPr>
-        <p:spPr/>
-        <p:txBody>
-          <a:bodyPr/>
-          <a:lstStyle/>
-          <a:p>
-            <a:fld id="{7896D7A7-A2E0-1947-A013-609D4B89094B}" type="datetimeFigureOut">
+        <p:spPr>
+          <a:xfrm>
+            <a:off x="1447382" y="5469856"/>
+            <a:ext cx="5527351" cy="320123"/>
+          </a:xfrm>
+        </p:spPr>
+        <p:txBody>
+          <a:bodyPr/>
+          <a:lstStyle>
+            <a:lvl1pPr algn="l">
+              <a:defRPr/>
+            </a:lvl1pPr>
+          </a:lstStyle>
+          <a:p>
+            <a:fld id="{81B8F32D-D8B6-4B9E-9CBF-DCAC30B7B93D}" type="datetimeFigureOut">
               <a:rPr lang="en-US" smtClean="0"/>
               <a:t>5/8/23</a:t>
             </a:fld>
@@ -2671,13 +2827,7 @@
       </p:sp>
       <p:sp>
         <p:nvSpPr>
-          <p:cNvPr id="6" name="Footer Placeholder 5">
-            <a:extLst>
-              <a:ext uri="{FF2B5EF4-FFF2-40B4-BE49-F238E27FC236}">
-                <a16:creationId xmlns:a16="http://schemas.microsoft.com/office/drawing/2014/main" id="{C40243F1-FAC8-F5F2-D807-F5CD67E656CC}"/>
-              </a:ext>
-            </a:extLst>
-          </p:cNvPr>
+          <p:cNvPr id="6" name="Footer Placeholder 5"/>
           <p:cNvSpPr>
             <a:spLocks noGrp="1"/>
           </p:cNvSpPr>
@@ -2685,7 +2835,12 @@
             <p:ph type="ftr" sz="quarter" idx="11"/>
           </p:nvPr>
         </p:nvSpPr>
-        <p:spPr/>
+        <p:spPr>
+          <a:xfrm>
+            <a:off x="1447382" y="318640"/>
+            <a:ext cx="5541004" cy="320931"/>
+          </a:xfrm>
+        </p:spPr>
         <p:txBody>
           <a:bodyPr/>
           <a:lstStyle/>
@@ -2696,13 +2851,7 @@
       </p:sp>
       <p:sp>
         <p:nvSpPr>
-          <p:cNvPr id="7" name="Slide Number Placeholder 6">
-            <a:extLst>
-              <a:ext uri="{FF2B5EF4-FFF2-40B4-BE49-F238E27FC236}">
-                <a16:creationId xmlns:a16="http://schemas.microsoft.com/office/drawing/2014/main" id="{1A033C22-86D7-A904-9162-62CC485CF0DF}"/>
-              </a:ext>
-            </a:extLst>
-          </p:cNvPr>
+          <p:cNvPr id="7" name="Slide Number Placeholder 6"/>
           <p:cNvSpPr>
             <a:spLocks noGrp="1"/>
           </p:cNvSpPr>
@@ -2715,7 +2864,7 @@
           <a:bodyPr/>
           <a:lstStyle/>
           <a:p>
-            <a:fld id="{7208F48A-EB98-5247-AE52-6CFB907D196B}" type="slidenum">
+            <a:fld id="{60553ECD-7F6D-420D-93CA-D8D15EB427AC}" type="slidenum">
               <a:rPr lang="en-US" smtClean="0"/>
               <a:t>‹#›</a:t>
             </a:fld>
@@ -2723,10 +2872,41 @@
           </a:p>
         </p:txBody>
       </p:sp>
+      <p:cxnSp>
+        <p:nvCxnSpPr>
+          <p:cNvPr id="31" name="Straight Connector 30"/>
+          <p:cNvCxnSpPr/>
+          <p:nvPr/>
+        </p:nvCxnSpPr>
+        <p:spPr>
+          <a:xfrm>
+            <a:off x="1447382" y="3143605"/>
+            <a:ext cx="5527351" cy="0"/>
+          </a:xfrm>
+          <a:prstGeom prst="line">
+            <a:avLst/>
+          </a:prstGeom>
+          <a:ln w="31750"/>
+        </p:spPr>
+        <p:style>
+          <a:lnRef idx="3">
+            <a:schemeClr val="accent1"/>
+          </a:lnRef>
+          <a:fillRef idx="0">
+            <a:schemeClr val="accent1"/>
+          </a:fillRef>
+          <a:effectRef idx="2">
+            <a:schemeClr val="accent1"/>
+          </a:effectRef>
+          <a:fontRef idx="minor">
+            <a:schemeClr val="tx1"/>
+          </a:fontRef>
+        </p:style>
+      </p:cxnSp>
     </p:spTree>
     <p:extLst>
       <p:ext uri="{BB962C8B-B14F-4D97-AF65-F5344CB8AC3E}">
-        <p14:creationId xmlns:p14="http://schemas.microsoft.com/office/powerpoint/2010/main" val="2415486118"/>
+        <p14:creationId xmlns:p14="http://schemas.microsoft.com/office/powerpoint/2010/main" val="501222522"/>
       </p:ext>
     </p:extLst>
   </p:cSld>
@@ -2740,8 +2920,8 @@
 <p:sldMaster xmlns:a="http://schemas.openxmlformats.org/drawingml/2006/main" xmlns:r="http://schemas.openxmlformats.org/officeDocument/2006/relationships" xmlns:p="http://schemas.openxmlformats.org/presentationml/2006/main">
   <p:cSld>
     <p:bg>
-      <p:bgRef idx="1001">
-        <a:schemeClr val="bg1"/>
+      <p:bgRef idx="1003">
+        <a:schemeClr val="bg2"/>
       </p:bgRef>
     </p:bg>
     <p:spTree>
@@ -2760,139 +2940,201 @@
       </p:grpSpPr>
       <p:sp>
         <p:nvSpPr>
-          <p:cNvPr id="2" name="Title Placeholder 1">
+          <p:cNvPr id="8" name="Rectangle 7"/>
+          <p:cNvSpPr/>
+          <p:nvPr/>
+        </p:nvSpPr>
+        <p:spPr>
+          <a:xfrm>
+            <a:off x="0" y="2019476"/>
+            <a:ext cx="12192000" cy="4105941"/>
+          </a:xfrm>
+          <a:prstGeom prst="rect">
+            <a:avLst/>
+          </a:prstGeom>
+          <a:gradFill flip="none" rotWithShape="1">
+            <a:gsLst>
+              <a:gs pos="0">
+                <a:schemeClr val="bg2">
+                  <a:alpha val="0"/>
+                </a:schemeClr>
+              </a:gs>
+              <a:gs pos="100000">
+                <a:schemeClr val="bg2"/>
+              </a:gs>
+            </a:gsLst>
+            <a:lin ang="5400000" scaled="0"/>
+            <a:tileRect/>
+          </a:gradFill>
+          <a:ln>
+            <a:noFill/>
+          </a:ln>
+        </p:spPr>
+        <p:style>
+          <a:lnRef idx="2">
+            <a:schemeClr val="accent1">
+              <a:shade val="50000"/>
+            </a:schemeClr>
+          </a:lnRef>
+          <a:fillRef idx="1">
+            <a:schemeClr val="accent1"/>
+          </a:fillRef>
+          <a:effectRef idx="0">
+            <a:schemeClr val="accent1"/>
+          </a:effectRef>
+          <a:fontRef idx="minor">
+            <a:schemeClr val="lt1"/>
+          </a:fontRef>
+        </p:style>
+      </p:sp>
+      <p:pic>
+        <p:nvPicPr>
+          <p:cNvPr id="7" name="Picture 6"/>
+          <p:cNvPicPr>
+            <a:picLocks noChangeAspect="1"/>
+          </p:cNvPicPr>
+          <p:nvPr/>
+        </p:nvPicPr>
+        <p:blipFill rotWithShape="1">
+          <a:blip r:embed="rId13">
             <a:extLst>
-              <a:ext uri="{FF2B5EF4-FFF2-40B4-BE49-F238E27FC236}">
-                <a16:creationId xmlns:a16="http://schemas.microsoft.com/office/drawing/2014/main" id="{546896D4-6974-75DD-764D-0D2AC7C5A681}"/>
+              <a:ext uri="{28A0092B-C50C-407E-A947-70E740481C1C}">
+                <a14:useLocalDpi xmlns:a14="http://schemas.microsoft.com/office/drawing/2010/main" val="0"/>
               </a:ext>
             </a:extLst>
-          </p:cNvPr>
-          <p:cNvSpPr>
-            <a:spLocks noGrp="1"/>
-          </p:cNvSpPr>
-          <p:nvPr>
-            <p:ph type="title"/>
-          </p:nvPr>
-        </p:nvSpPr>
-        <p:spPr>
+          </a:blip>
+          <a:srcRect t="1538" b="-1538"/>
+          <a:stretch/>
+        </p:blipFill>
+        <p:spPr bwMode="black">
           <a:xfrm>
-            <a:off x="838200" y="365125"/>
-            <a:ext cx="10515600" cy="1325563"/>
+            <a:off x="0" y="6126480"/>
+            <a:ext cx="12192000" cy="742950"/>
           </a:xfrm>
           <a:prstGeom prst="rect">
             <a:avLst/>
           </a:prstGeom>
         </p:spPr>
-        <p:txBody>
-          <a:bodyPr vert="horz" lIns="91440" tIns="45720" rIns="91440" bIns="45720" rtlCol="0" anchor="ctr">
-            <a:normAutofit/>
-          </a:bodyPr>
-          <a:lstStyle/>
-          <a:p>
-            <a:r>
-              <a:rPr lang="en-US"/>
-              <a:t>Click to edit Master title style</a:t>
-            </a:r>
-          </a:p>
-        </p:txBody>
-      </p:sp>
-      <p:sp>
-        <p:nvSpPr>
-          <p:cNvPr id="3" name="Text Placeholder 2">
-            <a:extLst>
-              <a:ext uri="{FF2B5EF4-FFF2-40B4-BE49-F238E27FC236}">
-                <a16:creationId xmlns:a16="http://schemas.microsoft.com/office/drawing/2014/main" id="{DB4595FA-2743-F911-EECC-E00CE0F02F54}"/>
-              </a:ext>
-            </a:extLst>
-          </p:cNvPr>
-          <p:cNvSpPr>
-            <a:spLocks noGrp="1"/>
-          </p:cNvSpPr>
-          <p:nvPr>
-            <p:ph type="body" idx="1"/>
+      </p:pic>
+      <p:sp>
+        <p:nvSpPr>
+          <p:cNvPr id="2" name="Title Placeholder 1"/>
+          <p:cNvSpPr>
+            <a:spLocks noGrp="1"/>
+          </p:cNvSpPr>
+          <p:nvPr>
+            <p:ph type="title"/>
           </p:nvPr>
         </p:nvSpPr>
         <p:spPr>
           <a:xfrm>
-            <a:off x="838200" y="1825625"/>
-            <a:ext cx="10515600" cy="4351338"/>
+            <a:off x="1451579" y="804519"/>
+            <a:ext cx="9603275" cy="1049235"/>
           </a:xfrm>
           <a:prstGeom prst="rect">
             <a:avLst/>
           </a:prstGeom>
         </p:spPr>
         <p:txBody>
-          <a:bodyPr vert="horz" lIns="91440" tIns="45720" rIns="91440" bIns="45720" rtlCol="0">
+          <a:bodyPr vert="horz" lIns="91440" tIns="45720" rIns="91440" bIns="45720" rtlCol="0" anchor="t">
             <a:normAutofit/>
           </a:bodyPr>
           <a:lstStyle/>
           <a:p>
-            <a:pPr lvl="0"/>
-            <a:r>
-              <a:rPr lang="en-US"/>
-              <a:t>Click to edit Master text styles</a:t>
-            </a:r>
-          </a:p>
-          <a:p>
-            <a:pPr lvl="1"/>
-            <a:r>
-              <a:rPr lang="en-US"/>
-              <a:t>Second level</a:t>
-            </a:r>
-          </a:p>
-          <a:p>
-            <a:pPr lvl="2"/>
-            <a:r>
-              <a:rPr lang="en-US"/>
-              <a:t>Third level</a:t>
-            </a:r>
-          </a:p>
-          <a:p>
-            <a:pPr lvl="3"/>
-            <a:r>
-              <a:rPr lang="en-US"/>
-              <a:t>Fourth level</a:t>
-            </a:r>
-          </a:p>
-          <a:p>
-            <a:pPr lvl="4"/>
-            <a:r>
-              <a:rPr lang="en-US"/>
-              <a:t>Fifth level</a:t>
-            </a:r>
-          </a:p>
-        </p:txBody>
-      </p:sp>
-      <p:sp>
-        <p:nvSpPr>
-          <p:cNvPr id="4" name="Date Placeholder 3">
-            <a:extLst>
-              <a:ext uri="{FF2B5EF4-FFF2-40B4-BE49-F238E27FC236}">
-                <a16:creationId xmlns:a16="http://schemas.microsoft.com/office/drawing/2014/main" id="{CE49305A-62F0-3A48-C8B2-62CF506EA3CD}"/>
-              </a:ext>
-            </a:extLst>
-          </p:cNvPr>
-          <p:cNvSpPr>
-            <a:spLocks noGrp="1"/>
-          </p:cNvSpPr>
-          <p:nvPr>
-            <p:ph type="dt" sz="half" idx="2"/>
+            <a:r>
+              <a:rPr lang="en-US"/>
+              <a:t>Click to edit Master title style</a:t>
+            </a:r>
+            <a:endParaRPr lang="en-US" dirty="0"/>
+          </a:p>
+        </p:txBody>
+      </p:sp>
+      <p:sp>
+        <p:nvSpPr>
+          <p:cNvPr id="3" name="Text Placeholder 2"/>
+          <p:cNvSpPr>
+            <a:spLocks noGrp="1"/>
+          </p:cNvSpPr>
+          <p:nvPr>
+            <p:ph type="body" idx="1"/>
           </p:nvPr>
         </p:nvSpPr>
         <p:spPr>
           <a:xfrm>
-            <a:off x="838200" y="6356350"/>
-            <a:ext cx="2743200" cy="365125"/>
+            <a:off x="1451579" y="2015732"/>
+            <a:ext cx="9603275" cy="3450613"/>
           </a:xfrm>
           <a:prstGeom prst="rect">
             <a:avLst/>
           </a:prstGeom>
         </p:spPr>
         <p:txBody>
+          <a:bodyPr vert="horz" lIns="91440" tIns="45720" rIns="91440" bIns="45720" rtlCol="0">
+            <a:normAutofit/>
+          </a:bodyPr>
+          <a:lstStyle/>
+          <a:p>
+            <a:pPr lvl="0"/>
+            <a:r>
+              <a:rPr lang="en-US"/>
+              <a:t>Click to edit Master text styles</a:t>
+            </a:r>
+          </a:p>
+          <a:p>
+            <a:pPr lvl="1"/>
+            <a:r>
+              <a:rPr lang="en-US"/>
+              <a:t>Second level</a:t>
+            </a:r>
+          </a:p>
+          <a:p>
+            <a:pPr lvl="2"/>
+            <a:r>
+              <a:rPr lang="en-US"/>
+              <a:t>Third level</a:t>
+            </a:r>
+          </a:p>
+          <a:p>
+            <a:pPr lvl="3"/>
+            <a:r>
+              <a:rPr lang="en-US"/>
+              <a:t>Fourth level</a:t>
+            </a:r>
+          </a:p>
+          <a:p>
+            <a:pPr lvl="4"/>
+            <a:r>
+              <a:rPr lang="en-US"/>
+              <a:t>Fifth level</a:t>
+            </a:r>
+            <a:endParaRPr lang="en-US" dirty="0"/>
+          </a:p>
+        </p:txBody>
+      </p:sp>
+      <p:sp>
+        <p:nvSpPr>
+          <p:cNvPr id="4" name="Date Placeholder 3"/>
+          <p:cNvSpPr>
+            <a:spLocks noGrp="1"/>
+          </p:cNvSpPr>
+          <p:nvPr>
+            <p:ph type="dt" sz="half" idx="2"/>
+          </p:nvPr>
+        </p:nvSpPr>
+        <p:spPr>
+          <a:xfrm>
+            <a:off x="7554138" y="330370"/>
+            <a:ext cx="3500715" cy="309201"/>
+          </a:xfrm>
+          <a:prstGeom prst="rect">
+            <a:avLst/>
+          </a:prstGeom>
+        </p:spPr>
+        <p:txBody>
           <a:bodyPr vert="horz" lIns="91440" tIns="45720" rIns="91440" bIns="45720" rtlCol="0" anchor="ctr"/>
           <a:lstStyle>
-            <a:lvl1pPr algn="l">
-              <a:defRPr sz="1200">
+            <a:lvl1pPr algn="r">
+              <a:defRPr sz="1000">
                 <a:solidFill>
                   <a:schemeClr val="tx1">
                     <a:tint val="75000"/>
@@ -2902,23 +3144,18 @@
             </a:lvl1pPr>
           </a:lstStyle>
           <a:p>
-            <a:fld id="{7896D7A7-A2E0-1947-A013-609D4B89094B}" type="datetimeFigureOut">
+            <a:fld id="{81B8F32D-D8B6-4B9E-9CBF-DCAC30B7B93D}" type="datetimeFigureOut">
               <a:rPr lang="en-US" smtClean="0"/>
+              <a:pPr/>
               <a:t>5/8/23</a:t>
             </a:fld>
-            <a:endParaRPr lang="en-US"/>
-          </a:p>
-        </p:txBody>
-      </p:sp>
-      <p:sp>
-        <p:nvSpPr>
-          <p:cNvPr id="5" name="Footer Placeholder 4">
-            <a:extLst>
-              <a:ext uri="{FF2B5EF4-FFF2-40B4-BE49-F238E27FC236}">
-                <a16:creationId xmlns:a16="http://schemas.microsoft.com/office/drawing/2014/main" id="{55C5D15D-CEAA-0400-6950-B60FEE28CB64}"/>
-              </a:ext>
-            </a:extLst>
-          </p:cNvPr>
+            <a:endParaRPr lang="en-US" dirty="0"/>
+          </a:p>
+        </p:txBody>
+      </p:sp>
+      <p:sp>
+        <p:nvSpPr>
+          <p:cNvPr id="5" name="Footer Placeholder 4"/>
           <p:cNvSpPr>
             <a:spLocks noGrp="1"/>
           </p:cNvSpPr>
@@ -2928,8 +3165,8 @@
         </p:nvSpPr>
         <p:spPr>
           <a:xfrm>
-            <a:off x="4038600" y="6356350"/>
-            <a:ext cx="4114800" cy="365125"/>
+            <a:off x="1451579" y="329307"/>
+            <a:ext cx="5938836" cy="309201"/>
           </a:xfrm>
           <a:prstGeom prst="rect">
             <a:avLst/>
@@ -2938,8 +3175,8 @@
         <p:txBody>
           <a:bodyPr vert="horz" lIns="91440" tIns="45720" rIns="91440" bIns="45720" rtlCol="0" anchor="ctr"/>
           <a:lstStyle>
-            <a:lvl1pPr algn="ctr">
-              <a:defRPr sz="1200">
+            <a:lvl1pPr algn="l">
+              <a:defRPr sz="1000">
                 <a:solidFill>
                   <a:schemeClr val="tx1">
                     <a:tint val="75000"/>
@@ -2949,19 +3186,13 @@
             </a:lvl1pPr>
           </a:lstStyle>
           <a:p>
-            <a:endParaRPr lang="en-US"/>
-          </a:p>
-        </p:txBody>
-      </p:sp>
-      <p:sp>
-        <p:nvSpPr>
-          <p:cNvPr id="6" name="Slide Number Placeholder 5">
-            <a:extLst>
-              <a:ext uri="{FF2B5EF4-FFF2-40B4-BE49-F238E27FC236}">
-                <a16:creationId xmlns:a16="http://schemas.microsoft.com/office/drawing/2014/main" id="{E54B886C-6CBB-A92B-CBBD-EA3264C3A25B}"/>
-              </a:ext>
-            </a:extLst>
-          </p:cNvPr>
+            <a:endParaRPr lang="en-US" dirty="0"/>
+          </a:p>
+        </p:txBody>
+      </p:sp>
+      <p:sp>
+        <p:nvSpPr>
+          <p:cNvPr id="6" name="Slide Number Placeholder 5"/>
           <p:cNvSpPr>
             <a:spLocks noGrp="1"/>
           </p:cNvSpPr>
@@ -2971,55 +3202,91 @@
         </p:nvSpPr>
         <p:spPr>
           <a:xfrm>
-            <a:off x="8610600" y="6356350"/>
-            <a:ext cx="2743200" cy="365125"/>
+            <a:off x="480060" y="798973"/>
+            <a:ext cx="811019" cy="503578"/>
           </a:xfrm>
           <a:prstGeom prst="rect">
             <a:avLst/>
           </a:prstGeom>
         </p:spPr>
         <p:txBody>
-          <a:bodyPr vert="horz" lIns="91440" tIns="45720" rIns="91440" bIns="45720" rtlCol="0" anchor="ctr"/>
+          <a:bodyPr vert="horz" lIns="91440" tIns="45720" rIns="91440" bIns="45720" rtlCol="0" anchor="t"/>
           <a:lstStyle>
             <a:lvl1pPr algn="r">
-              <a:defRPr sz="1200">
+              <a:defRPr sz="2800">
                 <a:solidFill>
-                  <a:schemeClr val="tx1">
-                    <a:tint val="75000"/>
-                  </a:schemeClr>
+                  <a:schemeClr val="accent1"/>
                 </a:solidFill>
               </a:defRPr>
             </a:lvl1pPr>
           </a:lstStyle>
           <a:p>
-            <a:fld id="{7208F48A-EB98-5247-AE52-6CFB907D196B}" type="slidenum">
+            <a:fld id="{60553ECD-7F6D-420D-93CA-D8D15EB427AC}" type="slidenum">
               <a:rPr lang="en-US" smtClean="0"/>
+              <a:pPr/>
               <a:t>‹#›</a:t>
             </a:fld>
-            <a:endParaRPr lang="en-US"/>
-          </a:p>
-        </p:txBody>
-      </p:sp>
+            <a:endParaRPr lang="en-US" dirty="0"/>
+          </a:p>
+        </p:txBody>
+      </p:sp>
+      <p:cxnSp>
+        <p:nvCxnSpPr>
+          <p:cNvPr id="10" name="Straight Connector 9"/>
+          <p:cNvCxnSpPr/>
+          <p:nvPr/>
+        </p:nvCxnSpPr>
+        <p:spPr>
+          <a:xfrm>
+            <a:off x="0" y="6128413"/>
+            <a:ext cx="12192000" cy="0"/>
+          </a:xfrm>
+          <a:prstGeom prst="line">
+            <a:avLst/>
+          </a:prstGeom>
+          <a:ln w="12700">
+            <a:solidFill>
+              <a:srgbClr val="000001">
+                <a:alpha val="20000"/>
+              </a:srgbClr>
+            </a:solidFill>
+          </a:ln>
+        </p:spPr>
+        <p:style>
+          <a:lnRef idx="1">
+            <a:schemeClr val="accent1"/>
+          </a:lnRef>
+          <a:fillRef idx="0">
+            <a:schemeClr val="accent1"/>
+          </a:fillRef>
+          <a:effectRef idx="0">
+            <a:schemeClr val="accent1"/>
+          </a:effectRef>
+          <a:fontRef idx="minor">
+            <a:schemeClr val="tx1"/>
+          </a:fontRef>
+        </p:style>
+      </p:cxnSp>
     </p:spTree>
     <p:extLst>
       <p:ext uri="{BB962C8B-B14F-4D97-AF65-F5344CB8AC3E}">
-        <p14:creationId xmlns:p14="http://schemas.microsoft.com/office/powerpoint/2010/main" val="2230488702"/>
+        <p14:creationId xmlns:p14="http://schemas.microsoft.com/office/powerpoint/2010/main" val="3153508614"/>
       </p:ext>
     </p:extLst>
   </p:cSld>
   <p:clrMap bg1="lt1" tx1="dk1" bg2="lt2" tx2="dk2" accent1="accent1" accent2="accent2" accent3="accent3" accent4="accent4" accent5="accent5" accent6="accent6" hlink="hlink" folHlink="folHlink"/>
   <p:sldLayoutIdLst>
-    <p:sldLayoutId id="2147483649" r:id="rId1"/>
-    <p:sldLayoutId id="2147483650" r:id="rId2"/>
-    <p:sldLayoutId id="2147483651" r:id="rId3"/>
-    <p:sldLayoutId id="2147483652" r:id="rId4"/>
-    <p:sldLayoutId id="2147483653" r:id="rId5"/>
-    <p:sldLayoutId id="2147483654" r:id="rId6"/>
-    <p:sldLayoutId id="2147483655" r:id="rId7"/>
-    <p:sldLayoutId id="2147483656" r:id="rId8"/>
-    <p:sldLayoutId id="2147483657" r:id="rId9"/>
-    <p:sldLayoutId id="2147483658" r:id="rId10"/>
-    <p:sldLayoutId id="2147483659" r:id="rId11"/>
+    <p:sldLayoutId id="2147483763" r:id="rId1"/>
+    <p:sldLayoutId id="2147483764" r:id="rId2"/>
+    <p:sldLayoutId id="2147483765" r:id="rId3"/>
+    <p:sldLayoutId id="2147483766" r:id="rId4"/>
+    <p:sldLayoutId id="2147483767" r:id="rId5"/>
+    <p:sldLayoutId id="2147483768" r:id="rId6"/>
+    <p:sldLayoutId id="2147483769" r:id="rId7"/>
+    <p:sldLayoutId id="2147483770" r:id="rId8"/>
+    <p:sldLayoutId id="2147483771" r:id="rId9"/>
+    <p:sldLayoutId id="2147483772" r:id="rId10"/>
+    <p:sldLayoutId id="2147483773" r:id="rId11"/>
   </p:sldLayoutIdLst>
   <p:txStyles>
     <p:titleStyle>
@@ -3031,10 +3298,11 @@
           <a:spcPct val="0"/>
         </a:spcBef>
         <a:buNone/>
-        <a:defRPr sz="4400" kern="1200">
+        <a:defRPr sz="3200" b="0" i="0" kern="1200" cap="all">
           <a:solidFill>
             <a:schemeClr val="tx1"/>
           </a:solidFill>
+          <a:effectLst/>
           <a:latin typeface="+mj-lt"/>
           <a:ea typeface="+mj-ea"/>
           <a:cs typeface="+mj-cs"/>
@@ -3044,17 +3312,22 @@
     <p:bodyStyle>
       <a:lvl1pPr marL="228600" indent="-228600" algn="l" defTabSz="914400" rtl="0" eaLnBrk="1" latinLnBrk="0" hangingPunct="1">
         <a:lnSpc>
-          <a:spcPct val="90000"/>
+          <a:spcPct val="120000"/>
         </a:lnSpc>
         <a:spcBef>
           <a:spcPts val="1000"/>
         </a:spcBef>
+        <a:buClr>
+          <a:schemeClr val="accent1"/>
+        </a:buClr>
+        <a:buSzPct val="100000"/>
         <a:buFont typeface="Arial" panose="020B0604020202020204" pitchFamily="34" charset="0"/>
         <a:buChar char="•"/>
-        <a:defRPr sz="2800" kern="1200">
+        <a:defRPr sz="2000" kern="1200">
           <a:solidFill>
             <a:schemeClr val="tx1"/>
           </a:solidFill>
+          <a:effectLst/>
           <a:latin typeface="+mn-lt"/>
           <a:ea typeface="+mn-ea"/>
           <a:cs typeface="+mn-cs"/>
@@ -3062,17 +3335,22 @@
       </a:lvl1pPr>
       <a:lvl2pPr marL="685800" indent="-228600" algn="l" defTabSz="914400" rtl="0" eaLnBrk="1" latinLnBrk="0" hangingPunct="1">
         <a:lnSpc>
-          <a:spcPct val="90000"/>
+          <a:spcPct val="120000"/>
         </a:lnSpc>
         <a:spcBef>
           <a:spcPts val="500"/>
         </a:spcBef>
+        <a:buClr>
+          <a:schemeClr val="accent1"/>
+        </a:buClr>
+        <a:buSzPct val="100000"/>
         <a:buFont typeface="Arial" panose="020B0604020202020204" pitchFamily="34" charset="0"/>
         <a:buChar char="•"/>
-        <a:defRPr sz="2400" kern="1200">
+        <a:defRPr sz="1800" kern="1200" cap="none" baseline="0">
           <a:solidFill>
             <a:schemeClr val="tx1"/>
           </a:solidFill>
+          <a:effectLst/>
           <a:latin typeface="+mn-lt"/>
           <a:ea typeface="+mn-ea"/>
           <a:cs typeface="+mn-cs"/>
@@ -3080,17 +3358,22 @@
       </a:lvl2pPr>
       <a:lvl3pPr marL="1143000" indent="-228600" algn="l" defTabSz="914400" rtl="0" eaLnBrk="1" latinLnBrk="0" hangingPunct="1">
         <a:lnSpc>
-          <a:spcPct val="90000"/>
+          <a:spcPct val="120000"/>
         </a:lnSpc>
         <a:spcBef>
           <a:spcPts val="500"/>
         </a:spcBef>
+        <a:buClr>
+          <a:schemeClr val="accent1"/>
+        </a:buClr>
+        <a:buSzPct val="100000"/>
         <a:buFont typeface="Arial" panose="020B0604020202020204" pitchFamily="34" charset="0"/>
         <a:buChar char="•"/>
-        <a:defRPr sz="2000" kern="1200">
+        <a:defRPr sz="1600" kern="1200">
           <a:solidFill>
             <a:schemeClr val="tx1"/>
           </a:solidFill>
+          <a:effectLst/>
           <a:latin typeface="+mn-lt"/>
           <a:ea typeface="+mn-ea"/>
           <a:cs typeface="+mn-cs"/>
@@ -3098,17 +3381,22 @@
       </a:lvl3pPr>
       <a:lvl4pPr marL="1600200" indent="-228600" algn="l" defTabSz="914400" rtl="0" eaLnBrk="1" latinLnBrk="0" hangingPunct="1">
         <a:lnSpc>
-          <a:spcPct val="90000"/>
+          <a:spcPct val="120000"/>
         </a:lnSpc>
         <a:spcBef>
           <a:spcPts val="500"/>
         </a:spcBef>
+        <a:buClr>
+          <a:schemeClr val="accent1"/>
+        </a:buClr>
+        <a:buSzPct val="100000"/>
         <a:buFont typeface="Arial" panose="020B0604020202020204" pitchFamily="34" charset="0"/>
         <a:buChar char="•"/>
-        <a:defRPr sz="1800" kern="1200">
+        <a:defRPr sz="1400" kern="1200" cap="none" baseline="0">
           <a:solidFill>
             <a:schemeClr val="tx1"/>
           </a:solidFill>
+          <a:effectLst/>
           <a:latin typeface="+mn-lt"/>
           <a:ea typeface="+mn-ea"/>
           <a:cs typeface="+mn-cs"/>
@@ -3116,17 +3404,22 @@
       </a:lvl4pPr>
       <a:lvl5pPr marL="2057400" indent="-228600" algn="l" defTabSz="914400" rtl="0" eaLnBrk="1" latinLnBrk="0" hangingPunct="1">
         <a:lnSpc>
-          <a:spcPct val="90000"/>
+          <a:spcPct val="120000"/>
         </a:lnSpc>
         <a:spcBef>
           <a:spcPts val="500"/>
         </a:spcBef>
+        <a:buClr>
+          <a:schemeClr val="accent1"/>
+        </a:buClr>
+        <a:buSzPct val="100000"/>
         <a:buFont typeface="Arial" panose="020B0604020202020204" pitchFamily="34" charset="0"/>
         <a:buChar char="•"/>
-        <a:defRPr sz="1800" kern="1200">
+        <a:defRPr sz="1200" kern="1200">
           <a:solidFill>
             <a:schemeClr val="tx1"/>
           </a:solidFill>
+          <a:effectLst/>
           <a:latin typeface="+mn-lt"/>
           <a:ea typeface="+mn-ea"/>
           <a:cs typeface="+mn-cs"/>
@@ -3134,17 +3427,22 @@
       </a:lvl5pPr>
       <a:lvl6pPr marL="2514600" indent="-228600" algn="l" defTabSz="914400" rtl="0" eaLnBrk="1" latinLnBrk="0" hangingPunct="1">
         <a:lnSpc>
-          <a:spcPct val="90000"/>
+          <a:spcPct val="120000"/>
         </a:lnSpc>
         <a:spcBef>
           <a:spcPts val="500"/>
         </a:spcBef>
+        <a:buClr>
+          <a:schemeClr val="accent1"/>
+        </a:buClr>
+        <a:buSzPct val="100000"/>
         <a:buFont typeface="Arial" panose="020B0604020202020204" pitchFamily="34" charset="0"/>
         <a:buChar char="•"/>
-        <a:defRPr sz="1800" kern="1200">
+        <a:defRPr sz="1200" kern="1200">
           <a:solidFill>
             <a:schemeClr val="tx1"/>
           </a:solidFill>
+          <a:effectLst/>
           <a:latin typeface="+mn-lt"/>
           <a:ea typeface="+mn-ea"/>
           <a:cs typeface="+mn-cs"/>
@@ -3152,17 +3450,22 @@
       </a:lvl6pPr>
       <a:lvl7pPr marL="2971800" indent="-228600" algn="l" defTabSz="914400" rtl="0" eaLnBrk="1" latinLnBrk="0" hangingPunct="1">
         <a:lnSpc>
-          <a:spcPct val="90000"/>
+          <a:spcPct val="120000"/>
         </a:lnSpc>
         <a:spcBef>
           <a:spcPts val="500"/>
         </a:spcBef>
+        <a:buClr>
+          <a:schemeClr val="accent1"/>
+        </a:buClr>
+        <a:buSzPct val="100000"/>
         <a:buFont typeface="Arial" panose="020B0604020202020204" pitchFamily="34" charset="0"/>
         <a:buChar char="•"/>
-        <a:defRPr sz="1800" kern="1200">
+        <a:defRPr sz="1200" kern="1200">
           <a:solidFill>
             <a:schemeClr val="tx1"/>
           </a:solidFill>
+          <a:effectLst/>
           <a:latin typeface="+mn-lt"/>
           <a:ea typeface="+mn-ea"/>
           <a:cs typeface="+mn-cs"/>
@@ -3170,17 +3473,22 @@
       </a:lvl7pPr>
       <a:lvl8pPr marL="3429000" indent="-228600" algn="l" defTabSz="914400" rtl="0" eaLnBrk="1" latinLnBrk="0" hangingPunct="1">
         <a:lnSpc>
-          <a:spcPct val="90000"/>
+          <a:spcPct val="120000"/>
         </a:lnSpc>
         <a:spcBef>
           <a:spcPts val="500"/>
         </a:spcBef>
+        <a:buClr>
+          <a:schemeClr val="accent1"/>
+        </a:buClr>
+        <a:buSzPct val="100000"/>
         <a:buFont typeface="Arial" panose="020B0604020202020204" pitchFamily="34" charset="0"/>
         <a:buChar char="•"/>
-        <a:defRPr sz="1800" kern="1200">
+        <a:defRPr sz="1200" kern="1200" baseline="0">
           <a:solidFill>
             <a:schemeClr val="tx1"/>
           </a:solidFill>
+          <a:effectLst/>
           <a:latin typeface="+mn-lt"/>
           <a:ea typeface="+mn-ea"/>
           <a:cs typeface="+mn-cs"/>
@@ -3188,17 +3496,22 @@
       </a:lvl8pPr>
       <a:lvl9pPr marL="3886200" indent="-228600" algn="l" defTabSz="914400" rtl="0" eaLnBrk="1" latinLnBrk="0" hangingPunct="1">
         <a:lnSpc>
-          <a:spcPct val="90000"/>
+          <a:spcPct val="120000"/>
         </a:lnSpc>
         <a:spcBef>
           <a:spcPts val="500"/>
         </a:spcBef>
+        <a:buClr>
+          <a:schemeClr val="accent1"/>
+        </a:buClr>
+        <a:buSzPct val="100000"/>
         <a:buFont typeface="Arial" panose="020B0604020202020204" pitchFamily="34" charset="0"/>
         <a:buChar char="•"/>
-        <a:defRPr sz="1800" kern="1200">
+        <a:defRPr sz="1200" kern="1200" baseline="0">
           <a:solidFill>
             <a:schemeClr val="tx1"/>
           </a:solidFill>
+          <a:effectLst/>
           <a:latin typeface="+mn-lt"/>
           <a:ea typeface="+mn-ea"/>
           <a:cs typeface="+mn-cs"/>
@@ -3307,6 +3620,14 @@
 <file path=ppt/slides/slide1.xml><?xml version="1.0" encoding="utf-8"?>
 <p:sld xmlns:a="http://schemas.openxmlformats.org/drawingml/2006/main" xmlns:r="http://schemas.openxmlformats.org/officeDocument/2006/relationships" xmlns:p="http://schemas.openxmlformats.org/presentationml/2006/main">
   <p:cSld>
+    <p:bg>
+      <p:bgPr>
+        <a:solidFill>
+          <a:schemeClr val="bg1"/>
+        </a:solidFill>
+        <a:effectLst/>
+      </p:bgPr>
+    </p:bg>
     <p:spTree>
       <p:nvGrpSpPr>
         <p:cNvPr id="1" name=""/>
@@ -3337,12 +3658,27 @@
             <p:ph type="ctrTitle"/>
           </p:nvPr>
         </p:nvSpPr>
-        <p:spPr/>
-        <p:txBody>
-          <a:bodyPr/>
-          <a:lstStyle/>
-          <a:p>
-            <a:endParaRPr lang="en-US"/>
+        <p:spPr>
+          <a:xfrm>
+            <a:off x="1699430" y="1145028"/>
+            <a:ext cx="8793140" cy="2187012"/>
+          </a:xfrm>
+        </p:spPr>
+        <p:txBody>
+          <a:bodyPr>
+            <a:normAutofit/>
+          </a:bodyPr>
+          <a:lstStyle/>
+          <a:p>
+            <a:pPr algn="l"/>
+            <a:r>
+              <a:rPr lang="en-US" sz="4400" dirty="0" err="1"/>
+              <a:t>SparkML</a:t>
+            </a:r>
+            <a:r>
+              <a:rPr lang="en-US" sz="4400" dirty="0"/>
+              <a:t>: A Scalable Platform for Machine Learning in Cervical Cancer Research</a:t>
+            </a:r>
           </a:p>
         </p:txBody>
       </p:sp>
@@ -3362,12 +3698,32 @@
             <p:ph type="subTitle" idx="1"/>
           </p:nvPr>
         </p:nvSpPr>
-        <p:spPr/>
-        <p:txBody>
-          <a:bodyPr/>
-          <a:lstStyle/>
-          <a:p>
-            <a:endParaRPr lang="en-US"/>
+        <p:spPr>
+          <a:xfrm>
+            <a:off x="1699430" y="3796356"/>
+            <a:ext cx="4620584" cy="775494"/>
+          </a:xfrm>
+        </p:spPr>
+        <p:txBody>
+          <a:bodyPr>
+            <a:normAutofit/>
+          </a:bodyPr>
+          <a:lstStyle/>
+          <a:p>
+            <a:pPr algn="l"/>
+            <a:r>
+              <a:rPr lang="en-US" dirty="0" err="1"/>
+              <a:t>Thuan</a:t>
+            </a:r>
+            <a:r>
+              <a:rPr lang="en-US" dirty="0"/>
+              <a:t> </a:t>
+            </a:r>
+            <a:r>
+              <a:rPr lang="en-US" dirty="0" err="1"/>
+              <a:t>Nhan</a:t>
+            </a:r>
+            <a:endParaRPr lang="en-US" dirty="0"/>
           </a:p>
         </p:txBody>
       </p:sp>
@@ -3384,10 +3740,1544 @@
 </p:sld>
 </file>
 
+<file path=ppt/slides/slide10.xml><?xml version="1.0" encoding="utf-8"?>
+<p:sld xmlns:a="http://schemas.openxmlformats.org/drawingml/2006/main" xmlns:r="http://schemas.openxmlformats.org/officeDocument/2006/relationships" xmlns:p="http://schemas.openxmlformats.org/presentationml/2006/main">
+  <p:cSld>
+    <p:spTree>
+      <p:nvGrpSpPr>
+        <p:cNvPr id="1" name=""/>
+        <p:cNvGrpSpPr/>
+        <p:nvPr/>
+      </p:nvGrpSpPr>
+      <p:grpSpPr>
+        <a:xfrm>
+          <a:off x="0" y="0"/>
+          <a:ext cx="0" cy="0"/>
+          <a:chOff x="0" y="0"/>
+          <a:chExt cx="0" cy="0"/>
+        </a:xfrm>
+      </p:grpSpPr>
+      <p:sp>
+        <p:nvSpPr>
+          <p:cNvPr id="2" name="Title 1">
+            <a:extLst>
+              <a:ext uri="{FF2B5EF4-FFF2-40B4-BE49-F238E27FC236}">
+                <a16:creationId xmlns:a16="http://schemas.microsoft.com/office/drawing/2014/main" id="{10967EE5-F49D-E86C-07D4-CB23A101BAD1}"/>
+              </a:ext>
+            </a:extLst>
+          </p:cNvPr>
+          <p:cNvSpPr>
+            <a:spLocks noGrp="1"/>
+          </p:cNvSpPr>
+          <p:nvPr>
+            <p:ph type="title"/>
+          </p:nvPr>
+        </p:nvSpPr>
+        <p:spPr/>
+        <p:txBody>
+          <a:bodyPr/>
+          <a:lstStyle/>
+          <a:p>
+            <a:r>
+              <a:rPr lang="en-US" dirty="0"/>
+              <a:t>Gradient Boosted Classifier</a:t>
+            </a:r>
+          </a:p>
+        </p:txBody>
+      </p:sp>
+      <p:sp>
+        <p:nvSpPr>
+          <p:cNvPr id="3" name="Content Placeholder 2">
+            <a:extLst>
+              <a:ext uri="{FF2B5EF4-FFF2-40B4-BE49-F238E27FC236}">
+                <a16:creationId xmlns:a16="http://schemas.microsoft.com/office/drawing/2014/main" id="{4DBF4885-5E2E-6210-2AF2-6135D69E1479}"/>
+              </a:ext>
+            </a:extLst>
+          </p:cNvPr>
+          <p:cNvSpPr>
+            <a:spLocks noGrp="1"/>
+          </p:cNvSpPr>
+          <p:nvPr>
+            <p:ph idx="1"/>
+          </p:nvPr>
+        </p:nvSpPr>
+        <p:spPr/>
+        <p:txBody>
+          <a:bodyPr/>
+          <a:lstStyle/>
+          <a:p>
+            <a:r>
+              <a:rPr lang="en-US" dirty="0"/>
+              <a:t>Use multiple decision tree to improve classification performance</a:t>
+            </a:r>
+          </a:p>
+          <a:p>
+            <a:r>
+              <a:rPr lang="en-US" dirty="0"/>
+              <a:t>Trees are builds in sequence, each tree improve upon previous tree.</a:t>
+            </a:r>
+          </a:p>
+        </p:txBody>
+      </p:sp>
+    </p:spTree>
+    <p:extLst>
+      <p:ext uri="{BB962C8B-B14F-4D97-AF65-F5344CB8AC3E}">
+        <p14:creationId xmlns:p14="http://schemas.microsoft.com/office/powerpoint/2010/main" val="2417224525"/>
+      </p:ext>
+    </p:extLst>
+  </p:cSld>
+  <p:clrMapOvr>
+    <a:masterClrMapping/>
+  </p:clrMapOvr>
+</p:sld>
+</file>
+
+<file path=ppt/slides/slide11.xml><?xml version="1.0" encoding="utf-8"?>
+<p:sld xmlns:a="http://schemas.openxmlformats.org/drawingml/2006/main" xmlns:r="http://schemas.openxmlformats.org/officeDocument/2006/relationships" xmlns:p="http://schemas.openxmlformats.org/presentationml/2006/main">
+  <p:cSld>
+    <p:spTree>
+      <p:nvGrpSpPr>
+        <p:cNvPr id="1" name=""/>
+        <p:cNvGrpSpPr/>
+        <p:nvPr/>
+      </p:nvGrpSpPr>
+      <p:grpSpPr>
+        <a:xfrm>
+          <a:off x="0" y="0"/>
+          <a:ext cx="0" cy="0"/>
+          <a:chOff x="0" y="0"/>
+          <a:chExt cx="0" cy="0"/>
+        </a:xfrm>
+      </p:grpSpPr>
+      <p:sp>
+        <p:nvSpPr>
+          <p:cNvPr id="2" name="Title 1">
+            <a:extLst>
+              <a:ext uri="{FF2B5EF4-FFF2-40B4-BE49-F238E27FC236}">
+                <a16:creationId xmlns:a16="http://schemas.microsoft.com/office/drawing/2014/main" id="{23FF42CF-99F7-0B7A-42EF-7DCF5CE5875F}"/>
+              </a:ext>
+            </a:extLst>
+          </p:cNvPr>
+          <p:cNvSpPr>
+            <a:spLocks noGrp="1"/>
+          </p:cNvSpPr>
+          <p:nvPr>
+            <p:ph type="title"/>
+          </p:nvPr>
+        </p:nvSpPr>
+        <p:spPr/>
+        <p:txBody>
+          <a:bodyPr/>
+          <a:lstStyle/>
+          <a:p>
+            <a:r>
+              <a:rPr lang="en-US" dirty="0"/>
+              <a:t>Linear Support Vector Machine</a:t>
+            </a:r>
+          </a:p>
+        </p:txBody>
+      </p:sp>
+      <p:sp>
+        <p:nvSpPr>
+          <p:cNvPr id="3" name="Content Placeholder 2">
+            <a:extLst>
+              <a:ext uri="{FF2B5EF4-FFF2-40B4-BE49-F238E27FC236}">
+                <a16:creationId xmlns:a16="http://schemas.microsoft.com/office/drawing/2014/main" id="{3AD14419-B023-7447-70F9-5FE64511BBC6}"/>
+              </a:ext>
+            </a:extLst>
+          </p:cNvPr>
+          <p:cNvSpPr>
+            <a:spLocks noGrp="1"/>
+          </p:cNvSpPr>
+          <p:nvPr>
+            <p:ph idx="1"/>
+          </p:nvPr>
+        </p:nvSpPr>
+        <p:spPr/>
+        <p:txBody>
+          <a:bodyPr/>
+          <a:lstStyle/>
+          <a:p>
+            <a:r>
+              <a:rPr lang="en-US" dirty="0"/>
+              <a:t>Find the hyper plane that set the data into different classes</a:t>
+            </a:r>
+          </a:p>
+          <a:p>
+            <a:r>
+              <a:rPr lang="en-US" dirty="0"/>
+              <a:t>Maximize margin between classes</a:t>
+            </a:r>
+          </a:p>
+          <a:p>
+            <a:r>
+              <a:rPr lang="en-US" dirty="0"/>
+              <a:t>Tune the weight of input variables to make prediction</a:t>
+            </a:r>
+          </a:p>
+        </p:txBody>
+      </p:sp>
+    </p:spTree>
+    <p:extLst>
+      <p:ext uri="{BB962C8B-B14F-4D97-AF65-F5344CB8AC3E}">
+        <p14:creationId xmlns:p14="http://schemas.microsoft.com/office/powerpoint/2010/main" val="2649953838"/>
+      </p:ext>
+    </p:extLst>
+  </p:cSld>
+  <p:clrMapOvr>
+    <a:masterClrMapping/>
+  </p:clrMapOvr>
+</p:sld>
+</file>
+
+<file path=ppt/slides/slide12.xml><?xml version="1.0" encoding="utf-8"?>
+<p:sld xmlns:a="http://schemas.openxmlformats.org/drawingml/2006/main" xmlns:r="http://schemas.openxmlformats.org/officeDocument/2006/relationships" xmlns:p="http://schemas.openxmlformats.org/presentationml/2006/main">
+  <p:cSld>
+    <p:spTree>
+      <p:nvGrpSpPr>
+        <p:cNvPr id="1" name=""/>
+        <p:cNvGrpSpPr/>
+        <p:nvPr/>
+      </p:nvGrpSpPr>
+      <p:grpSpPr>
+        <a:xfrm>
+          <a:off x="0" y="0"/>
+          <a:ext cx="0" cy="0"/>
+          <a:chOff x="0" y="0"/>
+          <a:chExt cx="0" cy="0"/>
+        </a:xfrm>
+      </p:grpSpPr>
+      <p:sp>
+        <p:nvSpPr>
+          <p:cNvPr id="2" name="Title 1">
+            <a:extLst>
+              <a:ext uri="{FF2B5EF4-FFF2-40B4-BE49-F238E27FC236}">
+                <a16:creationId xmlns:a16="http://schemas.microsoft.com/office/drawing/2014/main" id="{A6E26342-4E1F-F8AD-98B1-E71B09777518}"/>
+              </a:ext>
+            </a:extLst>
+          </p:cNvPr>
+          <p:cNvSpPr>
+            <a:spLocks noGrp="1"/>
+          </p:cNvSpPr>
+          <p:nvPr>
+            <p:ph type="title"/>
+          </p:nvPr>
+        </p:nvSpPr>
+        <p:spPr/>
+        <p:txBody>
+          <a:bodyPr/>
+          <a:lstStyle/>
+          <a:p>
+            <a:r>
+              <a:rPr lang="en-US" dirty="0" err="1"/>
+              <a:t>Naives</a:t>
+            </a:r>
+            <a:r>
+              <a:rPr lang="en-US" dirty="0"/>
+              <a:t> Bayes</a:t>
+            </a:r>
+          </a:p>
+        </p:txBody>
+      </p:sp>
+      <mc:AlternateContent xmlns:mc="http://schemas.openxmlformats.org/markup-compatibility/2006">
+        <mc:Choice xmlns:a14="http://schemas.microsoft.com/office/drawing/2010/main" Requires="a14">
+          <p:sp>
+            <p:nvSpPr>
+              <p:cNvPr id="3" name="Content Placeholder 2">
+                <a:extLst>
+                  <a:ext uri="{FF2B5EF4-FFF2-40B4-BE49-F238E27FC236}">
+                    <a16:creationId xmlns:a16="http://schemas.microsoft.com/office/drawing/2014/main" id="{C4DA0F0A-9E94-A8C8-13E3-4FD78CF0BB95}"/>
+                  </a:ext>
+                </a:extLst>
+              </p:cNvPr>
+              <p:cNvSpPr>
+                <a:spLocks noGrp="1"/>
+              </p:cNvSpPr>
+              <p:nvPr>
+                <p:ph idx="1"/>
+              </p:nvPr>
+            </p:nvSpPr>
+            <p:spPr/>
+            <p:txBody>
+              <a:bodyPr/>
+              <a:lstStyle/>
+              <a:p>
+                <a:r>
+                  <a:rPr lang="en-US" dirty="0"/>
+                  <a:t>Assumes input variable are independent</a:t>
+                </a:r>
+              </a:p>
+              <a:p>
+                <a:r>
+                  <a:rPr lang="en-US" dirty="0"/>
+                  <a:t>Based on Bayes Theorem</a:t>
+                </a:r>
+              </a:p>
+              <a:p>
+                <a:pPr lvl="1"/>
+                <a14:m>
+                  <m:oMath xmlns:m="http://schemas.openxmlformats.org/officeDocument/2006/math">
+                    <m:r>
+                      <a:rPr lang="en-US" b="0" i="1" smtClean="0">
+                        <a:latin typeface="Cambria Math" panose="02040503050406030204" pitchFamily="18" charset="0"/>
+                      </a:rPr>
+                      <m:t>𝑃</m:t>
+                    </m:r>
+                    <m:d>
+                      <m:dPr>
+                        <m:ctrlPr>
+                          <a:rPr lang="en-US" b="0" i="1" smtClean="0">
+                            <a:latin typeface="Cambria Math" panose="02040503050406030204" pitchFamily="18" charset="0"/>
+                          </a:rPr>
+                        </m:ctrlPr>
+                      </m:dPr>
+                      <m:e>
+                        <m:r>
+                          <a:rPr lang="en-US" b="0" i="1" smtClean="0">
+                            <a:latin typeface="Cambria Math" panose="02040503050406030204" pitchFamily="18" charset="0"/>
+                          </a:rPr>
+                          <m:t>𝐴</m:t>
+                        </m:r>
+                      </m:e>
+                      <m:e>
+                        <m:r>
+                          <a:rPr lang="en-US" b="0" i="1" smtClean="0">
+                            <a:latin typeface="Cambria Math" panose="02040503050406030204" pitchFamily="18" charset="0"/>
+                          </a:rPr>
+                          <m:t>𝐵</m:t>
+                        </m:r>
+                      </m:e>
+                    </m:d>
+                    <m:r>
+                      <a:rPr lang="en-US" b="0" i="1" smtClean="0">
+                        <a:latin typeface="Cambria Math" panose="02040503050406030204" pitchFamily="18" charset="0"/>
+                      </a:rPr>
+                      <m:t>=</m:t>
+                    </m:r>
+                    <m:f>
+                      <m:fPr>
+                        <m:ctrlPr>
+                          <a:rPr lang="en-US" b="0" i="1" smtClean="0">
+                            <a:latin typeface="Cambria Math" panose="02040503050406030204" pitchFamily="18" charset="0"/>
+                          </a:rPr>
+                        </m:ctrlPr>
+                      </m:fPr>
+                      <m:num>
+                        <m:r>
+                          <a:rPr lang="en-US" b="0" i="1" smtClean="0">
+                            <a:latin typeface="Cambria Math" panose="02040503050406030204" pitchFamily="18" charset="0"/>
+                          </a:rPr>
+                          <m:t>𝑃</m:t>
+                        </m:r>
+                        <m:d>
+                          <m:dPr>
+                            <m:ctrlPr>
+                              <a:rPr lang="en-US" b="0" i="1" smtClean="0">
+                                <a:latin typeface="Cambria Math" panose="02040503050406030204" pitchFamily="18" charset="0"/>
+                              </a:rPr>
+                            </m:ctrlPr>
+                          </m:dPr>
+                          <m:e>
+                            <m:r>
+                              <a:rPr lang="en-US" b="0" i="1" smtClean="0">
+                                <a:latin typeface="Cambria Math" panose="02040503050406030204" pitchFamily="18" charset="0"/>
+                              </a:rPr>
+                              <m:t>𝐵</m:t>
+                            </m:r>
+                          </m:e>
+                          <m:e>
+                            <m:r>
+                              <a:rPr lang="en-US" b="0" i="1" smtClean="0">
+                                <a:latin typeface="Cambria Math" panose="02040503050406030204" pitchFamily="18" charset="0"/>
+                              </a:rPr>
+                              <m:t>𝐴</m:t>
+                            </m:r>
+                          </m:e>
+                        </m:d>
+                        <m:r>
+                          <a:rPr lang="en-US" b="0" i="1" smtClean="0">
+                            <a:latin typeface="Cambria Math" panose="02040503050406030204" pitchFamily="18" charset="0"/>
+                          </a:rPr>
+                          <m:t>∗</m:t>
+                        </m:r>
+                        <m:r>
+                          <a:rPr lang="en-US" b="0" i="1" smtClean="0">
+                            <a:latin typeface="Cambria Math" panose="02040503050406030204" pitchFamily="18" charset="0"/>
+                          </a:rPr>
+                          <m:t>𝑃</m:t>
+                        </m:r>
+                        <m:r>
+                          <a:rPr lang="en-US" b="0" i="1" smtClean="0">
+                            <a:latin typeface="Cambria Math" panose="02040503050406030204" pitchFamily="18" charset="0"/>
+                          </a:rPr>
+                          <m:t>(</m:t>
+                        </m:r>
+                        <m:r>
+                          <a:rPr lang="en-US" b="0" i="1" smtClean="0">
+                            <a:latin typeface="Cambria Math" panose="02040503050406030204" pitchFamily="18" charset="0"/>
+                          </a:rPr>
+                          <m:t>𝐴</m:t>
+                        </m:r>
+                        <m:r>
+                          <a:rPr lang="en-US" b="0" i="1" smtClean="0">
+                            <a:latin typeface="Cambria Math" panose="02040503050406030204" pitchFamily="18" charset="0"/>
+                          </a:rPr>
+                          <m:t>)</m:t>
+                        </m:r>
+                      </m:num>
+                      <m:den>
+                        <m:r>
+                          <a:rPr lang="en-US" b="0" i="1" smtClean="0">
+                            <a:latin typeface="Cambria Math" panose="02040503050406030204" pitchFamily="18" charset="0"/>
+                          </a:rPr>
+                          <m:t>𝑃</m:t>
+                        </m:r>
+                        <m:r>
+                          <a:rPr lang="en-US" b="0" i="1" smtClean="0">
+                            <a:latin typeface="Cambria Math" panose="02040503050406030204" pitchFamily="18" charset="0"/>
+                          </a:rPr>
+                          <m:t>(</m:t>
+                        </m:r>
+                        <m:r>
+                          <a:rPr lang="en-US" b="0" i="1" smtClean="0">
+                            <a:latin typeface="Cambria Math" panose="02040503050406030204" pitchFamily="18" charset="0"/>
+                          </a:rPr>
+                          <m:t>𝐵</m:t>
+                        </m:r>
+                        <m:r>
+                          <a:rPr lang="en-US" b="0" i="1" smtClean="0">
+                            <a:latin typeface="Cambria Math" panose="02040503050406030204" pitchFamily="18" charset="0"/>
+                          </a:rPr>
+                          <m:t>_</m:t>
+                        </m:r>
+                      </m:den>
+                    </m:f>
+                  </m:oMath>
+                </a14:m>
+                <a:endParaRPr lang="en-US" dirty="0"/>
+              </a:p>
+              <a:p>
+                <a:r>
+                  <a:rPr lang="en-US" dirty="0"/>
+                  <a:t>Select the class with highest probability as prediction</a:t>
+                </a:r>
+              </a:p>
+            </p:txBody>
+          </p:sp>
+        </mc:Choice>
+        <mc:Fallback>
+          <p:sp>
+            <p:nvSpPr>
+              <p:cNvPr id="3" name="Content Placeholder 2">
+                <a:extLst>
+                  <a:ext uri="{FF2B5EF4-FFF2-40B4-BE49-F238E27FC236}">
+                    <a16:creationId xmlns:a16="http://schemas.microsoft.com/office/drawing/2014/main" id="{C4DA0F0A-9E94-A8C8-13E3-4FD78CF0BB95}"/>
+                  </a:ext>
+                </a:extLst>
+              </p:cNvPr>
+              <p:cNvSpPr>
+                <a:spLocks noGrp="1" noRot="1" noChangeAspect="1" noMove="1" noResize="1" noEditPoints="1" noAdjustHandles="1" noChangeArrowheads="1" noChangeShapeType="1" noTextEdit="1"/>
+              </p:cNvSpPr>
+              <p:nvPr>
+                <p:ph idx="1"/>
+              </p:nvPr>
+            </p:nvSpPr>
+            <p:spPr>
+              <a:blipFill>
+                <a:blip r:embed="rId2"/>
+                <a:stretch>
+                  <a:fillRect l="-528"/>
+                </a:stretch>
+              </a:blipFill>
+            </p:spPr>
+            <p:txBody>
+              <a:bodyPr/>
+              <a:lstStyle/>
+              <a:p>
+                <a:r>
+                  <a:rPr lang="en-US">
+                    <a:noFill/>
+                  </a:rPr>
+                  <a:t> </a:t>
+                </a:r>
+              </a:p>
+            </p:txBody>
+          </p:sp>
+        </mc:Fallback>
+      </mc:AlternateContent>
+    </p:spTree>
+    <p:extLst>
+      <p:ext uri="{BB962C8B-B14F-4D97-AF65-F5344CB8AC3E}">
+        <p14:creationId xmlns:p14="http://schemas.microsoft.com/office/powerpoint/2010/main" val="867439252"/>
+      </p:ext>
+    </p:extLst>
+  </p:cSld>
+  <p:clrMapOvr>
+    <a:masterClrMapping/>
+  </p:clrMapOvr>
+</p:sld>
+</file>
+
+<file path=ppt/slides/slide13.xml><?xml version="1.0" encoding="utf-8"?>
+<p:sld xmlns:a="http://schemas.openxmlformats.org/drawingml/2006/main" xmlns:r="http://schemas.openxmlformats.org/officeDocument/2006/relationships" xmlns:p="http://schemas.openxmlformats.org/presentationml/2006/main">
+  <p:cSld>
+    <p:spTree>
+      <p:nvGrpSpPr>
+        <p:cNvPr id="1" name=""/>
+        <p:cNvGrpSpPr/>
+        <p:nvPr/>
+      </p:nvGrpSpPr>
+      <p:grpSpPr>
+        <a:xfrm>
+          <a:off x="0" y="0"/>
+          <a:ext cx="0" cy="0"/>
+          <a:chOff x="0" y="0"/>
+          <a:chExt cx="0" cy="0"/>
+        </a:xfrm>
+      </p:grpSpPr>
+      <p:sp>
+        <p:nvSpPr>
+          <p:cNvPr id="2" name="Title 1">
+            <a:extLst>
+              <a:ext uri="{FF2B5EF4-FFF2-40B4-BE49-F238E27FC236}">
+                <a16:creationId xmlns:a16="http://schemas.microsoft.com/office/drawing/2014/main" id="{076D07AA-9C74-A82E-B906-6380E8C9DF4D}"/>
+              </a:ext>
+            </a:extLst>
+          </p:cNvPr>
+          <p:cNvSpPr>
+            <a:spLocks noGrp="1"/>
+          </p:cNvSpPr>
+          <p:nvPr>
+            <p:ph type="title"/>
+          </p:nvPr>
+        </p:nvSpPr>
+        <p:spPr/>
+        <p:txBody>
+          <a:bodyPr/>
+          <a:lstStyle/>
+          <a:p>
+            <a:r>
+              <a:rPr lang="en-US" dirty="0"/>
+              <a:t>Factorization Machine Classifier</a:t>
+            </a:r>
+          </a:p>
+        </p:txBody>
+      </p:sp>
+      <p:sp>
+        <p:nvSpPr>
+          <p:cNvPr id="3" name="Content Placeholder 2">
+            <a:extLst>
+              <a:ext uri="{FF2B5EF4-FFF2-40B4-BE49-F238E27FC236}">
+                <a16:creationId xmlns:a16="http://schemas.microsoft.com/office/drawing/2014/main" id="{7B97D5FD-30D3-BAD3-C9CE-004617A21C11}"/>
+              </a:ext>
+            </a:extLst>
+          </p:cNvPr>
+          <p:cNvSpPr>
+            <a:spLocks noGrp="1"/>
+          </p:cNvSpPr>
+          <p:nvPr>
+            <p:ph idx="1"/>
+          </p:nvPr>
+        </p:nvSpPr>
+        <p:spPr/>
+        <p:txBody>
+          <a:bodyPr/>
+          <a:lstStyle/>
+          <a:p>
+            <a:r>
+              <a:rPr lang="en-US" dirty="0"/>
+              <a:t>Used factorized representation and learn the weights of the variables to make prediction</a:t>
+            </a:r>
+          </a:p>
+        </p:txBody>
+      </p:sp>
+    </p:spTree>
+    <p:extLst>
+      <p:ext uri="{BB962C8B-B14F-4D97-AF65-F5344CB8AC3E}">
+        <p14:creationId xmlns:p14="http://schemas.microsoft.com/office/powerpoint/2010/main" val="2962255331"/>
+      </p:ext>
+    </p:extLst>
+  </p:cSld>
+  <p:clrMapOvr>
+    <a:masterClrMapping/>
+  </p:clrMapOvr>
+</p:sld>
+</file>
+
+<file path=ppt/slides/slide2.xml><?xml version="1.0" encoding="utf-8"?>
+<p:sld xmlns:a="http://schemas.openxmlformats.org/drawingml/2006/main" xmlns:r="http://schemas.openxmlformats.org/officeDocument/2006/relationships" xmlns:p="http://schemas.openxmlformats.org/presentationml/2006/main">
+  <p:cSld>
+    <p:spTree>
+      <p:nvGrpSpPr>
+        <p:cNvPr id="1" name=""/>
+        <p:cNvGrpSpPr/>
+        <p:nvPr/>
+      </p:nvGrpSpPr>
+      <p:grpSpPr>
+        <a:xfrm>
+          <a:off x="0" y="0"/>
+          <a:ext cx="0" cy="0"/>
+          <a:chOff x="0" y="0"/>
+          <a:chExt cx="0" cy="0"/>
+        </a:xfrm>
+      </p:grpSpPr>
+      <p:sp>
+        <p:nvSpPr>
+          <p:cNvPr id="2" name="Title 1">
+            <a:extLst>
+              <a:ext uri="{FF2B5EF4-FFF2-40B4-BE49-F238E27FC236}">
+                <a16:creationId xmlns:a16="http://schemas.microsoft.com/office/drawing/2014/main" id="{F850E01B-6753-7DBB-E5E2-AF50A9029F02}"/>
+              </a:ext>
+            </a:extLst>
+          </p:cNvPr>
+          <p:cNvSpPr>
+            <a:spLocks noGrp="1"/>
+          </p:cNvSpPr>
+          <p:nvPr>
+            <p:ph type="title"/>
+          </p:nvPr>
+        </p:nvSpPr>
+        <p:spPr/>
+        <p:txBody>
+          <a:bodyPr/>
+          <a:lstStyle/>
+          <a:p>
+            <a:r>
+              <a:rPr lang="en-US" dirty="0" err="1"/>
+              <a:t>Cerivcal</a:t>
+            </a:r>
+            <a:r>
+              <a:rPr lang="en-US" dirty="0"/>
+              <a:t> Cancer</a:t>
+            </a:r>
+          </a:p>
+        </p:txBody>
+      </p:sp>
+      <p:sp>
+        <p:nvSpPr>
+          <p:cNvPr id="3" name="Content Placeholder 2">
+            <a:extLst>
+              <a:ext uri="{FF2B5EF4-FFF2-40B4-BE49-F238E27FC236}">
+                <a16:creationId xmlns:a16="http://schemas.microsoft.com/office/drawing/2014/main" id="{D669300B-E91D-6860-6C41-D683C37BD596}"/>
+              </a:ext>
+            </a:extLst>
+          </p:cNvPr>
+          <p:cNvSpPr>
+            <a:spLocks noGrp="1"/>
+          </p:cNvSpPr>
+          <p:nvPr>
+            <p:ph idx="1"/>
+          </p:nvPr>
+        </p:nvSpPr>
+        <p:spPr/>
+        <p:txBody>
+          <a:bodyPr/>
+          <a:lstStyle/>
+          <a:p>
+            <a:r>
+              <a:rPr lang="en-US" dirty="0"/>
+              <a:t>A type of cancer that occur in cervix</a:t>
+            </a:r>
+          </a:p>
+          <a:p>
+            <a:r>
+              <a:rPr lang="en-US" dirty="0"/>
+              <a:t>4</a:t>
+            </a:r>
+            <a:r>
+              <a:rPr lang="en-US" baseline="30000" dirty="0"/>
+              <a:t>th</a:t>
+            </a:r>
+            <a:r>
+              <a:rPr lang="en-US" dirty="0"/>
+              <a:t> most common cancer in women (WHO – 2020)</a:t>
+            </a:r>
+          </a:p>
+          <a:p>
+            <a:r>
+              <a:rPr lang="en-US" dirty="0"/>
+              <a:t>90% new case and deaths occurs in low and mid income country</a:t>
+            </a:r>
+          </a:p>
+          <a:p>
+            <a:r>
+              <a:rPr lang="en-US" dirty="0"/>
+              <a:t>Usually cause by HPV</a:t>
+            </a:r>
+          </a:p>
+        </p:txBody>
+      </p:sp>
+    </p:spTree>
+    <p:extLst>
+      <p:ext uri="{BB962C8B-B14F-4D97-AF65-F5344CB8AC3E}">
+        <p14:creationId xmlns:p14="http://schemas.microsoft.com/office/powerpoint/2010/main" val="1149519865"/>
+      </p:ext>
+    </p:extLst>
+  </p:cSld>
+  <p:clrMapOvr>
+    <a:masterClrMapping/>
+  </p:clrMapOvr>
+</p:sld>
+</file>
+
+<file path=ppt/slides/slide3.xml><?xml version="1.0" encoding="utf-8"?>
+<p:sld xmlns:a="http://schemas.openxmlformats.org/drawingml/2006/main" xmlns:r="http://schemas.openxmlformats.org/officeDocument/2006/relationships" xmlns:p="http://schemas.openxmlformats.org/presentationml/2006/main">
+  <p:cSld>
+    <p:spTree>
+      <p:nvGrpSpPr>
+        <p:cNvPr id="1" name=""/>
+        <p:cNvGrpSpPr/>
+        <p:nvPr/>
+      </p:nvGrpSpPr>
+      <p:grpSpPr>
+        <a:xfrm>
+          <a:off x="0" y="0"/>
+          <a:ext cx="0" cy="0"/>
+          <a:chOff x="0" y="0"/>
+          <a:chExt cx="0" cy="0"/>
+        </a:xfrm>
+      </p:grpSpPr>
+      <p:sp>
+        <p:nvSpPr>
+          <p:cNvPr id="2" name="Title 1">
+            <a:extLst>
+              <a:ext uri="{FF2B5EF4-FFF2-40B4-BE49-F238E27FC236}">
+                <a16:creationId xmlns:a16="http://schemas.microsoft.com/office/drawing/2014/main" id="{D9400098-06FD-71BA-1BB3-B2BCE5F93DBC}"/>
+              </a:ext>
+            </a:extLst>
+          </p:cNvPr>
+          <p:cNvSpPr>
+            <a:spLocks noGrp="1"/>
+          </p:cNvSpPr>
+          <p:nvPr>
+            <p:ph type="title"/>
+          </p:nvPr>
+        </p:nvSpPr>
+        <p:spPr/>
+        <p:txBody>
+          <a:bodyPr/>
+          <a:lstStyle/>
+          <a:p>
+            <a:r>
+              <a:rPr lang="en-US" dirty="0"/>
+              <a:t>Why machine learning</a:t>
+            </a:r>
+          </a:p>
+        </p:txBody>
+      </p:sp>
+      <p:sp>
+        <p:nvSpPr>
+          <p:cNvPr id="3" name="Content Placeholder 2">
+            <a:extLst>
+              <a:ext uri="{FF2B5EF4-FFF2-40B4-BE49-F238E27FC236}">
+                <a16:creationId xmlns:a16="http://schemas.microsoft.com/office/drawing/2014/main" id="{6228C5BD-F3F8-2784-6C71-81867083F9D0}"/>
+              </a:ext>
+            </a:extLst>
+          </p:cNvPr>
+          <p:cNvSpPr>
+            <a:spLocks noGrp="1"/>
+          </p:cNvSpPr>
+          <p:nvPr>
+            <p:ph idx="1"/>
+          </p:nvPr>
+        </p:nvSpPr>
+        <p:spPr/>
+        <p:txBody>
+          <a:bodyPr/>
+          <a:lstStyle/>
+          <a:p>
+            <a:r>
+              <a:rPr lang="en-US" dirty="0"/>
+              <a:t>Quick deployment in the real world</a:t>
+            </a:r>
+          </a:p>
+          <a:p>
+            <a:r>
+              <a:rPr lang="en-US" dirty="0"/>
+              <a:t>Low barrier of entry for users</a:t>
+            </a:r>
+          </a:p>
+          <a:p>
+            <a:r>
+              <a:rPr lang="en-US" dirty="0"/>
+              <a:t>Lessen the burden of individuals and healthcare system </a:t>
+            </a:r>
+          </a:p>
+          <a:p>
+            <a:r>
+              <a:rPr lang="en-US" dirty="0"/>
+              <a:t>Improve cervical cancer prediction</a:t>
+            </a:r>
+          </a:p>
+          <a:p>
+            <a:pPr lvl="1"/>
+            <a:r>
+              <a:rPr lang="en-US" dirty="0"/>
+              <a:t>Allows for analysis of multiple resources</a:t>
+            </a:r>
+          </a:p>
+          <a:p>
+            <a:pPr lvl="1"/>
+            <a:r>
+              <a:rPr lang="en-US" dirty="0"/>
+              <a:t>Identify trends in data that is not apparent to human eyes</a:t>
+            </a:r>
+          </a:p>
+          <a:p>
+            <a:pPr lvl="1"/>
+            <a:endParaRPr lang="en-US" dirty="0"/>
+          </a:p>
+          <a:p>
+            <a:pPr lvl="1"/>
+            <a:endParaRPr lang="en-US" dirty="0"/>
+          </a:p>
+        </p:txBody>
+      </p:sp>
+    </p:spTree>
+    <p:extLst>
+      <p:ext uri="{BB962C8B-B14F-4D97-AF65-F5344CB8AC3E}">
+        <p14:creationId xmlns:p14="http://schemas.microsoft.com/office/powerpoint/2010/main" val="1720784307"/>
+      </p:ext>
+    </p:extLst>
+  </p:cSld>
+  <p:clrMapOvr>
+    <a:masterClrMapping/>
+  </p:clrMapOvr>
+</p:sld>
+</file>
+
+<file path=ppt/slides/slide4.xml><?xml version="1.0" encoding="utf-8"?>
+<p:sld xmlns:a="http://schemas.openxmlformats.org/drawingml/2006/main" xmlns:r="http://schemas.openxmlformats.org/officeDocument/2006/relationships" xmlns:p="http://schemas.openxmlformats.org/presentationml/2006/main">
+  <p:cSld>
+    <p:spTree>
+      <p:nvGrpSpPr>
+        <p:cNvPr id="1" name=""/>
+        <p:cNvGrpSpPr/>
+        <p:nvPr/>
+      </p:nvGrpSpPr>
+      <p:grpSpPr>
+        <a:xfrm>
+          <a:off x="0" y="0"/>
+          <a:ext cx="0" cy="0"/>
+          <a:chOff x="0" y="0"/>
+          <a:chExt cx="0" cy="0"/>
+        </a:xfrm>
+      </p:grpSpPr>
+      <p:sp>
+        <p:nvSpPr>
+          <p:cNvPr id="2" name="Title 1">
+            <a:extLst>
+              <a:ext uri="{FF2B5EF4-FFF2-40B4-BE49-F238E27FC236}">
+                <a16:creationId xmlns:a16="http://schemas.microsoft.com/office/drawing/2014/main" id="{699F9459-1267-822B-CD73-2C4B4B2B3746}"/>
+              </a:ext>
+            </a:extLst>
+          </p:cNvPr>
+          <p:cNvSpPr>
+            <a:spLocks noGrp="1"/>
+          </p:cNvSpPr>
+          <p:nvPr>
+            <p:ph type="title"/>
+          </p:nvPr>
+        </p:nvSpPr>
+        <p:spPr/>
+        <p:txBody>
+          <a:bodyPr/>
+          <a:lstStyle/>
+          <a:p>
+            <a:r>
+              <a:rPr lang="en-US" dirty="0"/>
+              <a:t>What is Spark and Spark ML</a:t>
+            </a:r>
+          </a:p>
+        </p:txBody>
+      </p:sp>
+      <p:sp>
+        <p:nvSpPr>
+          <p:cNvPr id="3" name="Content Placeholder 2">
+            <a:extLst>
+              <a:ext uri="{FF2B5EF4-FFF2-40B4-BE49-F238E27FC236}">
+                <a16:creationId xmlns:a16="http://schemas.microsoft.com/office/drawing/2014/main" id="{E028B0F8-FBD8-E33A-D11F-4E4DC56A466D}"/>
+              </a:ext>
+            </a:extLst>
+          </p:cNvPr>
+          <p:cNvSpPr>
+            <a:spLocks noGrp="1"/>
+          </p:cNvSpPr>
+          <p:nvPr>
+            <p:ph idx="1"/>
+          </p:nvPr>
+        </p:nvSpPr>
+        <p:spPr/>
+        <p:txBody>
+          <a:bodyPr/>
+          <a:lstStyle/>
+          <a:p>
+            <a:r>
+              <a:rPr lang="en-US" dirty="0"/>
+              <a:t>Spark:</a:t>
+            </a:r>
+          </a:p>
+          <a:p>
+            <a:pPr lvl="1"/>
+            <a:r>
+              <a:rPr lang="en-US" dirty="0"/>
+              <a:t>Distributed computing/big data platform by Apache</a:t>
+            </a:r>
+          </a:p>
+          <a:p>
+            <a:pPr lvl="1"/>
+            <a:r>
+              <a:rPr lang="en-US" dirty="0"/>
+              <a:t>High speed processing and efficient handling of data</a:t>
+            </a:r>
+          </a:p>
+          <a:p>
+            <a:r>
+              <a:rPr lang="en-US" dirty="0" err="1"/>
+              <a:t>SparkML</a:t>
+            </a:r>
+            <a:endParaRPr lang="en-US" dirty="0"/>
+          </a:p>
+          <a:p>
+            <a:pPr lvl="1"/>
+            <a:r>
+              <a:rPr lang="en-US" dirty="0"/>
+              <a:t>Library that is included in Apache spark</a:t>
+            </a:r>
+          </a:p>
+          <a:p>
+            <a:pPr lvl="1"/>
+            <a:r>
+              <a:rPr lang="en-US" dirty="0"/>
+              <a:t>Distributed prebuilt implementation of some common machine algorithm</a:t>
+            </a:r>
+          </a:p>
+          <a:p>
+            <a:pPr lvl="1"/>
+            <a:r>
+              <a:rPr lang="en-US" dirty="0"/>
+              <a:t>Pipeline API can simplify the building, training and deployment process of machine learning models.</a:t>
+            </a:r>
+          </a:p>
+        </p:txBody>
+      </p:sp>
+    </p:spTree>
+    <p:extLst>
+      <p:ext uri="{BB962C8B-B14F-4D97-AF65-F5344CB8AC3E}">
+        <p14:creationId xmlns:p14="http://schemas.microsoft.com/office/powerpoint/2010/main" val="566999406"/>
+      </p:ext>
+    </p:extLst>
+  </p:cSld>
+  <p:clrMapOvr>
+    <a:masterClrMapping/>
+  </p:clrMapOvr>
+</p:sld>
+</file>
+
+<file path=ppt/slides/slide5.xml><?xml version="1.0" encoding="utf-8"?>
+<p:sld xmlns:a="http://schemas.openxmlformats.org/drawingml/2006/main" xmlns:r="http://schemas.openxmlformats.org/officeDocument/2006/relationships" xmlns:p="http://schemas.openxmlformats.org/presentationml/2006/main">
+  <p:cSld>
+    <p:spTree>
+      <p:nvGrpSpPr>
+        <p:cNvPr id="1" name=""/>
+        <p:cNvGrpSpPr/>
+        <p:nvPr/>
+      </p:nvGrpSpPr>
+      <p:grpSpPr>
+        <a:xfrm>
+          <a:off x="0" y="0"/>
+          <a:ext cx="0" cy="0"/>
+          <a:chOff x="0" y="0"/>
+          <a:chExt cx="0" cy="0"/>
+        </a:xfrm>
+      </p:grpSpPr>
+      <p:sp>
+        <p:nvSpPr>
+          <p:cNvPr id="2" name="Title 1">
+            <a:extLst>
+              <a:ext uri="{FF2B5EF4-FFF2-40B4-BE49-F238E27FC236}">
+                <a16:creationId xmlns:a16="http://schemas.microsoft.com/office/drawing/2014/main" id="{17CB2D62-82EA-3B8E-30FF-85AF5991998D}"/>
+              </a:ext>
+            </a:extLst>
+          </p:cNvPr>
+          <p:cNvSpPr>
+            <a:spLocks noGrp="1"/>
+          </p:cNvSpPr>
+          <p:nvPr>
+            <p:ph type="title"/>
+          </p:nvPr>
+        </p:nvSpPr>
+        <p:spPr/>
+        <p:txBody>
+          <a:bodyPr/>
+          <a:lstStyle/>
+          <a:p>
+            <a:r>
+              <a:rPr lang="en-US" dirty="0"/>
+              <a:t>Why Spark and </a:t>
+            </a:r>
+            <a:r>
+              <a:rPr lang="en-US" dirty="0" err="1"/>
+              <a:t>SparkML</a:t>
+            </a:r>
+            <a:endParaRPr lang="en-US" dirty="0"/>
+          </a:p>
+        </p:txBody>
+      </p:sp>
+      <p:sp>
+        <p:nvSpPr>
+          <p:cNvPr id="3" name="Content Placeholder 2">
+            <a:extLst>
+              <a:ext uri="{FF2B5EF4-FFF2-40B4-BE49-F238E27FC236}">
+                <a16:creationId xmlns:a16="http://schemas.microsoft.com/office/drawing/2014/main" id="{C06DFFED-748B-E3F7-12C8-054BEB602AF9}"/>
+              </a:ext>
+            </a:extLst>
+          </p:cNvPr>
+          <p:cNvSpPr>
+            <a:spLocks noGrp="1"/>
+          </p:cNvSpPr>
+          <p:nvPr>
+            <p:ph idx="1"/>
+          </p:nvPr>
+        </p:nvSpPr>
+        <p:spPr/>
+        <p:txBody>
+          <a:bodyPr/>
+          <a:lstStyle/>
+          <a:p>
+            <a:r>
+              <a:rPr lang="en-US" dirty="0"/>
+              <a:t>Spark and Spark ML perform better for bigger dataset compared to traditional model library such as </a:t>
+            </a:r>
+            <a:r>
+              <a:rPr lang="en-US" dirty="0" err="1"/>
+              <a:t>SkLearn</a:t>
+            </a:r>
+            <a:endParaRPr lang="en-US" dirty="0"/>
+          </a:p>
+          <a:p>
+            <a:r>
+              <a:rPr lang="en-US" dirty="0"/>
+              <a:t>Good integration with Google Cloud</a:t>
+            </a:r>
+          </a:p>
+          <a:p>
+            <a:r>
+              <a:rPr lang="en-US" dirty="0"/>
+              <a:t>Easy scalability: modifying the numbers of workers is 1 line of code</a:t>
+            </a:r>
+          </a:p>
+        </p:txBody>
+      </p:sp>
+      <p:pic>
+        <p:nvPicPr>
+          <p:cNvPr id="4" name="Picture 3">
+            <a:extLst>
+              <a:ext uri="{FF2B5EF4-FFF2-40B4-BE49-F238E27FC236}">
+                <a16:creationId xmlns:a16="http://schemas.microsoft.com/office/drawing/2014/main" id="{771CD00C-EDCD-7E46-0B18-FAFCD67B648F}"/>
+              </a:ext>
+            </a:extLst>
+          </p:cNvPr>
+          <p:cNvPicPr>
+            <a:picLocks noChangeAspect="1"/>
+          </p:cNvPicPr>
+          <p:nvPr/>
+        </p:nvPicPr>
+        <p:blipFill>
+          <a:blip r:embed="rId2"/>
+          <a:stretch>
+            <a:fillRect/>
+          </a:stretch>
+        </p:blipFill>
+        <p:spPr>
+          <a:xfrm>
+            <a:off x="1832102" y="3805682"/>
+            <a:ext cx="5930900" cy="673100"/>
+          </a:xfrm>
+          <a:prstGeom prst="rect">
+            <a:avLst/>
+          </a:prstGeom>
+        </p:spPr>
+      </p:pic>
+    </p:spTree>
+    <p:extLst>
+      <p:ext uri="{BB962C8B-B14F-4D97-AF65-F5344CB8AC3E}">
+        <p14:creationId xmlns:p14="http://schemas.microsoft.com/office/powerpoint/2010/main" val="2785348309"/>
+      </p:ext>
+    </p:extLst>
+  </p:cSld>
+  <p:clrMapOvr>
+    <a:masterClrMapping/>
+  </p:clrMapOvr>
+</p:sld>
+</file>
+
+<file path=ppt/slides/slide6.xml><?xml version="1.0" encoding="utf-8"?>
+<p:sld xmlns:a="http://schemas.openxmlformats.org/drawingml/2006/main" xmlns:r="http://schemas.openxmlformats.org/officeDocument/2006/relationships" xmlns:p="http://schemas.openxmlformats.org/presentationml/2006/main">
+  <p:cSld>
+    <p:spTree>
+      <p:nvGrpSpPr>
+        <p:cNvPr id="1" name=""/>
+        <p:cNvGrpSpPr/>
+        <p:nvPr/>
+      </p:nvGrpSpPr>
+      <p:grpSpPr>
+        <a:xfrm>
+          <a:off x="0" y="0"/>
+          <a:ext cx="0" cy="0"/>
+          <a:chOff x="0" y="0"/>
+          <a:chExt cx="0" cy="0"/>
+        </a:xfrm>
+      </p:grpSpPr>
+      <p:sp>
+        <p:nvSpPr>
+          <p:cNvPr id="2" name="Title 1">
+            <a:extLst>
+              <a:ext uri="{FF2B5EF4-FFF2-40B4-BE49-F238E27FC236}">
+                <a16:creationId xmlns:a16="http://schemas.microsoft.com/office/drawing/2014/main" id="{2528BF60-725A-BE17-4864-8FF6236313A4}"/>
+              </a:ext>
+            </a:extLst>
+          </p:cNvPr>
+          <p:cNvSpPr>
+            <a:spLocks noGrp="1"/>
+          </p:cNvSpPr>
+          <p:nvPr>
+            <p:ph type="title"/>
+          </p:nvPr>
+        </p:nvSpPr>
+        <p:spPr/>
+        <p:txBody>
+          <a:bodyPr/>
+          <a:lstStyle/>
+          <a:p>
+            <a:r>
+              <a:rPr lang="en-US" dirty="0"/>
+              <a:t>Machine learning models chosen</a:t>
+            </a:r>
+          </a:p>
+        </p:txBody>
+      </p:sp>
+      <p:sp>
+        <p:nvSpPr>
+          <p:cNvPr id="3" name="Content Placeholder 2">
+            <a:extLst>
+              <a:ext uri="{FF2B5EF4-FFF2-40B4-BE49-F238E27FC236}">
+                <a16:creationId xmlns:a16="http://schemas.microsoft.com/office/drawing/2014/main" id="{A7EF225D-6E39-C6D2-90E4-EA6FE3A1C050}"/>
+              </a:ext>
+            </a:extLst>
+          </p:cNvPr>
+          <p:cNvSpPr>
+            <a:spLocks noGrp="1"/>
+          </p:cNvSpPr>
+          <p:nvPr>
+            <p:ph idx="1"/>
+          </p:nvPr>
+        </p:nvSpPr>
+        <p:spPr/>
+        <p:txBody>
+          <a:bodyPr/>
+          <a:lstStyle/>
+          <a:p>
+            <a:r>
+              <a:rPr lang="en-US" dirty="0"/>
+              <a:t>Logistic Regression </a:t>
+            </a:r>
+          </a:p>
+          <a:p>
+            <a:r>
+              <a:rPr lang="en-US" dirty="0"/>
+              <a:t>Decision Tree Classifier</a:t>
+            </a:r>
+          </a:p>
+          <a:p>
+            <a:r>
+              <a:rPr lang="en-US" dirty="0"/>
+              <a:t>Random Forest Classifier</a:t>
+            </a:r>
+          </a:p>
+          <a:p>
+            <a:r>
+              <a:rPr lang="en-US" dirty="0"/>
+              <a:t>Gradient Boosted Classifier</a:t>
+            </a:r>
+          </a:p>
+          <a:p>
+            <a:r>
+              <a:rPr lang="en-US" dirty="0"/>
+              <a:t>Linear Support Vector Machine</a:t>
+            </a:r>
+          </a:p>
+          <a:p>
+            <a:r>
+              <a:rPr lang="en-US" dirty="0" err="1"/>
+              <a:t>Naives</a:t>
+            </a:r>
+            <a:r>
+              <a:rPr lang="en-US" dirty="0"/>
+              <a:t> Bayes</a:t>
+            </a:r>
+          </a:p>
+          <a:p>
+            <a:r>
+              <a:rPr lang="en-US" dirty="0"/>
+              <a:t> Factorization Machine Classifier</a:t>
+            </a:r>
+          </a:p>
+        </p:txBody>
+      </p:sp>
+    </p:spTree>
+    <p:extLst>
+      <p:ext uri="{BB962C8B-B14F-4D97-AF65-F5344CB8AC3E}">
+        <p14:creationId xmlns:p14="http://schemas.microsoft.com/office/powerpoint/2010/main" val="3064752663"/>
+      </p:ext>
+    </p:extLst>
+  </p:cSld>
+  <p:clrMapOvr>
+    <a:masterClrMapping/>
+  </p:clrMapOvr>
+</p:sld>
+</file>
+
+<file path=ppt/slides/slide7.xml><?xml version="1.0" encoding="utf-8"?>
+<p:sld xmlns:a="http://schemas.openxmlformats.org/drawingml/2006/main" xmlns:r="http://schemas.openxmlformats.org/officeDocument/2006/relationships" xmlns:p="http://schemas.openxmlformats.org/presentationml/2006/main">
+  <p:cSld>
+    <p:spTree>
+      <p:nvGrpSpPr>
+        <p:cNvPr id="1" name=""/>
+        <p:cNvGrpSpPr/>
+        <p:nvPr/>
+      </p:nvGrpSpPr>
+      <p:grpSpPr>
+        <a:xfrm>
+          <a:off x="0" y="0"/>
+          <a:ext cx="0" cy="0"/>
+          <a:chOff x="0" y="0"/>
+          <a:chExt cx="0" cy="0"/>
+        </a:xfrm>
+      </p:grpSpPr>
+      <p:sp>
+        <p:nvSpPr>
+          <p:cNvPr id="2" name="Title 1">
+            <a:extLst>
+              <a:ext uri="{FF2B5EF4-FFF2-40B4-BE49-F238E27FC236}">
+                <a16:creationId xmlns:a16="http://schemas.microsoft.com/office/drawing/2014/main" id="{0FE09437-8373-D911-4812-615B8930B6C8}"/>
+              </a:ext>
+            </a:extLst>
+          </p:cNvPr>
+          <p:cNvSpPr>
+            <a:spLocks noGrp="1"/>
+          </p:cNvSpPr>
+          <p:nvPr>
+            <p:ph type="title"/>
+          </p:nvPr>
+        </p:nvSpPr>
+        <p:spPr/>
+        <p:txBody>
+          <a:bodyPr/>
+          <a:lstStyle/>
+          <a:p>
+            <a:r>
+              <a:rPr lang="en-US" dirty="0"/>
+              <a:t>Logistic Regression</a:t>
+            </a:r>
+          </a:p>
+        </p:txBody>
+      </p:sp>
+      <p:sp>
+        <p:nvSpPr>
+          <p:cNvPr id="3" name="Content Placeholder 2">
+            <a:extLst>
+              <a:ext uri="{FF2B5EF4-FFF2-40B4-BE49-F238E27FC236}">
+                <a16:creationId xmlns:a16="http://schemas.microsoft.com/office/drawing/2014/main" id="{F2A9069E-7902-3DD4-961F-BE905E61B63E}"/>
+              </a:ext>
+            </a:extLst>
+          </p:cNvPr>
+          <p:cNvSpPr>
+            <a:spLocks noGrp="1"/>
+          </p:cNvSpPr>
+          <p:nvPr>
+            <p:ph idx="1"/>
+          </p:nvPr>
+        </p:nvSpPr>
+        <p:spPr/>
+        <p:txBody>
+          <a:bodyPr/>
+          <a:lstStyle/>
+          <a:p>
+            <a:r>
+              <a:rPr lang="en-US" dirty="0"/>
+              <a:t>Using the logistic function to predict the fitment curve</a:t>
+            </a:r>
+          </a:p>
+        </p:txBody>
+      </p:sp>
+      <p:pic>
+        <p:nvPicPr>
+          <p:cNvPr id="7" name="Picture 6" descr="Diagram&#10;&#10;Description automatically generated">
+            <a:extLst>
+              <a:ext uri="{FF2B5EF4-FFF2-40B4-BE49-F238E27FC236}">
+                <a16:creationId xmlns:a16="http://schemas.microsoft.com/office/drawing/2014/main" id="{B0A7F9D1-5789-6F16-53A6-EBBDDBA2F7F4}"/>
+              </a:ext>
+            </a:extLst>
+          </p:cNvPr>
+          <p:cNvPicPr>
+            <a:picLocks noChangeAspect="1"/>
+          </p:cNvPicPr>
+          <p:nvPr/>
+        </p:nvPicPr>
+        <p:blipFill>
+          <a:blip r:embed="rId2"/>
+          <a:stretch>
+            <a:fillRect/>
+          </a:stretch>
+        </p:blipFill>
+        <p:spPr>
+          <a:xfrm>
+            <a:off x="2816352" y="2429211"/>
+            <a:ext cx="4660646" cy="4063664"/>
+          </a:xfrm>
+          <a:prstGeom prst="rect">
+            <a:avLst/>
+          </a:prstGeom>
+        </p:spPr>
+      </p:pic>
+    </p:spTree>
+    <p:extLst>
+      <p:ext uri="{BB962C8B-B14F-4D97-AF65-F5344CB8AC3E}">
+        <p14:creationId xmlns:p14="http://schemas.microsoft.com/office/powerpoint/2010/main" val="195365611"/>
+      </p:ext>
+    </p:extLst>
+  </p:cSld>
+  <p:clrMapOvr>
+    <a:masterClrMapping/>
+  </p:clrMapOvr>
+</p:sld>
+</file>
+
+<file path=ppt/slides/slide8.xml><?xml version="1.0" encoding="utf-8"?>
+<p:sld xmlns:a="http://schemas.openxmlformats.org/drawingml/2006/main" xmlns:r="http://schemas.openxmlformats.org/officeDocument/2006/relationships" xmlns:p="http://schemas.openxmlformats.org/presentationml/2006/main">
+  <p:cSld>
+    <p:spTree>
+      <p:nvGrpSpPr>
+        <p:cNvPr id="1" name=""/>
+        <p:cNvGrpSpPr/>
+        <p:nvPr/>
+      </p:nvGrpSpPr>
+      <p:grpSpPr>
+        <a:xfrm>
+          <a:off x="0" y="0"/>
+          <a:ext cx="0" cy="0"/>
+          <a:chOff x="0" y="0"/>
+          <a:chExt cx="0" cy="0"/>
+        </a:xfrm>
+      </p:grpSpPr>
+      <p:sp>
+        <p:nvSpPr>
+          <p:cNvPr id="2" name="Title 1">
+            <a:extLst>
+              <a:ext uri="{FF2B5EF4-FFF2-40B4-BE49-F238E27FC236}">
+                <a16:creationId xmlns:a16="http://schemas.microsoft.com/office/drawing/2014/main" id="{0F9BB0EF-F1B6-0D72-89A9-0DA0A8037310}"/>
+              </a:ext>
+            </a:extLst>
+          </p:cNvPr>
+          <p:cNvSpPr>
+            <a:spLocks noGrp="1"/>
+          </p:cNvSpPr>
+          <p:nvPr>
+            <p:ph type="title"/>
+          </p:nvPr>
+        </p:nvSpPr>
+        <p:spPr/>
+        <p:txBody>
+          <a:bodyPr/>
+          <a:lstStyle/>
+          <a:p>
+            <a:r>
+              <a:rPr lang="en-US" dirty="0"/>
+              <a:t>Decision tree</a:t>
+            </a:r>
+          </a:p>
+        </p:txBody>
+      </p:sp>
+      <p:sp>
+        <p:nvSpPr>
+          <p:cNvPr id="3" name="Content Placeholder 2">
+            <a:extLst>
+              <a:ext uri="{FF2B5EF4-FFF2-40B4-BE49-F238E27FC236}">
+                <a16:creationId xmlns:a16="http://schemas.microsoft.com/office/drawing/2014/main" id="{98EC179B-5977-E4A5-DF63-E08954CA23FD}"/>
+              </a:ext>
+            </a:extLst>
+          </p:cNvPr>
+          <p:cNvSpPr>
+            <a:spLocks noGrp="1"/>
+          </p:cNvSpPr>
+          <p:nvPr>
+            <p:ph idx="1"/>
+          </p:nvPr>
+        </p:nvSpPr>
+        <p:spPr/>
+        <p:txBody>
+          <a:bodyPr/>
+          <a:lstStyle/>
+          <a:p>
+            <a:r>
+              <a:rPr lang="en-US" dirty="0"/>
+              <a:t>Use tree model to make decision</a:t>
+            </a:r>
+          </a:p>
+          <a:p>
+            <a:r>
+              <a:rPr lang="en-US" dirty="0"/>
+              <a:t>Split data to different subsets where each branch of the tree is a different rule set</a:t>
+            </a:r>
+          </a:p>
+        </p:txBody>
+      </p:sp>
+      <p:pic>
+        <p:nvPicPr>
+          <p:cNvPr id="5" name="Picture 4" descr="Diagram&#10;&#10;Description automatically generated">
+            <a:extLst>
+              <a:ext uri="{FF2B5EF4-FFF2-40B4-BE49-F238E27FC236}">
+                <a16:creationId xmlns:a16="http://schemas.microsoft.com/office/drawing/2014/main" id="{A72BA5DA-51EE-DF7B-12F3-45ABC631FD1A}"/>
+              </a:ext>
+            </a:extLst>
+          </p:cNvPr>
+          <p:cNvPicPr>
+            <a:picLocks noChangeAspect="1"/>
+          </p:cNvPicPr>
+          <p:nvPr/>
+        </p:nvPicPr>
+        <p:blipFill>
+          <a:blip r:embed="rId2"/>
+          <a:stretch>
+            <a:fillRect/>
+          </a:stretch>
+        </p:blipFill>
+        <p:spPr>
+          <a:xfrm>
+            <a:off x="3929042" y="3118104"/>
+            <a:ext cx="4333916" cy="3374771"/>
+          </a:xfrm>
+          <a:prstGeom prst="rect">
+            <a:avLst/>
+          </a:prstGeom>
+        </p:spPr>
+      </p:pic>
+    </p:spTree>
+    <p:extLst>
+      <p:ext uri="{BB962C8B-B14F-4D97-AF65-F5344CB8AC3E}">
+        <p14:creationId xmlns:p14="http://schemas.microsoft.com/office/powerpoint/2010/main" val="767166231"/>
+      </p:ext>
+    </p:extLst>
+  </p:cSld>
+  <p:clrMapOvr>
+    <a:masterClrMapping/>
+  </p:clrMapOvr>
+</p:sld>
+</file>
+
+<file path=ppt/slides/slide9.xml><?xml version="1.0" encoding="utf-8"?>
+<p:sld xmlns:a="http://schemas.openxmlformats.org/drawingml/2006/main" xmlns:r="http://schemas.openxmlformats.org/officeDocument/2006/relationships" xmlns:p="http://schemas.openxmlformats.org/presentationml/2006/main">
+  <p:cSld>
+    <p:spTree>
+      <p:nvGrpSpPr>
+        <p:cNvPr id="1" name=""/>
+        <p:cNvGrpSpPr/>
+        <p:nvPr/>
+      </p:nvGrpSpPr>
+      <p:grpSpPr>
+        <a:xfrm>
+          <a:off x="0" y="0"/>
+          <a:ext cx="0" cy="0"/>
+          <a:chOff x="0" y="0"/>
+          <a:chExt cx="0" cy="0"/>
+        </a:xfrm>
+      </p:grpSpPr>
+      <p:sp>
+        <p:nvSpPr>
+          <p:cNvPr id="2" name="Title 1">
+            <a:extLst>
+              <a:ext uri="{FF2B5EF4-FFF2-40B4-BE49-F238E27FC236}">
+                <a16:creationId xmlns:a16="http://schemas.microsoft.com/office/drawing/2014/main" id="{40631B9F-448A-37E8-F97B-D8BBA58C5CE5}"/>
+              </a:ext>
+            </a:extLst>
+          </p:cNvPr>
+          <p:cNvSpPr>
+            <a:spLocks noGrp="1"/>
+          </p:cNvSpPr>
+          <p:nvPr>
+            <p:ph type="title"/>
+          </p:nvPr>
+        </p:nvSpPr>
+        <p:spPr/>
+        <p:txBody>
+          <a:bodyPr/>
+          <a:lstStyle/>
+          <a:p>
+            <a:r>
+              <a:rPr lang="en-US" dirty="0"/>
+              <a:t>Random Forest	</a:t>
+            </a:r>
+          </a:p>
+        </p:txBody>
+      </p:sp>
+      <p:sp>
+        <p:nvSpPr>
+          <p:cNvPr id="3" name="Content Placeholder 2">
+            <a:extLst>
+              <a:ext uri="{FF2B5EF4-FFF2-40B4-BE49-F238E27FC236}">
+                <a16:creationId xmlns:a16="http://schemas.microsoft.com/office/drawing/2014/main" id="{0509869D-F4A9-7E54-E233-6D5104EAFBEB}"/>
+              </a:ext>
+            </a:extLst>
+          </p:cNvPr>
+          <p:cNvSpPr>
+            <a:spLocks noGrp="1"/>
+          </p:cNvSpPr>
+          <p:nvPr>
+            <p:ph idx="1"/>
+          </p:nvPr>
+        </p:nvSpPr>
+        <p:spPr/>
+        <p:txBody>
+          <a:bodyPr/>
+          <a:lstStyle/>
+          <a:p>
+            <a:r>
+              <a:rPr lang="en-US" dirty="0"/>
+              <a:t>Use multiple decision tree to improve the accuracy</a:t>
+            </a:r>
+          </a:p>
+          <a:p>
+            <a:r>
+              <a:rPr lang="en-US" dirty="0"/>
+              <a:t>Randomly select subset of data to train each decision tree.</a:t>
+            </a:r>
+          </a:p>
+          <a:p>
+            <a:r>
+              <a:rPr lang="en-US" dirty="0"/>
+              <a:t>Combine each tree prediction to make final decision</a:t>
+            </a:r>
+          </a:p>
+        </p:txBody>
+      </p:sp>
+    </p:spTree>
+    <p:extLst>
+      <p:ext uri="{BB962C8B-B14F-4D97-AF65-F5344CB8AC3E}">
+        <p14:creationId xmlns:p14="http://schemas.microsoft.com/office/powerpoint/2010/main" val="3397351659"/>
+      </p:ext>
+    </p:extLst>
+  </p:cSld>
+  <p:clrMapOvr>
+    <a:masterClrMapping/>
+  </p:clrMapOvr>
+</p:sld>
+</file>
+
 <file path=ppt/theme/theme1.xml><?xml version="1.0" encoding="utf-8"?>
-<a:theme xmlns:a="http://schemas.openxmlformats.org/drawingml/2006/main" name="Office Theme">
+<a:theme xmlns:a="http://schemas.openxmlformats.org/drawingml/2006/main" name="Gallery">
   <a:themeElements>
-    <a:clrScheme name="Office">
+    <a:clrScheme name="Gallery">
       <a:dk1>
         <a:sysClr val="windowText" lastClr="000000"/>
       </a:dk1>
@@ -3395,39 +5285,39 @@
         <a:sysClr val="window" lastClr="FFFFFF"/>
       </a:lt1>
       <a:dk2>
-        <a:srgbClr val="44546A"/>
+        <a:srgbClr val="454545"/>
       </a:dk2>
       <a:lt2>
-        <a:srgbClr val="E7E6E6"/>
+        <a:srgbClr val="DFDBD5"/>
       </a:lt2>
       <a:accent1>
-        <a:srgbClr val="4472C4"/>
+        <a:srgbClr val="B71E42"/>
       </a:accent1>
       <a:accent2>
-        <a:srgbClr val="ED7D31"/>
+        <a:srgbClr val="DE478E"/>
       </a:accent2>
       <a:accent3>
-        <a:srgbClr val="A5A5A5"/>
+        <a:srgbClr val="BC72F0"/>
       </a:accent3>
       <a:accent4>
-        <a:srgbClr val="FFC000"/>
+        <a:srgbClr val="795FAF"/>
       </a:accent4>
       <a:accent5>
-        <a:srgbClr val="5B9BD5"/>
+        <a:srgbClr val="586EA6"/>
       </a:accent5>
       <a:accent6>
-        <a:srgbClr val="70AD47"/>
+        <a:srgbClr val="6892A0"/>
       </a:accent6>
       <a:hlink>
-        <a:srgbClr val="0563C1"/>
+        <a:srgbClr val="FA2B5C"/>
       </a:hlink>
       <a:folHlink>
-        <a:srgbClr val="954F72"/>
+        <a:srgbClr val="BC658E"/>
       </a:folHlink>
     </a:clrScheme>
-    <a:fontScheme name="Office">
+    <a:fontScheme name="Gallery">
       <a:majorFont>
-        <a:latin typeface="Calibri Light" panose="020F0302020204030204"/>
+        <a:latin typeface="Gill Sans MT" panose="020B0502020104020203"/>
         <a:ea typeface=""/>
         <a:cs typeface=""/>
         <a:font script="Jpan" typeface="游ゴシック Light"/>
@@ -3460,26 +5350,9 @@
         <a:font script="Viet" typeface="Times New Roman"/>
         <a:font script="Uigh" typeface="Microsoft Uighur"/>
         <a:font script="Geor" typeface="Sylfaen"/>
-        <a:font script="Armn" typeface="Arial"/>
-        <a:font script="Bugi" typeface="Leelawadee UI"/>
-        <a:font script="Bopo" typeface="Microsoft JhengHei"/>
-        <a:font script="Java" typeface="Javanese Text"/>
-        <a:font script="Lisu" typeface="Segoe UI"/>
-        <a:font script="Mymr" typeface="Myanmar Text"/>
-        <a:font script="Nkoo" typeface="Ebrima"/>
-        <a:font script="Olck" typeface="Nirmala UI"/>
-        <a:font script="Osma" typeface="Ebrima"/>
-        <a:font script="Phag" typeface="Phagspa"/>
-        <a:font script="Syrn" typeface="Estrangelo Edessa"/>
-        <a:font script="Syrj" typeface="Estrangelo Edessa"/>
-        <a:font script="Syre" typeface="Estrangelo Edessa"/>
-        <a:font script="Sora" typeface="Nirmala UI"/>
-        <a:font script="Tale" typeface="Microsoft Tai Le"/>
-        <a:font script="Talu" typeface="Microsoft New Tai Lue"/>
-        <a:font script="Tfng" typeface="Ebrima"/>
       </a:majorFont>
       <a:minorFont>
-        <a:latin typeface="Calibri" panose="020F0502020204030204"/>
+        <a:latin typeface="Gill Sans MT" panose="020B0502020104020203"/>
         <a:ea typeface=""/>
         <a:cs typeface=""/>
         <a:font script="Jpan" typeface="游ゴシック"/>
@@ -3512,26 +5385,9 @@
         <a:font script="Viet" typeface="Arial"/>
         <a:font script="Uigh" typeface="Microsoft Uighur"/>
         <a:font script="Geor" typeface="Sylfaen"/>
-        <a:font script="Armn" typeface="Arial"/>
-        <a:font script="Bugi" typeface="Leelawadee UI"/>
-        <a:font script="Bopo" typeface="Microsoft JhengHei"/>
-        <a:font script="Java" typeface="Javanese Text"/>
-        <a:font script="Lisu" typeface="Segoe UI"/>
-        <a:font script="Mymr" typeface="Myanmar Text"/>
-        <a:font script="Nkoo" typeface="Ebrima"/>
-        <a:font script="Olck" typeface="Nirmala UI"/>
-        <a:font script="Osma" typeface="Ebrima"/>
-        <a:font script="Phag" typeface="Phagspa"/>
-        <a:font script="Syrn" typeface="Estrangelo Edessa"/>
-        <a:font script="Syrj" typeface="Estrangelo Edessa"/>
-        <a:font script="Syre" typeface="Estrangelo Edessa"/>
-        <a:font script="Sora" typeface="Nirmala UI"/>
-        <a:font script="Tale" typeface="Microsoft Tai Le"/>
-        <a:font script="Talu" typeface="Microsoft New Tai Lue"/>
-        <a:font script="Tfng" typeface="Ebrima"/>
       </a:minorFont>
     </a:fontScheme>
-    <a:fmtScheme name="Office">
+    <a:fmtScheme name="Gallery">
       <a:fillStyleLst>
         <a:solidFill>
           <a:schemeClr val="phClr"/>
@@ -3540,23 +5396,18 @@
           <a:gsLst>
             <a:gs pos="0">
               <a:schemeClr val="phClr">
+                <a:tint val="54000"/>
+                <a:alpha val="100000"/>
+                <a:satMod val="105000"/>
                 <a:lumMod val="110000"/>
-                <a:satMod val="105000"/>
-                <a:tint val="67000"/>
-              </a:schemeClr>
-            </a:gs>
-            <a:gs pos="50000">
-              <a:schemeClr val="phClr">
-                <a:lumMod val="105000"/>
-                <a:satMod val="103000"/>
-                <a:tint val="73000"/>
               </a:schemeClr>
             </a:gs>
             <a:gs pos="100000">
               <a:schemeClr val="phClr">
-                <a:lumMod val="105000"/>
+                <a:tint val="78000"/>
+                <a:alpha val="92000"/>
                 <a:satMod val="109000"/>
-                <a:tint val="81000"/>
+                <a:lumMod val="100000"/>
               </a:schemeClr>
             </a:gs>
           </a:gsLst>
@@ -3566,23 +5417,23 @@
           <a:gsLst>
             <a:gs pos="0">
               <a:schemeClr val="phClr">
-                <a:satMod val="103000"/>
-                <a:lumMod val="102000"/>
-                <a:tint val="94000"/>
+                <a:tint val="98000"/>
+                <a:satMod val="110000"/>
+                <a:lumMod val="104000"/>
               </a:schemeClr>
             </a:gs>
-            <a:gs pos="50000">
+            <a:gs pos="69000">
               <a:schemeClr val="phClr">
-                <a:satMod val="110000"/>
-                <a:lumMod val="100000"/>
-                <a:shade val="100000"/>
+                <a:shade val="88000"/>
+                <a:satMod val="130000"/>
+                <a:lumMod val="92000"/>
               </a:schemeClr>
             </a:gs>
             <a:gs pos="100000">
               <a:schemeClr val="phClr">
-                <a:lumMod val="99000"/>
-                <a:satMod val="120000"/>
                 <a:shade val="78000"/>
+                <a:satMod val="130000"/>
+                <a:lumMod val="92000"/>
               </a:schemeClr>
             </a:gs>
           </a:gsLst>
@@ -3590,26 +5441,23 @@
         </a:gradFill>
       </a:fillStyleLst>
       <a:lnStyleLst>
-        <a:ln w="6350" cap="flat" cmpd="sng" algn="ctr">
+        <a:ln w="9525" cap="flat" cmpd="sng" algn="ctr">
           <a:solidFill>
             <a:schemeClr val="phClr"/>
           </a:solidFill>
           <a:prstDash val="solid"/>
-          <a:miter lim="800000"/>
         </a:ln>
-        <a:ln w="12700" cap="flat" cmpd="sng" algn="ctr">
+        <a:ln w="15875" cap="flat" cmpd="sng" algn="ctr">
           <a:solidFill>
             <a:schemeClr val="phClr"/>
           </a:solidFill>
           <a:prstDash val="solid"/>
-          <a:miter lim="800000"/>
         </a:ln>
-        <a:ln w="19050" cap="flat" cmpd="sng" algn="ctr">
+        <a:ln w="22225" cap="flat" cmpd="sng" algn="ctr">
           <a:solidFill>
             <a:schemeClr val="phClr"/>
           </a:solidFill>
           <a:prstDash val="solid"/>
-          <a:miter lim="800000"/>
         </a:ln>
       </a:lnStyleLst>
       <a:effectStyleLst>
@@ -3621,12 +5469,23 @@
         </a:effectStyle>
         <a:effectStyle>
           <a:effectLst>
-            <a:outerShdw blurRad="57150" dist="19050" dir="5400000" algn="ctr" rotWithShape="0">
+            <a:outerShdw blurRad="50800" dist="50800" dir="5400000" sx="96000" sy="96000" rotWithShape="0">
               <a:srgbClr val="000000">
-                <a:alpha val="63000"/>
+                <a:alpha val="48000"/>
               </a:srgbClr>
             </a:outerShdw>
           </a:effectLst>
+          <a:scene3d>
+            <a:camera prst="orthographicFront">
+              <a:rot lat="0" lon="0" rev="0"/>
+            </a:camera>
+            <a:lightRig rig="balanced" dir="t">
+              <a:rot lat="0" lon="0" rev="1080000"/>
+            </a:lightRig>
+          </a:scene3d>
+          <a:sp3d>
+            <a:bevelT w="38100" h="12700" prst="softRound"/>
+          </a:sp3d>
         </a:effectStyle>
       </a:effectStyleLst>
       <a:bgFillStyleLst>
@@ -3634,37 +5493,26 @@
           <a:schemeClr val="phClr"/>
         </a:solidFill>
         <a:solidFill>
-          <a:schemeClr val="phClr">
-            <a:tint val="95000"/>
-            <a:satMod val="170000"/>
-          </a:schemeClr>
+          <a:schemeClr val="phClr"/>
         </a:solidFill>
         <a:gradFill rotWithShape="1">
           <a:gsLst>
             <a:gs pos="0">
               <a:schemeClr val="phClr">
-                <a:tint val="93000"/>
-                <a:satMod val="150000"/>
-                <a:shade val="98000"/>
-                <a:lumMod val="102000"/>
-              </a:schemeClr>
-            </a:gs>
-            <a:gs pos="50000">
-              <a:schemeClr val="phClr">
-                <a:tint val="98000"/>
-                <a:satMod val="130000"/>
-                <a:shade val="90000"/>
-                <a:lumMod val="103000"/>
+                <a:tint val="94000"/>
+                <a:satMod val="80000"/>
+                <a:lumMod val="106000"/>
               </a:schemeClr>
             </a:gs>
             <a:gs pos="100000">
               <a:schemeClr val="phClr">
-                <a:shade val="63000"/>
-                <a:satMod val="120000"/>
+                <a:shade val="80000"/>
               </a:schemeClr>
             </a:gs>
           </a:gsLst>
-          <a:lin ang="5400000" scaled="0"/>
+          <a:path path="circle">
+            <a:fillToRect l="50000" t="50000" r="50000" b="50000"/>
+          </a:path>
         </a:gradFill>
       </a:bgFillStyleLst>
     </a:fmtScheme>
@@ -3673,7 +5521,7 @@
   <a:extraClrSchemeLst/>
   <a:extLst>
     <a:ext uri="{05A4C25C-085E-4340-85A3-A5531E510DB2}">
-      <thm15:themeFamily xmlns:thm15="http://schemas.microsoft.com/office/thememl/2012/main" name="Office Theme" id="{62F939B6-93AF-4DB8-9C6B-D6C7DFDC589F}" vid="{4A3C46E8-61CC-4603-A589-7422A47A8E4A}"/>
+      <thm15:themeFamily xmlns:thm15="http://schemas.microsoft.com/office/thememl/2012/main" name="Gallery" id="{BBFCD31E-59A1-489D-B089-A3EAD7CAE12E}" vid="{F5E91637-A7B6-4E27-B710-77DA7014EE1E}"/>
     </a:ext>
   </a:extLst>
 </a:theme>

--- a/Presentation.pptx
+++ b/Presentation.pptx
@@ -18,6 +18,7 @@
     <p:sldId id="267" r:id="rId12"/>
     <p:sldId id="268" r:id="rId13"/>
     <p:sldId id="269" r:id="rId14"/>
+    <p:sldId id="270" r:id="rId15"/>
   </p:sldIdLst>
   <p:sldSz cx="12192000" cy="6858000"/>
   <p:notesSz cx="6858000" cy="9144000"/>
@@ -116,6 +117,11 @@
       </a:defRPr>
     </a:lvl9pPr>
   </p:defaultTextStyle>
+  <p:extLst>
+    <p:ext uri="{EFAFB233-063F-42B5-8137-9DF3F51BA10A}">
+      <p15:sldGuideLst xmlns:p15="http://schemas.microsoft.com/office/powerpoint/2012/main"/>
+    </p:ext>
+  </p:extLst>
 </p:presentation>
 </file>
 
@@ -258,7 +264,7 @@
           <a:p>
             <a:fld id="{81B8F32D-D8B6-4B9E-9CBF-DCAC30B7B93D}" type="datetimeFigureOut">
               <a:rPr lang="en-US" smtClean="0"/>
-              <a:t>5/8/23</a:t>
+              <a:t>5/14/23</a:t>
             </a:fld>
             <a:endParaRPr lang="en-US"/>
           </a:p>
@@ -469,7 +475,7 @@
           <a:p>
             <a:fld id="{81B8F32D-D8B6-4B9E-9CBF-DCAC30B7B93D}" type="datetimeFigureOut">
               <a:rPr lang="en-US" smtClean="0"/>
-              <a:t>5/8/23</a:t>
+              <a:t>5/14/23</a:t>
             </a:fld>
             <a:endParaRPr lang="en-US"/>
           </a:p>
@@ -684,7 +690,7 @@
           <a:p>
             <a:fld id="{81B8F32D-D8B6-4B9E-9CBF-DCAC30B7B93D}" type="datetimeFigureOut">
               <a:rPr lang="en-US" smtClean="0"/>
-              <a:t>5/8/23</a:t>
+              <a:t>5/14/23</a:t>
             </a:fld>
             <a:endParaRPr lang="en-US"/>
           </a:p>
@@ -885,7 +891,7 @@
           <a:p>
             <a:fld id="{81B8F32D-D8B6-4B9E-9CBF-DCAC30B7B93D}" type="datetimeFigureOut">
               <a:rPr lang="en-US" smtClean="0"/>
-              <a:t>5/8/23</a:t>
+              <a:t>5/14/23</a:t>
             </a:fld>
             <a:endParaRPr lang="en-US"/>
           </a:p>
@@ -1164,7 +1170,7 @@
           <a:p>
             <a:fld id="{81B8F32D-D8B6-4B9E-9CBF-DCAC30B7B93D}" type="datetimeFigureOut">
               <a:rPr lang="en-US" smtClean="0"/>
-              <a:t>5/8/23</a:t>
+              <a:t>5/14/23</a:t>
             </a:fld>
             <a:endParaRPr lang="en-US"/>
           </a:p>
@@ -1432,7 +1438,7 @@
           <a:p>
             <a:fld id="{81B8F32D-D8B6-4B9E-9CBF-DCAC30B7B93D}" type="datetimeFigureOut">
               <a:rPr lang="en-US" smtClean="0"/>
-              <a:t>5/8/23</a:t>
+              <a:t>5/14/23</a:t>
             </a:fld>
             <a:endParaRPr lang="en-US"/>
           </a:p>
@@ -1848,7 +1854,7 @@
           <a:p>
             <a:fld id="{81B8F32D-D8B6-4B9E-9CBF-DCAC30B7B93D}" type="datetimeFigureOut">
               <a:rPr lang="en-US" smtClean="0"/>
-              <a:t>5/8/23</a:t>
+              <a:t>5/14/23</a:t>
             </a:fld>
             <a:endParaRPr lang="en-US"/>
           </a:p>
@@ -1997,7 +2003,7 @@
           <a:p>
             <a:fld id="{81B8F32D-D8B6-4B9E-9CBF-DCAC30B7B93D}" type="datetimeFigureOut">
               <a:rPr lang="en-US" smtClean="0"/>
-              <a:t>5/8/23</a:t>
+              <a:t>5/14/23</a:t>
             </a:fld>
             <a:endParaRPr lang="en-US"/>
           </a:p>
@@ -2123,7 +2129,7 @@
           <a:p>
             <a:fld id="{81B8F32D-D8B6-4B9E-9CBF-DCAC30B7B93D}" type="datetimeFigureOut">
               <a:rPr lang="en-US" smtClean="0"/>
-              <a:t>5/8/23</a:t>
+              <a:t>5/14/23</a:t>
             </a:fld>
             <a:endParaRPr lang="en-US"/>
           </a:p>
@@ -2374,7 +2380,7 @@
           <a:p>
             <a:fld id="{81B8F32D-D8B6-4B9E-9CBF-DCAC30B7B93D}" type="datetimeFigureOut">
               <a:rPr lang="en-US" smtClean="0"/>
-              <a:t>5/8/23</a:t>
+              <a:t>5/14/23</a:t>
             </a:fld>
             <a:endParaRPr lang="en-US"/>
           </a:p>
@@ -2819,7 +2825,7 @@
           <a:p>
             <a:fld id="{81B8F32D-D8B6-4B9E-9CBF-DCAC30B7B93D}" type="datetimeFigureOut">
               <a:rPr lang="en-US" smtClean="0"/>
-              <a:t>5/8/23</a:t>
+              <a:t>5/14/23</a:t>
             </a:fld>
             <a:endParaRPr lang="en-US"/>
           </a:p>
@@ -3147,7 +3153,7 @@
             <a:fld id="{81B8F32D-D8B6-4B9E-9CBF-DCAC30B7B93D}" type="datetimeFigureOut">
               <a:rPr lang="en-US" smtClean="0"/>
               <a:pPr/>
-              <a:t>5/8/23</a:t>
+              <a:t>5/14/23</a:t>
             </a:fld>
             <a:endParaRPr lang="en-US" dirty="0"/>
           </a:p>
@@ -3979,8 +3985,8 @@
           </a:p>
         </p:txBody>
       </p:sp>
-      <mc:AlternateContent xmlns:mc="http://schemas.openxmlformats.org/markup-compatibility/2006">
-        <mc:Choice xmlns:a14="http://schemas.microsoft.com/office/drawing/2010/main" Requires="a14">
+      <mc:AlternateContent xmlns:mc="http://schemas.openxmlformats.org/markup-compatibility/2006" xmlns:a14="http://schemas.microsoft.com/office/drawing/2010/main">
+        <mc:Choice Requires="a14">
           <p:sp>
             <p:nvSpPr>
               <p:cNvPr id="3" name="Content Placeholder 2">
@@ -4165,7 +4171,7 @@
             </p:txBody>
           </p:sp>
         </mc:Choice>
-        <mc:Fallback>
+        <mc:Fallback xmlns="">
           <p:sp>
             <p:nvSpPr>
               <p:cNvPr id="3" name="Content Placeholder 2">
@@ -4289,12 +4295,144 @@
               <a:t>Used factorized representation and learn the weights of the variables to make prediction</a:t>
             </a:r>
           </a:p>
-        </p:txBody>
-      </p:sp>
+          <a:p>
+            <a:r>
+              <a:rPr lang="en-US" dirty="0"/>
+              <a:t>Extension of linear regression model</a:t>
+            </a:r>
+          </a:p>
+          <a:p>
+            <a:endParaRPr lang="en-US" dirty="0"/>
+          </a:p>
+        </p:txBody>
+      </p:sp>
+      <p:pic>
+        <p:nvPicPr>
+          <p:cNvPr id="4" name="Picture 3">
+            <a:extLst>
+              <a:ext uri="{FF2B5EF4-FFF2-40B4-BE49-F238E27FC236}">
+                <a16:creationId xmlns:a16="http://schemas.microsoft.com/office/drawing/2014/main" id="{DD58B8E8-9089-17F2-5BE3-235CB2A43577}"/>
+              </a:ext>
+            </a:extLst>
+          </p:cNvPr>
+          <p:cNvPicPr>
+            <a:picLocks noChangeAspect="1"/>
+          </p:cNvPicPr>
+          <p:nvPr/>
+        </p:nvPicPr>
+        <p:blipFill>
+          <a:blip r:embed="rId2"/>
+          <a:stretch>
+            <a:fillRect/>
+          </a:stretch>
+        </p:blipFill>
+        <p:spPr>
+          <a:xfrm>
+            <a:off x="3200400" y="3429000"/>
+            <a:ext cx="5791200" cy="977900"/>
+          </a:xfrm>
+          <a:prstGeom prst="rect">
+            <a:avLst/>
+          </a:prstGeom>
+        </p:spPr>
+      </p:pic>
     </p:spTree>
     <p:extLst>
       <p:ext uri="{BB962C8B-B14F-4D97-AF65-F5344CB8AC3E}">
         <p14:creationId xmlns:p14="http://schemas.microsoft.com/office/powerpoint/2010/main" val="2962255331"/>
+      </p:ext>
+    </p:extLst>
+  </p:cSld>
+  <p:clrMapOvr>
+    <a:masterClrMapping/>
+  </p:clrMapOvr>
+</p:sld>
+</file>
+
+<file path=ppt/slides/slide14.xml><?xml version="1.0" encoding="utf-8"?>
+<p:sld xmlns:a="http://schemas.openxmlformats.org/drawingml/2006/main" xmlns:r="http://schemas.openxmlformats.org/officeDocument/2006/relationships" xmlns:p="http://schemas.openxmlformats.org/presentationml/2006/main">
+  <p:cSld>
+    <p:spTree>
+      <p:nvGrpSpPr>
+        <p:cNvPr id="1" name=""/>
+        <p:cNvGrpSpPr/>
+        <p:nvPr/>
+      </p:nvGrpSpPr>
+      <p:grpSpPr>
+        <a:xfrm>
+          <a:off x="0" y="0"/>
+          <a:ext cx="0" cy="0"/>
+          <a:chOff x="0" y="0"/>
+          <a:chExt cx="0" cy="0"/>
+        </a:xfrm>
+      </p:grpSpPr>
+      <p:sp>
+        <p:nvSpPr>
+          <p:cNvPr id="2" name="Title 1">
+            <a:extLst>
+              <a:ext uri="{FF2B5EF4-FFF2-40B4-BE49-F238E27FC236}">
+                <a16:creationId xmlns:a16="http://schemas.microsoft.com/office/drawing/2014/main" id="{60C13765-EE2E-DEA0-DD24-244D714ACDBE}"/>
+              </a:ext>
+            </a:extLst>
+          </p:cNvPr>
+          <p:cNvSpPr>
+            <a:spLocks noGrp="1"/>
+          </p:cNvSpPr>
+          <p:nvPr>
+            <p:ph type="title"/>
+          </p:nvPr>
+        </p:nvSpPr>
+        <p:spPr/>
+        <p:txBody>
+          <a:bodyPr/>
+          <a:lstStyle/>
+          <a:p>
+            <a:r>
+              <a:rPr lang="en-US" dirty="0"/>
+              <a:t>Data Exploration</a:t>
+            </a:r>
+          </a:p>
+        </p:txBody>
+      </p:sp>
+      <p:sp>
+        <p:nvSpPr>
+          <p:cNvPr id="3" name="Content Placeholder 2">
+            <a:extLst>
+              <a:ext uri="{FF2B5EF4-FFF2-40B4-BE49-F238E27FC236}">
+                <a16:creationId xmlns:a16="http://schemas.microsoft.com/office/drawing/2014/main" id="{5CE8BBE8-0234-681F-E2DB-53675833881A}"/>
+              </a:ext>
+            </a:extLst>
+          </p:cNvPr>
+          <p:cNvSpPr>
+            <a:spLocks noGrp="1"/>
+          </p:cNvSpPr>
+          <p:nvPr>
+            <p:ph idx="1"/>
+          </p:nvPr>
+        </p:nvSpPr>
+        <p:spPr/>
+        <p:txBody>
+          <a:bodyPr/>
+          <a:lstStyle/>
+          <a:p>
+            <a:r>
+              <a:rPr lang="en-US" dirty="0"/>
+              <a:t>35 columns with Biopsy as the </a:t>
+            </a:r>
+            <a:r>
+              <a:rPr lang="en-US"/>
+              <a:t>target column</a:t>
+            </a:r>
+          </a:p>
+          <a:p>
+            <a:endParaRPr lang="en-US"/>
+          </a:p>
+        </p:txBody>
+      </p:sp>
+    </p:spTree>
+    <p:extLst>
+      <p:ext uri="{BB962C8B-B14F-4D97-AF65-F5344CB8AC3E}">
+        <p14:creationId xmlns:p14="http://schemas.microsoft.com/office/powerpoint/2010/main" val="1025123411"/>
       </p:ext>
     </p:extLst>
   </p:cSld>

--- a/Presentation.pptx
+++ b/Presentation.pptx
@@ -7,18 +7,23 @@
   <p:sldIdLst>
     <p:sldId id="256" r:id="rId2"/>
     <p:sldId id="258" r:id="rId3"/>
-    <p:sldId id="259" r:id="rId4"/>
-    <p:sldId id="260" r:id="rId5"/>
-    <p:sldId id="261" r:id="rId6"/>
-    <p:sldId id="262" r:id="rId7"/>
-    <p:sldId id="263" r:id="rId8"/>
-    <p:sldId id="264" r:id="rId9"/>
-    <p:sldId id="265" r:id="rId10"/>
-    <p:sldId id="266" r:id="rId11"/>
-    <p:sldId id="267" r:id="rId12"/>
-    <p:sldId id="268" r:id="rId13"/>
-    <p:sldId id="269" r:id="rId14"/>
-    <p:sldId id="270" r:id="rId15"/>
+    <p:sldId id="271" r:id="rId4"/>
+    <p:sldId id="272" r:id="rId5"/>
+    <p:sldId id="259" r:id="rId6"/>
+    <p:sldId id="260" r:id="rId7"/>
+    <p:sldId id="273" r:id="rId8"/>
+    <p:sldId id="261" r:id="rId9"/>
+    <p:sldId id="262" r:id="rId10"/>
+    <p:sldId id="263" r:id="rId11"/>
+    <p:sldId id="264" r:id="rId12"/>
+    <p:sldId id="265" r:id="rId13"/>
+    <p:sldId id="266" r:id="rId14"/>
+    <p:sldId id="267" r:id="rId15"/>
+    <p:sldId id="268" r:id="rId16"/>
+    <p:sldId id="269" r:id="rId17"/>
+    <p:sldId id="270" r:id="rId18"/>
+    <p:sldId id="274" r:id="rId19"/>
+    <p:sldId id="275" r:id="rId20"/>
   </p:sldIdLst>
   <p:sldSz cx="12192000" cy="6858000"/>
   <p:notesSz cx="6858000" cy="9144000"/>
@@ -264,7 +269,7 @@
           <a:p>
             <a:fld id="{81B8F32D-D8B6-4B9E-9CBF-DCAC30B7B93D}" type="datetimeFigureOut">
               <a:rPr lang="en-US" smtClean="0"/>
-              <a:t>5/14/23</a:t>
+              <a:t>5/22/23</a:t>
             </a:fld>
             <a:endParaRPr lang="en-US"/>
           </a:p>
@@ -475,7 +480,7 @@
           <a:p>
             <a:fld id="{81B8F32D-D8B6-4B9E-9CBF-DCAC30B7B93D}" type="datetimeFigureOut">
               <a:rPr lang="en-US" smtClean="0"/>
-              <a:t>5/14/23</a:t>
+              <a:t>5/22/23</a:t>
             </a:fld>
             <a:endParaRPr lang="en-US"/>
           </a:p>
@@ -690,7 +695,7 @@
           <a:p>
             <a:fld id="{81B8F32D-D8B6-4B9E-9CBF-DCAC30B7B93D}" type="datetimeFigureOut">
               <a:rPr lang="en-US" smtClean="0"/>
-              <a:t>5/14/23</a:t>
+              <a:t>5/22/23</a:t>
             </a:fld>
             <a:endParaRPr lang="en-US"/>
           </a:p>
@@ -891,7 +896,7 @@
           <a:p>
             <a:fld id="{81B8F32D-D8B6-4B9E-9CBF-DCAC30B7B93D}" type="datetimeFigureOut">
               <a:rPr lang="en-US" smtClean="0"/>
-              <a:t>5/14/23</a:t>
+              <a:t>5/22/23</a:t>
             </a:fld>
             <a:endParaRPr lang="en-US"/>
           </a:p>
@@ -1170,7 +1175,7 @@
           <a:p>
             <a:fld id="{81B8F32D-D8B6-4B9E-9CBF-DCAC30B7B93D}" type="datetimeFigureOut">
               <a:rPr lang="en-US" smtClean="0"/>
-              <a:t>5/14/23</a:t>
+              <a:t>5/22/23</a:t>
             </a:fld>
             <a:endParaRPr lang="en-US"/>
           </a:p>
@@ -1438,7 +1443,7 @@
           <a:p>
             <a:fld id="{81B8F32D-D8B6-4B9E-9CBF-DCAC30B7B93D}" type="datetimeFigureOut">
               <a:rPr lang="en-US" smtClean="0"/>
-              <a:t>5/14/23</a:t>
+              <a:t>5/22/23</a:t>
             </a:fld>
             <a:endParaRPr lang="en-US"/>
           </a:p>
@@ -1854,7 +1859,7 @@
           <a:p>
             <a:fld id="{81B8F32D-D8B6-4B9E-9CBF-DCAC30B7B93D}" type="datetimeFigureOut">
               <a:rPr lang="en-US" smtClean="0"/>
-              <a:t>5/14/23</a:t>
+              <a:t>5/22/23</a:t>
             </a:fld>
             <a:endParaRPr lang="en-US"/>
           </a:p>
@@ -2003,7 +2008,7 @@
           <a:p>
             <a:fld id="{81B8F32D-D8B6-4B9E-9CBF-DCAC30B7B93D}" type="datetimeFigureOut">
               <a:rPr lang="en-US" smtClean="0"/>
-              <a:t>5/14/23</a:t>
+              <a:t>5/22/23</a:t>
             </a:fld>
             <a:endParaRPr lang="en-US"/>
           </a:p>
@@ -2129,7 +2134,7 @@
           <a:p>
             <a:fld id="{81B8F32D-D8B6-4B9E-9CBF-DCAC30B7B93D}" type="datetimeFigureOut">
               <a:rPr lang="en-US" smtClean="0"/>
-              <a:t>5/14/23</a:t>
+              <a:t>5/22/23</a:t>
             </a:fld>
             <a:endParaRPr lang="en-US"/>
           </a:p>
@@ -2380,7 +2385,7 @@
           <a:p>
             <a:fld id="{81B8F32D-D8B6-4B9E-9CBF-DCAC30B7B93D}" type="datetimeFigureOut">
               <a:rPr lang="en-US" smtClean="0"/>
-              <a:t>5/14/23</a:t>
+              <a:t>5/22/23</a:t>
             </a:fld>
             <a:endParaRPr lang="en-US"/>
           </a:p>
@@ -2825,7 +2830,7 @@
           <a:p>
             <a:fld id="{81B8F32D-D8B6-4B9E-9CBF-DCAC30B7B93D}" type="datetimeFigureOut">
               <a:rPr lang="en-US" smtClean="0"/>
-              <a:t>5/14/23</a:t>
+              <a:t>5/22/23</a:t>
             </a:fld>
             <a:endParaRPr lang="en-US"/>
           </a:p>
@@ -3153,7 +3158,7 @@
             <a:fld id="{81B8F32D-D8B6-4B9E-9CBF-DCAC30B7B93D}" type="datetimeFigureOut">
               <a:rPr lang="en-US" smtClean="0"/>
               <a:pPr/>
-              <a:t>5/14/23</a:t>
+              <a:t>5/22/23</a:t>
             </a:fld>
             <a:endParaRPr lang="en-US" dirty="0"/>
           </a:p>
@@ -3768,7 +3773,7 @@
           <p:cNvPr id="2" name="Title 1">
             <a:extLst>
               <a:ext uri="{FF2B5EF4-FFF2-40B4-BE49-F238E27FC236}">
-                <a16:creationId xmlns:a16="http://schemas.microsoft.com/office/drawing/2014/main" id="{10967EE5-F49D-E86C-07D4-CB23A101BAD1}"/>
+                <a16:creationId xmlns:a16="http://schemas.microsoft.com/office/drawing/2014/main" id="{0FE09437-8373-D911-4812-615B8930B6C8}"/>
               </a:ext>
             </a:extLst>
           </p:cNvPr>
@@ -3786,7 +3791,7 @@
           <a:p>
             <a:r>
               <a:rPr lang="en-US" dirty="0"/>
-              <a:t>Gradient Boosted Classifier</a:t>
+              <a:t>Logistic Regression</a:t>
             </a:r>
           </a:p>
         </p:txBody>
@@ -3796,7 +3801,7 @@
           <p:cNvPr id="3" name="Content Placeholder 2">
             <a:extLst>
               <a:ext uri="{FF2B5EF4-FFF2-40B4-BE49-F238E27FC236}">
-                <a16:creationId xmlns:a16="http://schemas.microsoft.com/office/drawing/2014/main" id="{4DBF4885-5E2E-6210-2AF2-6135D69E1479}"/>
+                <a16:creationId xmlns:a16="http://schemas.microsoft.com/office/drawing/2014/main" id="{F2A9069E-7902-3DD4-961F-BE905E61B63E}"/>
               </a:ext>
             </a:extLst>
           </p:cNvPr>
@@ -3814,21 +3819,45 @@
           <a:p>
             <a:r>
               <a:rPr lang="en-US" dirty="0"/>
-              <a:t>Use multiple decision tree to improve classification performance</a:t>
-            </a:r>
-          </a:p>
-          <a:p>
-            <a:r>
-              <a:rPr lang="en-US" dirty="0"/>
-              <a:t>Trees are builds in sequence, each tree improve upon previous tree.</a:t>
-            </a:r>
-          </a:p>
-        </p:txBody>
-      </p:sp>
+              <a:t>Using the logistic function to predict the fitment curve</a:t>
+            </a:r>
+          </a:p>
+        </p:txBody>
+      </p:sp>
+      <p:pic>
+        <p:nvPicPr>
+          <p:cNvPr id="7" name="Picture 6" descr="Diagram&#10;&#10;Description automatically generated">
+            <a:extLst>
+              <a:ext uri="{FF2B5EF4-FFF2-40B4-BE49-F238E27FC236}">
+                <a16:creationId xmlns:a16="http://schemas.microsoft.com/office/drawing/2014/main" id="{B0A7F9D1-5789-6F16-53A6-EBBDDBA2F7F4}"/>
+              </a:ext>
+            </a:extLst>
+          </p:cNvPr>
+          <p:cNvPicPr>
+            <a:picLocks noChangeAspect="1"/>
+          </p:cNvPicPr>
+          <p:nvPr/>
+        </p:nvPicPr>
+        <p:blipFill>
+          <a:blip r:embed="rId2"/>
+          <a:stretch>
+            <a:fillRect/>
+          </a:stretch>
+        </p:blipFill>
+        <p:spPr>
+          <a:xfrm>
+            <a:off x="2816352" y="2429211"/>
+            <a:ext cx="4660646" cy="4063664"/>
+          </a:xfrm>
+          <a:prstGeom prst="rect">
+            <a:avLst/>
+          </a:prstGeom>
+        </p:spPr>
+      </p:pic>
     </p:spTree>
     <p:extLst>
       <p:ext uri="{BB962C8B-B14F-4D97-AF65-F5344CB8AC3E}">
-        <p14:creationId xmlns:p14="http://schemas.microsoft.com/office/powerpoint/2010/main" val="2417224525"/>
+        <p14:creationId xmlns:p14="http://schemas.microsoft.com/office/powerpoint/2010/main" val="195365611"/>
       </p:ext>
     </p:extLst>
   </p:cSld>
@@ -3860,6 +3889,318 @@
           <p:cNvPr id="2" name="Title 1">
             <a:extLst>
               <a:ext uri="{FF2B5EF4-FFF2-40B4-BE49-F238E27FC236}">
+                <a16:creationId xmlns:a16="http://schemas.microsoft.com/office/drawing/2014/main" id="{0F9BB0EF-F1B6-0D72-89A9-0DA0A8037310}"/>
+              </a:ext>
+            </a:extLst>
+          </p:cNvPr>
+          <p:cNvSpPr>
+            <a:spLocks noGrp="1"/>
+          </p:cNvSpPr>
+          <p:nvPr>
+            <p:ph type="title"/>
+          </p:nvPr>
+        </p:nvSpPr>
+        <p:spPr/>
+        <p:txBody>
+          <a:bodyPr/>
+          <a:lstStyle/>
+          <a:p>
+            <a:r>
+              <a:rPr lang="en-US" dirty="0"/>
+              <a:t>Decision tree</a:t>
+            </a:r>
+          </a:p>
+        </p:txBody>
+      </p:sp>
+      <p:sp>
+        <p:nvSpPr>
+          <p:cNvPr id="3" name="Content Placeholder 2">
+            <a:extLst>
+              <a:ext uri="{FF2B5EF4-FFF2-40B4-BE49-F238E27FC236}">
+                <a16:creationId xmlns:a16="http://schemas.microsoft.com/office/drawing/2014/main" id="{98EC179B-5977-E4A5-DF63-E08954CA23FD}"/>
+              </a:ext>
+            </a:extLst>
+          </p:cNvPr>
+          <p:cNvSpPr>
+            <a:spLocks noGrp="1"/>
+          </p:cNvSpPr>
+          <p:nvPr>
+            <p:ph idx="1"/>
+          </p:nvPr>
+        </p:nvSpPr>
+        <p:spPr/>
+        <p:txBody>
+          <a:bodyPr/>
+          <a:lstStyle/>
+          <a:p>
+            <a:r>
+              <a:rPr lang="en-US" dirty="0"/>
+              <a:t>Use tree model to make decision</a:t>
+            </a:r>
+          </a:p>
+          <a:p>
+            <a:r>
+              <a:rPr lang="en-US" dirty="0"/>
+              <a:t>Split data to different subsets where each branch of the tree is a different rule set</a:t>
+            </a:r>
+          </a:p>
+        </p:txBody>
+      </p:sp>
+      <p:pic>
+        <p:nvPicPr>
+          <p:cNvPr id="5" name="Picture 4" descr="Diagram&#10;&#10;Description automatically generated">
+            <a:extLst>
+              <a:ext uri="{FF2B5EF4-FFF2-40B4-BE49-F238E27FC236}">
+                <a16:creationId xmlns:a16="http://schemas.microsoft.com/office/drawing/2014/main" id="{A72BA5DA-51EE-DF7B-12F3-45ABC631FD1A}"/>
+              </a:ext>
+            </a:extLst>
+          </p:cNvPr>
+          <p:cNvPicPr>
+            <a:picLocks noChangeAspect="1"/>
+          </p:cNvPicPr>
+          <p:nvPr/>
+        </p:nvPicPr>
+        <p:blipFill>
+          <a:blip r:embed="rId2"/>
+          <a:stretch>
+            <a:fillRect/>
+          </a:stretch>
+        </p:blipFill>
+        <p:spPr>
+          <a:xfrm>
+            <a:off x="3929042" y="3118104"/>
+            <a:ext cx="4333916" cy="3374771"/>
+          </a:xfrm>
+          <a:prstGeom prst="rect">
+            <a:avLst/>
+          </a:prstGeom>
+        </p:spPr>
+      </p:pic>
+    </p:spTree>
+    <p:extLst>
+      <p:ext uri="{BB962C8B-B14F-4D97-AF65-F5344CB8AC3E}">
+        <p14:creationId xmlns:p14="http://schemas.microsoft.com/office/powerpoint/2010/main" val="767166231"/>
+      </p:ext>
+    </p:extLst>
+  </p:cSld>
+  <p:clrMapOvr>
+    <a:masterClrMapping/>
+  </p:clrMapOvr>
+</p:sld>
+</file>
+
+<file path=ppt/slides/slide12.xml><?xml version="1.0" encoding="utf-8"?>
+<p:sld xmlns:a="http://schemas.openxmlformats.org/drawingml/2006/main" xmlns:r="http://schemas.openxmlformats.org/officeDocument/2006/relationships" xmlns:p="http://schemas.openxmlformats.org/presentationml/2006/main">
+  <p:cSld>
+    <p:spTree>
+      <p:nvGrpSpPr>
+        <p:cNvPr id="1" name=""/>
+        <p:cNvGrpSpPr/>
+        <p:nvPr/>
+      </p:nvGrpSpPr>
+      <p:grpSpPr>
+        <a:xfrm>
+          <a:off x="0" y="0"/>
+          <a:ext cx="0" cy="0"/>
+          <a:chOff x="0" y="0"/>
+          <a:chExt cx="0" cy="0"/>
+        </a:xfrm>
+      </p:grpSpPr>
+      <p:sp>
+        <p:nvSpPr>
+          <p:cNvPr id="2" name="Title 1">
+            <a:extLst>
+              <a:ext uri="{FF2B5EF4-FFF2-40B4-BE49-F238E27FC236}">
+                <a16:creationId xmlns:a16="http://schemas.microsoft.com/office/drawing/2014/main" id="{40631B9F-448A-37E8-F97B-D8BBA58C5CE5}"/>
+              </a:ext>
+            </a:extLst>
+          </p:cNvPr>
+          <p:cNvSpPr>
+            <a:spLocks noGrp="1"/>
+          </p:cNvSpPr>
+          <p:nvPr>
+            <p:ph type="title"/>
+          </p:nvPr>
+        </p:nvSpPr>
+        <p:spPr/>
+        <p:txBody>
+          <a:bodyPr/>
+          <a:lstStyle/>
+          <a:p>
+            <a:r>
+              <a:rPr lang="en-US" dirty="0"/>
+              <a:t>Random Forest	</a:t>
+            </a:r>
+          </a:p>
+        </p:txBody>
+      </p:sp>
+      <p:sp>
+        <p:nvSpPr>
+          <p:cNvPr id="3" name="Content Placeholder 2">
+            <a:extLst>
+              <a:ext uri="{FF2B5EF4-FFF2-40B4-BE49-F238E27FC236}">
+                <a16:creationId xmlns:a16="http://schemas.microsoft.com/office/drawing/2014/main" id="{0509869D-F4A9-7E54-E233-6D5104EAFBEB}"/>
+              </a:ext>
+            </a:extLst>
+          </p:cNvPr>
+          <p:cNvSpPr>
+            <a:spLocks noGrp="1"/>
+          </p:cNvSpPr>
+          <p:nvPr>
+            <p:ph idx="1"/>
+          </p:nvPr>
+        </p:nvSpPr>
+        <p:spPr/>
+        <p:txBody>
+          <a:bodyPr/>
+          <a:lstStyle/>
+          <a:p>
+            <a:r>
+              <a:rPr lang="en-US" dirty="0"/>
+              <a:t>Use multiple decision tree to improve the accuracy</a:t>
+            </a:r>
+          </a:p>
+          <a:p>
+            <a:r>
+              <a:rPr lang="en-US" dirty="0"/>
+              <a:t>Randomly select subset of data to train each decision tree.</a:t>
+            </a:r>
+          </a:p>
+          <a:p>
+            <a:r>
+              <a:rPr lang="en-US" dirty="0"/>
+              <a:t>Combine each tree prediction to make final decision</a:t>
+            </a:r>
+          </a:p>
+        </p:txBody>
+      </p:sp>
+    </p:spTree>
+    <p:extLst>
+      <p:ext uri="{BB962C8B-B14F-4D97-AF65-F5344CB8AC3E}">
+        <p14:creationId xmlns:p14="http://schemas.microsoft.com/office/powerpoint/2010/main" val="3397351659"/>
+      </p:ext>
+    </p:extLst>
+  </p:cSld>
+  <p:clrMapOvr>
+    <a:masterClrMapping/>
+  </p:clrMapOvr>
+</p:sld>
+</file>
+
+<file path=ppt/slides/slide13.xml><?xml version="1.0" encoding="utf-8"?>
+<p:sld xmlns:a="http://schemas.openxmlformats.org/drawingml/2006/main" xmlns:r="http://schemas.openxmlformats.org/officeDocument/2006/relationships" xmlns:p="http://schemas.openxmlformats.org/presentationml/2006/main">
+  <p:cSld>
+    <p:spTree>
+      <p:nvGrpSpPr>
+        <p:cNvPr id="1" name=""/>
+        <p:cNvGrpSpPr/>
+        <p:nvPr/>
+      </p:nvGrpSpPr>
+      <p:grpSpPr>
+        <a:xfrm>
+          <a:off x="0" y="0"/>
+          <a:ext cx="0" cy="0"/>
+          <a:chOff x="0" y="0"/>
+          <a:chExt cx="0" cy="0"/>
+        </a:xfrm>
+      </p:grpSpPr>
+      <p:sp>
+        <p:nvSpPr>
+          <p:cNvPr id="2" name="Title 1">
+            <a:extLst>
+              <a:ext uri="{FF2B5EF4-FFF2-40B4-BE49-F238E27FC236}">
+                <a16:creationId xmlns:a16="http://schemas.microsoft.com/office/drawing/2014/main" id="{10967EE5-F49D-E86C-07D4-CB23A101BAD1}"/>
+              </a:ext>
+            </a:extLst>
+          </p:cNvPr>
+          <p:cNvSpPr>
+            <a:spLocks noGrp="1"/>
+          </p:cNvSpPr>
+          <p:nvPr>
+            <p:ph type="title"/>
+          </p:nvPr>
+        </p:nvSpPr>
+        <p:spPr/>
+        <p:txBody>
+          <a:bodyPr/>
+          <a:lstStyle/>
+          <a:p>
+            <a:r>
+              <a:rPr lang="en-US" dirty="0"/>
+              <a:t>Gradient Boosted Classifier</a:t>
+            </a:r>
+          </a:p>
+        </p:txBody>
+      </p:sp>
+      <p:sp>
+        <p:nvSpPr>
+          <p:cNvPr id="3" name="Content Placeholder 2">
+            <a:extLst>
+              <a:ext uri="{FF2B5EF4-FFF2-40B4-BE49-F238E27FC236}">
+                <a16:creationId xmlns:a16="http://schemas.microsoft.com/office/drawing/2014/main" id="{4DBF4885-5E2E-6210-2AF2-6135D69E1479}"/>
+              </a:ext>
+            </a:extLst>
+          </p:cNvPr>
+          <p:cNvSpPr>
+            <a:spLocks noGrp="1"/>
+          </p:cNvSpPr>
+          <p:nvPr>
+            <p:ph idx="1"/>
+          </p:nvPr>
+        </p:nvSpPr>
+        <p:spPr/>
+        <p:txBody>
+          <a:bodyPr/>
+          <a:lstStyle/>
+          <a:p>
+            <a:r>
+              <a:rPr lang="en-US" dirty="0"/>
+              <a:t>Use multiple decision tree to improve classification performance</a:t>
+            </a:r>
+          </a:p>
+          <a:p>
+            <a:r>
+              <a:rPr lang="en-US" dirty="0"/>
+              <a:t>Trees are builds in sequence, each tree improve upon previous tree.</a:t>
+            </a:r>
+          </a:p>
+        </p:txBody>
+      </p:sp>
+    </p:spTree>
+    <p:extLst>
+      <p:ext uri="{BB962C8B-B14F-4D97-AF65-F5344CB8AC3E}">
+        <p14:creationId xmlns:p14="http://schemas.microsoft.com/office/powerpoint/2010/main" val="2417224525"/>
+      </p:ext>
+    </p:extLst>
+  </p:cSld>
+  <p:clrMapOvr>
+    <a:masterClrMapping/>
+  </p:clrMapOvr>
+</p:sld>
+</file>
+
+<file path=ppt/slides/slide14.xml><?xml version="1.0" encoding="utf-8"?>
+<p:sld xmlns:a="http://schemas.openxmlformats.org/drawingml/2006/main" xmlns:r="http://schemas.openxmlformats.org/officeDocument/2006/relationships" xmlns:p="http://schemas.openxmlformats.org/presentationml/2006/main">
+  <p:cSld>
+    <p:spTree>
+      <p:nvGrpSpPr>
+        <p:cNvPr id="1" name=""/>
+        <p:cNvGrpSpPr/>
+        <p:nvPr/>
+      </p:nvGrpSpPr>
+      <p:grpSpPr>
+        <a:xfrm>
+          <a:off x="0" y="0"/>
+          <a:ext cx="0" cy="0"/>
+          <a:chOff x="0" y="0"/>
+          <a:chExt cx="0" cy="0"/>
+        </a:xfrm>
+      </p:grpSpPr>
+      <p:sp>
+        <p:nvSpPr>
+          <p:cNvPr id="2" name="Title 1">
+            <a:extLst>
+              <a:ext uri="{FF2B5EF4-FFF2-40B4-BE49-F238E27FC236}">
                 <a16:creationId xmlns:a16="http://schemas.microsoft.com/office/drawing/2014/main" id="{23FF42CF-99F7-0B7A-42EF-7DCF5CE5875F}"/>
               </a:ext>
             </a:extLst>
@@ -3936,7 +4277,7 @@
 </p:sld>
 </file>
 
-<file path=ppt/slides/slide12.xml><?xml version="1.0" encoding="utf-8"?>
+<file path=ppt/slides/slide15.xml><?xml version="1.0" encoding="utf-8"?>
 <p:sld xmlns:a="http://schemas.openxmlformats.org/drawingml/2006/main" xmlns:r="http://schemas.openxmlformats.org/officeDocument/2006/relationships" xmlns:p="http://schemas.openxmlformats.org/presentationml/2006/main">
   <p:cSld>
     <p:spTree>
@@ -4224,7 +4565,7 @@
 </p:sld>
 </file>
 
-<file path=ppt/slides/slide13.xml><?xml version="1.0" encoding="utf-8"?>
+<file path=ppt/slides/slide16.xml><?xml version="1.0" encoding="utf-8"?>
 <p:sld xmlns:a="http://schemas.openxmlformats.org/drawingml/2006/main" xmlns:r="http://schemas.openxmlformats.org/officeDocument/2006/relationships" xmlns:p="http://schemas.openxmlformats.org/presentationml/2006/main">
   <p:cSld>
     <p:spTree>
@@ -4349,7 +4690,7 @@
 </p:sld>
 </file>
 
-<file path=ppt/slides/slide14.xml><?xml version="1.0" encoding="utf-8"?>
+<file path=ppt/slides/slide17.xml><?xml version="1.0" encoding="utf-8"?>
 <p:sld xmlns:a="http://schemas.openxmlformats.org/drawingml/2006/main" xmlns:r="http://schemas.openxmlformats.org/officeDocument/2006/relationships" xmlns:p="http://schemas.openxmlformats.org/presentationml/2006/main">
   <p:cSld>
     <p:spTree>
@@ -4433,6 +4774,258 @@
     <p:extLst>
       <p:ext uri="{BB962C8B-B14F-4D97-AF65-F5344CB8AC3E}">
         <p14:creationId xmlns:p14="http://schemas.microsoft.com/office/powerpoint/2010/main" val="1025123411"/>
+      </p:ext>
+    </p:extLst>
+  </p:cSld>
+  <p:clrMapOvr>
+    <a:masterClrMapping/>
+  </p:clrMapOvr>
+</p:sld>
+</file>
+
+<file path=ppt/slides/slide18.xml><?xml version="1.0" encoding="utf-8"?>
+<p:sld xmlns:a="http://schemas.openxmlformats.org/drawingml/2006/main" xmlns:r="http://schemas.openxmlformats.org/officeDocument/2006/relationships" xmlns:p="http://schemas.openxmlformats.org/presentationml/2006/main">
+  <p:cSld>
+    <p:spTree>
+      <p:nvGrpSpPr>
+        <p:cNvPr id="1" name=""/>
+        <p:cNvGrpSpPr/>
+        <p:nvPr/>
+      </p:nvGrpSpPr>
+      <p:grpSpPr>
+        <a:xfrm>
+          <a:off x="0" y="0"/>
+          <a:ext cx="0" cy="0"/>
+          <a:chOff x="0" y="0"/>
+          <a:chExt cx="0" cy="0"/>
+        </a:xfrm>
+      </p:grpSpPr>
+      <p:sp>
+        <p:nvSpPr>
+          <p:cNvPr id="2" name="Title 1">
+            <a:extLst>
+              <a:ext uri="{FF2B5EF4-FFF2-40B4-BE49-F238E27FC236}">
+                <a16:creationId xmlns:a16="http://schemas.microsoft.com/office/drawing/2014/main" id="{B39FA4A9-F560-95AC-6319-806FB6F081DA}"/>
+              </a:ext>
+            </a:extLst>
+          </p:cNvPr>
+          <p:cNvSpPr>
+            <a:spLocks noGrp="1"/>
+          </p:cNvSpPr>
+          <p:nvPr>
+            <p:ph type="title"/>
+          </p:nvPr>
+        </p:nvSpPr>
+        <p:spPr/>
+        <p:txBody>
+          <a:bodyPr/>
+          <a:lstStyle/>
+          <a:p>
+            <a:endParaRPr lang="en-US"/>
+          </a:p>
+        </p:txBody>
+      </p:sp>
+      <p:sp>
+        <p:nvSpPr>
+          <p:cNvPr id="3" name="Content Placeholder 2">
+            <a:extLst>
+              <a:ext uri="{FF2B5EF4-FFF2-40B4-BE49-F238E27FC236}">
+                <a16:creationId xmlns:a16="http://schemas.microsoft.com/office/drawing/2014/main" id="{5EFFC053-6AC2-C4C4-5C02-1868B5975271}"/>
+              </a:ext>
+            </a:extLst>
+          </p:cNvPr>
+          <p:cNvSpPr>
+            <a:spLocks noGrp="1"/>
+          </p:cNvSpPr>
+          <p:nvPr>
+            <p:ph idx="1"/>
+          </p:nvPr>
+        </p:nvSpPr>
+        <p:spPr/>
+        <p:txBody>
+          <a:bodyPr/>
+          <a:lstStyle/>
+          <a:p>
+            <a:r>
+              <a:rPr lang="en-US" dirty="0" err="1"/>
+              <a:t>SparkML</a:t>
+            </a:r>
+            <a:r>
+              <a:rPr lang="en-US" dirty="0"/>
+              <a:t> and Spark</a:t>
+            </a:r>
+          </a:p>
+          <a:p>
+            <a:r>
+              <a:rPr lang="en-US" dirty="0"/>
+              <a:t>Application of Spark and </a:t>
+            </a:r>
+            <a:r>
+              <a:rPr lang="en-US" dirty="0" err="1"/>
+              <a:t>SparkML</a:t>
+            </a:r>
+            <a:r>
+              <a:rPr lang="en-US" dirty="0"/>
+              <a:t> </a:t>
+            </a:r>
+          </a:p>
+          <a:p>
+            <a:r>
+              <a:rPr lang="en-US" dirty="0"/>
+              <a:t>Performance metric</a:t>
+            </a:r>
+          </a:p>
+          <a:p>
+            <a:pPr lvl="1"/>
+            <a:r>
+              <a:rPr lang="en-US" dirty="0"/>
+              <a:t>Accuracy (Done a lot before)</a:t>
+            </a:r>
+          </a:p>
+          <a:p>
+            <a:pPr lvl="1"/>
+            <a:r>
+              <a:rPr lang="en-US" dirty="0"/>
+              <a:t>Scalability  (Big data – similar parallel project)</a:t>
+            </a:r>
+          </a:p>
+          <a:p>
+            <a:pPr lvl="1"/>
+            <a:r>
+              <a:rPr lang="en-US" dirty="0"/>
+              <a:t>Code Portability (GOOGLE –CLOUD –compared code modification …. – how easy to scale)</a:t>
+            </a:r>
+          </a:p>
+          <a:p>
+            <a:endParaRPr lang="en-US" dirty="0"/>
+          </a:p>
+        </p:txBody>
+      </p:sp>
+    </p:spTree>
+    <p:extLst>
+      <p:ext uri="{BB962C8B-B14F-4D97-AF65-F5344CB8AC3E}">
+        <p14:creationId xmlns:p14="http://schemas.microsoft.com/office/powerpoint/2010/main" val="508714902"/>
+      </p:ext>
+    </p:extLst>
+  </p:cSld>
+  <p:clrMapOvr>
+    <a:masterClrMapping/>
+  </p:clrMapOvr>
+</p:sld>
+</file>
+
+<file path=ppt/slides/slide19.xml><?xml version="1.0" encoding="utf-8"?>
+<p:sld xmlns:a="http://schemas.openxmlformats.org/drawingml/2006/main" xmlns:r="http://schemas.openxmlformats.org/officeDocument/2006/relationships" xmlns:p="http://schemas.openxmlformats.org/presentationml/2006/main">
+  <p:cSld>
+    <p:spTree>
+      <p:nvGrpSpPr>
+        <p:cNvPr id="1" name=""/>
+        <p:cNvGrpSpPr/>
+        <p:nvPr/>
+      </p:nvGrpSpPr>
+      <p:grpSpPr>
+        <a:xfrm>
+          <a:off x="0" y="0"/>
+          <a:ext cx="0" cy="0"/>
+          <a:chOff x="0" y="0"/>
+          <a:chExt cx="0" cy="0"/>
+        </a:xfrm>
+      </p:grpSpPr>
+      <p:sp>
+        <p:nvSpPr>
+          <p:cNvPr id="2" name="Title 1">
+            <a:extLst>
+              <a:ext uri="{FF2B5EF4-FFF2-40B4-BE49-F238E27FC236}">
+                <a16:creationId xmlns:a16="http://schemas.microsoft.com/office/drawing/2014/main" id="{B5288F8A-991E-84A1-5B47-44A8E9AB8DAD}"/>
+              </a:ext>
+            </a:extLst>
+          </p:cNvPr>
+          <p:cNvSpPr>
+            <a:spLocks noGrp="1"/>
+          </p:cNvSpPr>
+          <p:nvPr>
+            <p:ph type="title"/>
+          </p:nvPr>
+        </p:nvSpPr>
+        <p:spPr/>
+        <p:txBody>
+          <a:bodyPr/>
+          <a:lstStyle/>
+          <a:p>
+            <a:r>
+              <a:rPr lang="en-US" dirty="0"/>
+              <a:t>2 week goal</a:t>
+            </a:r>
+          </a:p>
+        </p:txBody>
+      </p:sp>
+      <p:sp>
+        <p:nvSpPr>
+          <p:cNvPr id="3" name="Content Placeholder 2">
+            <a:extLst>
+              <a:ext uri="{FF2B5EF4-FFF2-40B4-BE49-F238E27FC236}">
+                <a16:creationId xmlns:a16="http://schemas.microsoft.com/office/drawing/2014/main" id="{BD442E65-C1BD-F4C8-5A08-894DC42071D7}"/>
+              </a:ext>
+            </a:extLst>
+          </p:cNvPr>
+          <p:cNvSpPr>
+            <a:spLocks noGrp="1"/>
+          </p:cNvSpPr>
+          <p:nvPr>
+            <p:ph idx="1"/>
+          </p:nvPr>
+        </p:nvSpPr>
+        <p:spPr/>
+        <p:txBody>
+          <a:bodyPr/>
+          <a:lstStyle/>
+          <a:p>
+            <a:r>
+              <a:rPr lang="en-US" dirty="0"/>
+              <a:t>Looking at how to test code portability in a scientific manner</a:t>
+            </a:r>
+          </a:p>
+          <a:p>
+            <a:r>
+              <a:rPr lang="en-US" dirty="0"/>
+              <a:t>Run this thing on </a:t>
+            </a:r>
+            <a:r>
+              <a:rPr lang="en-US" dirty="0" err="1"/>
+              <a:t>GCLoud</a:t>
+            </a:r>
+            <a:endParaRPr lang="en-US" dirty="0"/>
+          </a:p>
+          <a:p>
+            <a:r>
+              <a:rPr lang="en-US" dirty="0"/>
+              <a:t>Spark Pipeline - </a:t>
+            </a:r>
+            <a:r>
+              <a:rPr lang="en-US" dirty="0" err="1"/>
+              <a:t>SLides</a:t>
+            </a:r>
+            <a:endParaRPr lang="en-US" dirty="0"/>
+          </a:p>
+          <a:p>
+            <a:r>
+              <a:rPr lang="en-US" dirty="0"/>
+              <a:t>Focus on algorithm, mathematical details – May be try to look at LDA. </a:t>
+            </a:r>
+          </a:p>
+          <a:p>
+            <a:pPr lvl="1"/>
+            <a:r>
+              <a:rPr lang="en-US" dirty="0"/>
+              <a:t>Spark Statistic Parameter</a:t>
+            </a:r>
+          </a:p>
+        </p:txBody>
+      </p:sp>
+    </p:spTree>
+    <p:extLst>
+      <p:ext uri="{BB962C8B-B14F-4D97-AF65-F5344CB8AC3E}">
+        <p14:creationId xmlns:p14="http://schemas.microsoft.com/office/powerpoint/2010/main" val="1595575665"/>
       </p:ext>
     </p:extLst>
   </p:cSld>
@@ -4580,7 +5173,7 @@
           <p:cNvPr id="2" name="Title 1">
             <a:extLst>
               <a:ext uri="{FF2B5EF4-FFF2-40B4-BE49-F238E27FC236}">
-                <a16:creationId xmlns:a16="http://schemas.microsoft.com/office/drawing/2014/main" id="{D9400098-06FD-71BA-1BB3-B2BCE5F93DBC}"/>
+                <a16:creationId xmlns:a16="http://schemas.microsoft.com/office/drawing/2014/main" id="{ED4EAF12-7641-0094-B639-930FD046AAC4}"/>
               </a:ext>
             </a:extLst>
           </p:cNvPr>
@@ -4598,8 +5191,13 @@
           <a:p>
             <a:r>
               <a:rPr lang="en-US" dirty="0"/>
-              <a:t>Why machine learning</a:t>
-            </a:r>
+              <a:t>Cervical Cancer – Slide </a:t>
+            </a:r>
+            <a:r>
+              <a:rPr lang="en-US" dirty="0" err="1"/>
+              <a:t>Addtion</a:t>
+            </a:r>
+            <a:endParaRPr lang="en-US" dirty="0"/>
           </a:p>
         </p:txBody>
       </p:sp>
@@ -4608,7 +5206,7 @@
           <p:cNvPr id="3" name="Content Placeholder 2">
             <a:extLst>
               <a:ext uri="{FF2B5EF4-FFF2-40B4-BE49-F238E27FC236}">
-                <a16:creationId xmlns:a16="http://schemas.microsoft.com/office/drawing/2014/main" id="{6228C5BD-F3F8-2784-6C71-81867083F9D0}"/>
+                <a16:creationId xmlns:a16="http://schemas.microsoft.com/office/drawing/2014/main" id="{F414AA98-3520-98A3-8356-DC2979269179}"/>
               </a:ext>
             </a:extLst>
           </p:cNvPr>
@@ -4624,57 +5222,14 @@
           <a:bodyPr/>
           <a:lstStyle/>
           <a:p>
-            <a:r>
-              <a:rPr lang="en-US" dirty="0"/>
-              <a:t>Quick deployment in the real world</a:t>
-            </a:r>
-          </a:p>
-          <a:p>
-            <a:r>
-              <a:rPr lang="en-US" dirty="0"/>
-              <a:t>Low barrier of entry for users</a:t>
-            </a:r>
-          </a:p>
-          <a:p>
-            <a:r>
-              <a:rPr lang="en-US" dirty="0"/>
-              <a:t>Lessen the burden of individuals and healthcare system </a:t>
-            </a:r>
-          </a:p>
-          <a:p>
-            <a:r>
-              <a:rPr lang="en-US" dirty="0"/>
-              <a:t>Improve cervical cancer prediction</a:t>
-            </a:r>
-          </a:p>
-          <a:p>
-            <a:pPr lvl="1"/>
-            <a:r>
-              <a:rPr lang="en-US" dirty="0"/>
-              <a:t>Allows for analysis of multiple resources</a:t>
-            </a:r>
-          </a:p>
-          <a:p>
-            <a:pPr lvl="1"/>
-            <a:r>
-              <a:rPr lang="en-US" dirty="0"/>
-              <a:t>Identify trends in data that is not apparent to human eyes</a:t>
-            </a:r>
-          </a:p>
-          <a:p>
-            <a:pPr lvl="1"/>
-            <a:endParaRPr lang="en-US" dirty="0"/>
-          </a:p>
-          <a:p>
-            <a:pPr lvl="1"/>
-            <a:endParaRPr lang="en-US" dirty="0"/>
+            <a:endParaRPr lang="en-US"/>
           </a:p>
         </p:txBody>
       </p:sp>
     </p:spTree>
     <p:extLst>
       <p:ext uri="{BB962C8B-B14F-4D97-AF65-F5344CB8AC3E}">
-        <p14:creationId xmlns:p14="http://schemas.microsoft.com/office/powerpoint/2010/main" val="1720784307"/>
+        <p14:creationId xmlns:p14="http://schemas.microsoft.com/office/powerpoint/2010/main" val="2427578969"/>
       </p:ext>
     </p:extLst>
   </p:cSld>
@@ -4706,6 +5261,220 @@
           <p:cNvPr id="2" name="Title 1">
             <a:extLst>
               <a:ext uri="{FF2B5EF4-FFF2-40B4-BE49-F238E27FC236}">
+                <a16:creationId xmlns:a16="http://schemas.microsoft.com/office/drawing/2014/main" id="{045F7C1A-6C0E-FBCA-376E-C801057BF85E}"/>
+              </a:ext>
+            </a:extLst>
+          </p:cNvPr>
+          <p:cNvSpPr>
+            <a:spLocks noGrp="1"/>
+          </p:cNvSpPr>
+          <p:nvPr>
+            <p:ph type="title"/>
+          </p:nvPr>
+        </p:nvSpPr>
+        <p:spPr/>
+        <p:txBody>
+          <a:bodyPr/>
+          <a:lstStyle/>
+          <a:p>
+            <a:r>
+              <a:rPr lang="en-US" dirty="0"/>
+              <a:t>Cervical Cancer – Slide </a:t>
+            </a:r>
+            <a:r>
+              <a:rPr lang="en-US" dirty="0" err="1"/>
+              <a:t>Addtion</a:t>
+            </a:r>
+            <a:endParaRPr lang="en-US" dirty="0"/>
+          </a:p>
+        </p:txBody>
+      </p:sp>
+      <p:sp>
+        <p:nvSpPr>
+          <p:cNvPr id="3" name="Content Placeholder 2">
+            <a:extLst>
+              <a:ext uri="{FF2B5EF4-FFF2-40B4-BE49-F238E27FC236}">
+                <a16:creationId xmlns:a16="http://schemas.microsoft.com/office/drawing/2014/main" id="{CCA88E25-16DA-FF95-B666-93B2A6E84818}"/>
+              </a:ext>
+            </a:extLst>
+          </p:cNvPr>
+          <p:cNvSpPr>
+            <a:spLocks noGrp="1"/>
+          </p:cNvSpPr>
+          <p:nvPr>
+            <p:ph idx="1"/>
+          </p:nvPr>
+        </p:nvSpPr>
+        <p:spPr/>
+        <p:txBody>
+          <a:bodyPr/>
+          <a:lstStyle/>
+          <a:p>
+            <a:endParaRPr lang="en-US"/>
+          </a:p>
+        </p:txBody>
+      </p:sp>
+    </p:spTree>
+    <p:extLst>
+      <p:ext uri="{BB962C8B-B14F-4D97-AF65-F5344CB8AC3E}">
+        <p14:creationId xmlns:p14="http://schemas.microsoft.com/office/powerpoint/2010/main" val="2528360104"/>
+      </p:ext>
+    </p:extLst>
+  </p:cSld>
+  <p:clrMapOvr>
+    <a:masterClrMapping/>
+  </p:clrMapOvr>
+</p:sld>
+</file>
+
+<file path=ppt/slides/slide5.xml><?xml version="1.0" encoding="utf-8"?>
+<p:sld xmlns:a="http://schemas.openxmlformats.org/drawingml/2006/main" xmlns:r="http://schemas.openxmlformats.org/officeDocument/2006/relationships" xmlns:p="http://schemas.openxmlformats.org/presentationml/2006/main">
+  <p:cSld>
+    <p:spTree>
+      <p:nvGrpSpPr>
+        <p:cNvPr id="1" name=""/>
+        <p:cNvGrpSpPr/>
+        <p:nvPr/>
+      </p:nvGrpSpPr>
+      <p:grpSpPr>
+        <a:xfrm>
+          <a:off x="0" y="0"/>
+          <a:ext cx="0" cy="0"/>
+          <a:chOff x="0" y="0"/>
+          <a:chExt cx="0" cy="0"/>
+        </a:xfrm>
+      </p:grpSpPr>
+      <p:sp>
+        <p:nvSpPr>
+          <p:cNvPr id="2" name="Title 1">
+            <a:extLst>
+              <a:ext uri="{FF2B5EF4-FFF2-40B4-BE49-F238E27FC236}">
+                <a16:creationId xmlns:a16="http://schemas.microsoft.com/office/drawing/2014/main" id="{D9400098-06FD-71BA-1BB3-B2BCE5F93DBC}"/>
+              </a:ext>
+            </a:extLst>
+          </p:cNvPr>
+          <p:cNvSpPr>
+            <a:spLocks noGrp="1"/>
+          </p:cNvSpPr>
+          <p:nvPr>
+            <p:ph type="title"/>
+          </p:nvPr>
+        </p:nvSpPr>
+        <p:spPr/>
+        <p:txBody>
+          <a:bodyPr/>
+          <a:lstStyle/>
+          <a:p>
+            <a:r>
+              <a:rPr lang="en-US" dirty="0"/>
+              <a:t>Why machine learning</a:t>
+            </a:r>
+          </a:p>
+        </p:txBody>
+      </p:sp>
+      <p:sp>
+        <p:nvSpPr>
+          <p:cNvPr id="3" name="Content Placeholder 2">
+            <a:extLst>
+              <a:ext uri="{FF2B5EF4-FFF2-40B4-BE49-F238E27FC236}">
+                <a16:creationId xmlns:a16="http://schemas.microsoft.com/office/drawing/2014/main" id="{6228C5BD-F3F8-2784-6C71-81867083F9D0}"/>
+              </a:ext>
+            </a:extLst>
+          </p:cNvPr>
+          <p:cNvSpPr>
+            <a:spLocks noGrp="1"/>
+          </p:cNvSpPr>
+          <p:nvPr>
+            <p:ph idx="1"/>
+          </p:nvPr>
+        </p:nvSpPr>
+        <p:spPr/>
+        <p:txBody>
+          <a:bodyPr/>
+          <a:lstStyle/>
+          <a:p>
+            <a:r>
+              <a:rPr lang="en-US" dirty="0"/>
+              <a:t>Quick deployment in the real world</a:t>
+            </a:r>
+          </a:p>
+          <a:p>
+            <a:r>
+              <a:rPr lang="en-US" dirty="0"/>
+              <a:t>Low barrier of entry for users</a:t>
+            </a:r>
+          </a:p>
+          <a:p>
+            <a:r>
+              <a:rPr lang="en-US" dirty="0"/>
+              <a:t>Lessen the burden of individuals and healthcare system </a:t>
+            </a:r>
+          </a:p>
+          <a:p>
+            <a:r>
+              <a:rPr lang="en-US" dirty="0"/>
+              <a:t>Improve cervical cancer prediction</a:t>
+            </a:r>
+          </a:p>
+          <a:p>
+            <a:pPr lvl="1"/>
+            <a:r>
+              <a:rPr lang="en-US" dirty="0"/>
+              <a:t>Allows for analysis of multiple resources</a:t>
+            </a:r>
+          </a:p>
+          <a:p>
+            <a:pPr lvl="1"/>
+            <a:r>
+              <a:rPr lang="en-US" dirty="0"/>
+              <a:t>Identify trends in data that is not apparent to human eyes</a:t>
+            </a:r>
+          </a:p>
+          <a:p>
+            <a:pPr lvl="1"/>
+            <a:endParaRPr lang="en-US" dirty="0"/>
+          </a:p>
+          <a:p>
+            <a:pPr lvl="1"/>
+            <a:endParaRPr lang="en-US" dirty="0"/>
+          </a:p>
+        </p:txBody>
+      </p:sp>
+    </p:spTree>
+    <p:extLst>
+      <p:ext uri="{BB962C8B-B14F-4D97-AF65-F5344CB8AC3E}">
+        <p14:creationId xmlns:p14="http://schemas.microsoft.com/office/powerpoint/2010/main" val="1720784307"/>
+      </p:ext>
+    </p:extLst>
+  </p:cSld>
+  <p:clrMapOvr>
+    <a:masterClrMapping/>
+  </p:clrMapOvr>
+</p:sld>
+</file>
+
+<file path=ppt/slides/slide6.xml><?xml version="1.0" encoding="utf-8"?>
+<p:sld xmlns:a="http://schemas.openxmlformats.org/drawingml/2006/main" xmlns:r="http://schemas.openxmlformats.org/officeDocument/2006/relationships" xmlns:p="http://schemas.openxmlformats.org/presentationml/2006/main">
+  <p:cSld>
+    <p:spTree>
+      <p:nvGrpSpPr>
+        <p:cNvPr id="1" name=""/>
+        <p:cNvGrpSpPr/>
+        <p:nvPr/>
+      </p:nvGrpSpPr>
+      <p:grpSpPr>
+        <a:xfrm>
+          <a:off x="0" y="0"/>
+          <a:ext cx="0" cy="0"/>
+          <a:chOff x="0" y="0"/>
+          <a:chExt cx="0" cy="0"/>
+        </a:xfrm>
+      </p:grpSpPr>
+      <p:sp>
+        <p:nvSpPr>
+          <p:cNvPr id="2" name="Title 1">
+            <a:extLst>
+              <a:ext uri="{FF2B5EF4-FFF2-40B4-BE49-F238E27FC236}">
                 <a16:creationId xmlns:a16="http://schemas.microsoft.com/office/drawing/2014/main" id="{699F9459-1267-822B-CD73-2C4B4B2B3746}"/>
               </a:ext>
             </a:extLst>
@@ -4812,7 +5581,90 @@
 </p:sld>
 </file>
 
-<file path=ppt/slides/slide5.xml><?xml version="1.0" encoding="utf-8"?>
+<file path=ppt/slides/slide7.xml><?xml version="1.0" encoding="utf-8"?>
+<p:sld xmlns:a="http://schemas.openxmlformats.org/drawingml/2006/main" xmlns:r="http://schemas.openxmlformats.org/officeDocument/2006/relationships" xmlns:p="http://schemas.openxmlformats.org/presentationml/2006/main">
+  <p:cSld>
+    <p:spTree>
+      <p:nvGrpSpPr>
+        <p:cNvPr id="1" name=""/>
+        <p:cNvGrpSpPr/>
+        <p:nvPr/>
+      </p:nvGrpSpPr>
+      <p:grpSpPr>
+        <a:xfrm>
+          <a:off x="0" y="0"/>
+          <a:ext cx="0" cy="0"/>
+          <a:chOff x="0" y="0"/>
+          <a:chExt cx="0" cy="0"/>
+        </a:xfrm>
+      </p:grpSpPr>
+      <p:sp>
+        <p:nvSpPr>
+          <p:cNvPr id="2" name="Title 1">
+            <a:extLst>
+              <a:ext uri="{FF2B5EF4-FFF2-40B4-BE49-F238E27FC236}">
+                <a16:creationId xmlns:a16="http://schemas.microsoft.com/office/drawing/2014/main" id="{D69A6712-3ED2-7C60-EFB7-00DF1E71EB5D}"/>
+              </a:ext>
+            </a:extLst>
+          </p:cNvPr>
+          <p:cNvSpPr>
+            <a:spLocks noGrp="1"/>
+          </p:cNvSpPr>
+          <p:nvPr>
+            <p:ph type="title"/>
+          </p:nvPr>
+        </p:nvSpPr>
+        <p:spPr/>
+        <p:txBody>
+          <a:bodyPr/>
+          <a:lstStyle/>
+          <a:p>
+            <a:r>
+              <a:rPr lang="en-US" dirty="0"/>
+              <a:t>Spark - Logo addition</a:t>
+            </a:r>
+          </a:p>
+        </p:txBody>
+      </p:sp>
+      <p:sp>
+        <p:nvSpPr>
+          <p:cNvPr id="3" name="Content Placeholder 2">
+            <a:extLst>
+              <a:ext uri="{FF2B5EF4-FFF2-40B4-BE49-F238E27FC236}">
+                <a16:creationId xmlns:a16="http://schemas.microsoft.com/office/drawing/2014/main" id="{46773400-6A10-092D-A147-2A1BB8C6A87A}"/>
+              </a:ext>
+            </a:extLst>
+          </p:cNvPr>
+          <p:cNvSpPr>
+            <a:spLocks noGrp="1"/>
+          </p:cNvSpPr>
+          <p:nvPr>
+            <p:ph idx="1"/>
+          </p:nvPr>
+        </p:nvSpPr>
+        <p:spPr/>
+        <p:txBody>
+          <a:bodyPr/>
+          <a:lstStyle/>
+          <a:p>
+            <a:endParaRPr lang="en-US"/>
+          </a:p>
+        </p:txBody>
+      </p:sp>
+    </p:spTree>
+    <p:extLst>
+      <p:ext uri="{BB962C8B-B14F-4D97-AF65-F5344CB8AC3E}">
+        <p14:creationId xmlns:p14="http://schemas.microsoft.com/office/powerpoint/2010/main" val="1941543575"/>
+      </p:ext>
+    </p:extLst>
+  </p:cSld>
+  <p:clrMapOvr>
+    <a:masterClrMapping/>
+  </p:clrMapOvr>
+</p:sld>
+</file>
+
+<file path=ppt/slides/slide8.xml><?xml version="1.0" encoding="utf-8"?>
 <p:sld xmlns:a="http://schemas.openxmlformats.org/drawingml/2006/main" xmlns:r="http://schemas.openxmlformats.org/officeDocument/2006/relationships" xmlns:p="http://schemas.openxmlformats.org/presentationml/2006/main">
   <p:cSld>
     <p:spTree>
@@ -4950,370 +5802,6 @@
 </p:sld>
 </file>
 
-<file path=ppt/slides/slide6.xml><?xml version="1.0" encoding="utf-8"?>
-<p:sld xmlns:a="http://schemas.openxmlformats.org/drawingml/2006/main" xmlns:r="http://schemas.openxmlformats.org/officeDocument/2006/relationships" xmlns:p="http://schemas.openxmlformats.org/presentationml/2006/main">
-  <p:cSld>
-    <p:spTree>
-      <p:nvGrpSpPr>
-        <p:cNvPr id="1" name=""/>
-        <p:cNvGrpSpPr/>
-        <p:nvPr/>
-      </p:nvGrpSpPr>
-      <p:grpSpPr>
-        <a:xfrm>
-          <a:off x="0" y="0"/>
-          <a:ext cx="0" cy="0"/>
-          <a:chOff x="0" y="0"/>
-          <a:chExt cx="0" cy="0"/>
-        </a:xfrm>
-      </p:grpSpPr>
-      <p:sp>
-        <p:nvSpPr>
-          <p:cNvPr id="2" name="Title 1">
-            <a:extLst>
-              <a:ext uri="{FF2B5EF4-FFF2-40B4-BE49-F238E27FC236}">
-                <a16:creationId xmlns:a16="http://schemas.microsoft.com/office/drawing/2014/main" id="{2528BF60-725A-BE17-4864-8FF6236313A4}"/>
-              </a:ext>
-            </a:extLst>
-          </p:cNvPr>
-          <p:cNvSpPr>
-            <a:spLocks noGrp="1"/>
-          </p:cNvSpPr>
-          <p:nvPr>
-            <p:ph type="title"/>
-          </p:nvPr>
-        </p:nvSpPr>
-        <p:spPr/>
-        <p:txBody>
-          <a:bodyPr/>
-          <a:lstStyle/>
-          <a:p>
-            <a:r>
-              <a:rPr lang="en-US" dirty="0"/>
-              <a:t>Machine learning models chosen</a:t>
-            </a:r>
-          </a:p>
-        </p:txBody>
-      </p:sp>
-      <p:sp>
-        <p:nvSpPr>
-          <p:cNvPr id="3" name="Content Placeholder 2">
-            <a:extLst>
-              <a:ext uri="{FF2B5EF4-FFF2-40B4-BE49-F238E27FC236}">
-                <a16:creationId xmlns:a16="http://schemas.microsoft.com/office/drawing/2014/main" id="{A7EF225D-6E39-C6D2-90E4-EA6FE3A1C050}"/>
-              </a:ext>
-            </a:extLst>
-          </p:cNvPr>
-          <p:cNvSpPr>
-            <a:spLocks noGrp="1"/>
-          </p:cNvSpPr>
-          <p:nvPr>
-            <p:ph idx="1"/>
-          </p:nvPr>
-        </p:nvSpPr>
-        <p:spPr/>
-        <p:txBody>
-          <a:bodyPr/>
-          <a:lstStyle/>
-          <a:p>
-            <a:r>
-              <a:rPr lang="en-US" dirty="0"/>
-              <a:t>Logistic Regression </a:t>
-            </a:r>
-          </a:p>
-          <a:p>
-            <a:r>
-              <a:rPr lang="en-US" dirty="0"/>
-              <a:t>Decision Tree Classifier</a:t>
-            </a:r>
-          </a:p>
-          <a:p>
-            <a:r>
-              <a:rPr lang="en-US" dirty="0"/>
-              <a:t>Random Forest Classifier</a:t>
-            </a:r>
-          </a:p>
-          <a:p>
-            <a:r>
-              <a:rPr lang="en-US" dirty="0"/>
-              <a:t>Gradient Boosted Classifier</a:t>
-            </a:r>
-          </a:p>
-          <a:p>
-            <a:r>
-              <a:rPr lang="en-US" dirty="0"/>
-              <a:t>Linear Support Vector Machine</a:t>
-            </a:r>
-          </a:p>
-          <a:p>
-            <a:r>
-              <a:rPr lang="en-US" dirty="0" err="1"/>
-              <a:t>Naives</a:t>
-            </a:r>
-            <a:r>
-              <a:rPr lang="en-US" dirty="0"/>
-              <a:t> Bayes</a:t>
-            </a:r>
-          </a:p>
-          <a:p>
-            <a:r>
-              <a:rPr lang="en-US" dirty="0"/>
-              <a:t> Factorization Machine Classifier</a:t>
-            </a:r>
-          </a:p>
-        </p:txBody>
-      </p:sp>
-    </p:spTree>
-    <p:extLst>
-      <p:ext uri="{BB962C8B-B14F-4D97-AF65-F5344CB8AC3E}">
-        <p14:creationId xmlns:p14="http://schemas.microsoft.com/office/powerpoint/2010/main" val="3064752663"/>
-      </p:ext>
-    </p:extLst>
-  </p:cSld>
-  <p:clrMapOvr>
-    <a:masterClrMapping/>
-  </p:clrMapOvr>
-</p:sld>
-</file>
-
-<file path=ppt/slides/slide7.xml><?xml version="1.0" encoding="utf-8"?>
-<p:sld xmlns:a="http://schemas.openxmlformats.org/drawingml/2006/main" xmlns:r="http://schemas.openxmlformats.org/officeDocument/2006/relationships" xmlns:p="http://schemas.openxmlformats.org/presentationml/2006/main">
-  <p:cSld>
-    <p:spTree>
-      <p:nvGrpSpPr>
-        <p:cNvPr id="1" name=""/>
-        <p:cNvGrpSpPr/>
-        <p:nvPr/>
-      </p:nvGrpSpPr>
-      <p:grpSpPr>
-        <a:xfrm>
-          <a:off x="0" y="0"/>
-          <a:ext cx="0" cy="0"/>
-          <a:chOff x="0" y="0"/>
-          <a:chExt cx="0" cy="0"/>
-        </a:xfrm>
-      </p:grpSpPr>
-      <p:sp>
-        <p:nvSpPr>
-          <p:cNvPr id="2" name="Title 1">
-            <a:extLst>
-              <a:ext uri="{FF2B5EF4-FFF2-40B4-BE49-F238E27FC236}">
-                <a16:creationId xmlns:a16="http://schemas.microsoft.com/office/drawing/2014/main" id="{0FE09437-8373-D911-4812-615B8930B6C8}"/>
-              </a:ext>
-            </a:extLst>
-          </p:cNvPr>
-          <p:cNvSpPr>
-            <a:spLocks noGrp="1"/>
-          </p:cNvSpPr>
-          <p:nvPr>
-            <p:ph type="title"/>
-          </p:nvPr>
-        </p:nvSpPr>
-        <p:spPr/>
-        <p:txBody>
-          <a:bodyPr/>
-          <a:lstStyle/>
-          <a:p>
-            <a:r>
-              <a:rPr lang="en-US" dirty="0"/>
-              <a:t>Logistic Regression</a:t>
-            </a:r>
-          </a:p>
-        </p:txBody>
-      </p:sp>
-      <p:sp>
-        <p:nvSpPr>
-          <p:cNvPr id="3" name="Content Placeholder 2">
-            <a:extLst>
-              <a:ext uri="{FF2B5EF4-FFF2-40B4-BE49-F238E27FC236}">
-                <a16:creationId xmlns:a16="http://schemas.microsoft.com/office/drawing/2014/main" id="{F2A9069E-7902-3DD4-961F-BE905E61B63E}"/>
-              </a:ext>
-            </a:extLst>
-          </p:cNvPr>
-          <p:cNvSpPr>
-            <a:spLocks noGrp="1"/>
-          </p:cNvSpPr>
-          <p:nvPr>
-            <p:ph idx="1"/>
-          </p:nvPr>
-        </p:nvSpPr>
-        <p:spPr/>
-        <p:txBody>
-          <a:bodyPr/>
-          <a:lstStyle/>
-          <a:p>
-            <a:r>
-              <a:rPr lang="en-US" dirty="0"/>
-              <a:t>Using the logistic function to predict the fitment curve</a:t>
-            </a:r>
-          </a:p>
-        </p:txBody>
-      </p:sp>
-      <p:pic>
-        <p:nvPicPr>
-          <p:cNvPr id="7" name="Picture 6" descr="Diagram&#10;&#10;Description automatically generated">
-            <a:extLst>
-              <a:ext uri="{FF2B5EF4-FFF2-40B4-BE49-F238E27FC236}">
-                <a16:creationId xmlns:a16="http://schemas.microsoft.com/office/drawing/2014/main" id="{B0A7F9D1-5789-6F16-53A6-EBBDDBA2F7F4}"/>
-              </a:ext>
-            </a:extLst>
-          </p:cNvPr>
-          <p:cNvPicPr>
-            <a:picLocks noChangeAspect="1"/>
-          </p:cNvPicPr>
-          <p:nvPr/>
-        </p:nvPicPr>
-        <p:blipFill>
-          <a:blip r:embed="rId2"/>
-          <a:stretch>
-            <a:fillRect/>
-          </a:stretch>
-        </p:blipFill>
-        <p:spPr>
-          <a:xfrm>
-            <a:off x="2816352" y="2429211"/>
-            <a:ext cx="4660646" cy="4063664"/>
-          </a:xfrm>
-          <a:prstGeom prst="rect">
-            <a:avLst/>
-          </a:prstGeom>
-        </p:spPr>
-      </p:pic>
-    </p:spTree>
-    <p:extLst>
-      <p:ext uri="{BB962C8B-B14F-4D97-AF65-F5344CB8AC3E}">
-        <p14:creationId xmlns:p14="http://schemas.microsoft.com/office/powerpoint/2010/main" val="195365611"/>
-      </p:ext>
-    </p:extLst>
-  </p:cSld>
-  <p:clrMapOvr>
-    <a:masterClrMapping/>
-  </p:clrMapOvr>
-</p:sld>
-</file>
-
-<file path=ppt/slides/slide8.xml><?xml version="1.0" encoding="utf-8"?>
-<p:sld xmlns:a="http://schemas.openxmlformats.org/drawingml/2006/main" xmlns:r="http://schemas.openxmlformats.org/officeDocument/2006/relationships" xmlns:p="http://schemas.openxmlformats.org/presentationml/2006/main">
-  <p:cSld>
-    <p:spTree>
-      <p:nvGrpSpPr>
-        <p:cNvPr id="1" name=""/>
-        <p:cNvGrpSpPr/>
-        <p:nvPr/>
-      </p:nvGrpSpPr>
-      <p:grpSpPr>
-        <a:xfrm>
-          <a:off x="0" y="0"/>
-          <a:ext cx="0" cy="0"/>
-          <a:chOff x="0" y="0"/>
-          <a:chExt cx="0" cy="0"/>
-        </a:xfrm>
-      </p:grpSpPr>
-      <p:sp>
-        <p:nvSpPr>
-          <p:cNvPr id="2" name="Title 1">
-            <a:extLst>
-              <a:ext uri="{FF2B5EF4-FFF2-40B4-BE49-F238E27FC236}">
-                <a16:creationId xmlns:a16="http://schemas.microsoft.com/office/drawing/2014/main" id="{0F9BB0EF-F1B6-0D72-89A9-0DA0A8037310}"/>
-              </a:ext>
-            </a:extLst>
-          </p:cNvPr>
-          <p:cNvSpPr>
-            <a:spLocks noGrp="1"/>
-          </p:cNvSpPr>
-          <p:nvPr>
-            <p:ph type="title"/>
-          </p:nvPr>
-        </p:nvSpPr>
-        <p:spPr/>
-        <p:txBody>
-          <a:bodyPr/>
-          <a:lstStyle/>
-          <a:p>
-            <a:r>
-              <a:rPr lang="en-US" dirty="0"/>
-              <a:t>Decision tree</a:t>
-            </a:r>
-          </a:p>
-        </p:txBody>
-      </p:sp>
-      <p:sp>
-        <p:nvSpPr>
-          <p:cNvPr id="3" name="Content Placeholder 2">
-            <a:extLst>
-              <a:ext uri="{FF2B5EF4-FFF2-40B4-BE49-F238E27FC236}">
-                <a16:creationId xmlns:a16="http://schemas.microsoft.com/office/drawing/2014/main" id="{98EC179B-5977-E4A5-DF63-E08954CA23FD}"/>
-              </a:ext>
-            </a:extLst>
-          </p:cNvPr>
-          <p:cNvSpPr>
-            <a:spLocks noGrp="1"/>
-          </p:cNvSpPr>
-          <p:nvPr>
-            <p:ph idx="1"/>
-          </p:nvPr>
-        </p:nvSpPr>
-        <p:spPr/>
-        <p:txBody>
-          <a:bodyPr/>
-          <a:lstStyle/>
-          <a:p>
-            <a:r>
-              <a:rPr lang="en-US" dirty="0"/>
-              <a:t>Use tree model to make decision</a:t>
-            </a:r>
-          </a:p>
-          <a:p>
-            <a:r>
-              <a:rPr lang="en-US" dirty="0"/>
-              <a:t>Split data to different subsets where each branch of the tree is a different rule set</a:t>
-            </a:r>
-          </a:p>
-        </p:txBody>
-      </p:sp>
-      <p:pic>
-        <p:nvPicPr>
-          <p:cNvPr id="5" name="Picture 4" descr="Diagram&#10;&#10;Description automatically generated">
-            <a:extLst>
-              <a:ext uri="{FF2B5EF4-FFF2-40B4-BE49-F238E27FC236}">
-                <a16:creationId xmlns:a16="http://schemas.microsoft.com/office/drawing/2014/main" id="{A72BA5DA-51EE-DF7B-12F3-45ABC631FD1A}"/>
-              </a:ext>
-            </a:extLst>
-          </p:cNvPr>
-          <p:cNvPicPr>
-            <a:picLocks noChangeAspect="1"/>
-          </p:cNvPicPr>
-          <p:nvPr/>
-        </p:nvPicPr>
-        <p:blipFill>
-          <a:blip r:embed="rId2"/>
-          <a:stretch>
-            <a:fillRect/>
-          </a:stretch>
-        </p:blipFill>
-        <p:spPr>
-          <a:xfrm>
-            <a:off x="3929042" y="3118104"/>
-            <a:ext cx="4333916" cy="3374771"/>
-          </a:xfrm>
-          <a:prstGeom prst="rect">
-            <a:avLst/>
-          </a:prstGeom>
-        </p:spPr>
-      </p:pic>
-    </p:spTree>
-    <p:extLst>
-      <p:ext uri="{BB962C8B-B14F-4D97-AF65-F5344CB8AC3E}">
-        <p14:creationId xmlns:p14="http://schemas.microsoft.com/office/powerpoint/2010/main" val="767166231"/>
-      </p:ext>
-    </p:extLst>
-  </p:cSld>
-  <p:clrMapOvr>
-    <a:masterClrMapping/>
-  </p:clrMapOvr>
-</p:sld>
-</file>
-
 <file path=ppt/slides/slide9.xml><?xml version="1.0" encoding="utf-8"?>
 <p:sld xmlns:a="http://schemas.openxmlformats.org/drawingml/2006/main" xmlns:r="http://schemas.openxmlformats.org/officeDocument/2006/relationships" xmlns:p="http://schemas.openxmlformats.org/presentationml/2006/main">
   <p:cSld>
@@ -5336,7 +5824,7 @@
           <p:cNvPr id="2" name="Title 1">
             <a:extLst>
               <a:ext uri="{FF2B5EF4-FFF2-40B4-BE49-F238E27FC236}">
-                <a16:creationId xmlns:a16="http://schemas.microsoft.com/office/drawing/2014/main" id="{40631B9F-448A-37E8-F97B-D8BBA58C5CE5}"/>
+                <a16:creationId xmlns:a16="http://schemas.microsoft.com/office/drawing/2014/main" id="{2528BF60-725A-BE17-4864-8FF6236313A4}"/>
               </a:ext>
             </a:extLst>
           </p:cNvPr>
@@ -5354,7 +5842,7 @@
           <a:p>
             <a:r>
               <a:rPr lang="en-US" dirty="0"/>
-              <a:t>Random Forest	</a:t>
+              <a:t>Machine learning models chosen</a:t>
             </a:r>
           </a:p>
         </p:txBody>
@@ -5364,7 +5852,7 @@
           <p:cNvPr id="3" name="Content Placeholder 2">
             <a:extLst>
               <a:ext uri="{FF2B5EF4-FFF2-40B4-BE49-F238E27FC236}">
-                <a16:creationId xmlns:a16="http://schemas.microsoft.com/office/drawing/2014/main" id="{0509869D-F4A9-7E54-E233-6D5104EAFBEB}"/>
+                <a16:creationId xmlns:a16="http://schemas.microsoft.com/office/drawing/2014/main" id="{A7EF225D-6E39-C6D2-90E4-EA6FE3A1C050}"/>
               </a:ext>
             </a:extLst>
           </p:cNvPr>
@@ -5382,19 +5870,47 @@
           <a:p>
             <a:r>
               <a:rPr lang="en-US" dirty="0"/>
-              <a:t>Use multiple decision tree to improve the accuracy</a:t>
-            </a:r>
-          </a:p>
-          <a:p>
-            <a:r>
-              <a:rPr lang="en-US" dirty="0"/>
-              <a:t>Randomly select subset of data to train each decision tree.</a:t>
-            </a:r>
-          </a:p>
-          <a:p>
-            <a:r>
-              <a:rPr lang="en-US" dirty="0"/>
-              <a:t>Combine each tree prediction to make final decision</a:t>
+              <a:t>Logistic Regression </a:t>
+            </a:r>
+          </a:p>
+          <a:p>
+            <a:r>
+              <a:rPr lang="en-US" dirty="0"/>
+              <a:t>Decision Tree Classifier</a:t>
+            </a:r>
+          </a:p>
+          <a:p>
+            <a:r>
+              <a:rPr lang="en-US" dirty="0"/>
+              <a:t>Random Forest Classifier</a:t>
+            </a:r>
+          </a:p>
+          <a:p>
+            <a:r>
+              <a:rPr lang="en-US" dirty="0"/>
+              <a:t>Gradient Boosted Classifier</a:t>
+            </a:r>
+          </a:p>
+          <a:p>
+            <a:r>
+              <a:rPr lang="en-US" dirty="0"/>
+              <a:t>Linear Support Vector Machine</a:t>
+            </a:r>
+          </a:p>
+          <a:p>
+            <a:r>
+              <a:rPr lang="en-US" dirty="0" err="1"/>
+              <a:t>Naives</a:t>
+            </a:r>
+            <a:r>
+              <a:rPr lang="en-US" dirty="0"/>
+              <a:t> Bayes</a:t>
+            </a:r>
+          </a:p>
+          <a:p>
+            <a:r>
+              <a:rPr lang="en-US" dirty="0"/>
+              <a:t>Factorization Machine Classifier</a:t>
             </a:r>
           </a:p>
         </p:txBody>
@@ -5402,7 +5918,7 @@
     </p:spTree>
     <p:extLst>
       <p:ext uri="{BB962C8B-B14F-4D97-AF65-F5344CB8AC3E}">
-        <p14:creationId xmlns:p14="http://schemas.microsoft.com/office/powerpoint/2010/main" val="3397351659"/>
+        <p14:creationId xmlns:p14="http://schemas.microsoft.com/office/powerpoint/2010/main" val="3064752663"/>
       </p:ext>
     </p:extLst>
   </p:cSld>

--- a/Presentation.pptx
+++ b/Presentation.pptx
@@ -10,20 +10,22 @@
     <p:sldId id="271" r:id="rId4"/>
     <p:sldId id="272" r:id="rId5"/>
     <p:sldId id="259" r:id="rId6"/>
-    <p:sldId id="260" r:id="rId7"/>
-    <p:sldId id="273" r:id="rId8"/>
-    <p:sldId id="261" r:id="rId9"/>
-    <p:sldId id="262" r:id="rId10"/>
-    <p:sldId id="263" r:id="rId11"/>
-    <p:sldId id="264" r:id="rId12"/>
-    <p:sldId id="265" r:id="rId13"/>
-    <p:sldId id="266" r:id="rId14"/>
-    <p:sldId id="267" r:id="rId15"/>
-    <p:sldId id="268" r:id="rId16"/>
-    <p:sldId id="269" r:id="rId17"/>
-    <p:sldId id="270" r:id="rId18"/>
-    <p:sldId id="274" r:id="rId19"/>
-    <p:sldId id="275" r:id="rId20"/>
+    <p:sldId id="276" r:id="rId7"/>
+    <p:sldId id="260" r:id="rId8"/>
+    <p:sldId id="277" r:id="rId9"/>
+    <p:sldId id="278" r:id="rId10"/>
+    <p:sldId id="261" r:id="rId11"/>
+    <p:sldId id="262" r:id="rId12"/>
+    <p:sldId id="263" r:id="rId13"/>
+    <p:sldId id="264" r:id="rId14"/>
+    <p:sldId id="265" r:id="rId15"/>
+    <p:sldId id="266" r:id="rId16"/>
+    <p:sldId id="267" r:id="rId17"/>
+    <p:sldId id="268" r:id="rId18"/>
+    <p:sldId id="269" r:id="rId19"/>
+    <p:sldId id="270" r:id="rId20"/>
+    <p:sldId id="274" r:id="rId21"/>
+    <p:sldId id="275" r:id="rId22"/>
   </p:sldIdLst>
   <p:sldSz cx="12192000" cy="6858000"/>
   <p:notesSz cx="6858000" cy="9144000"/>
@@ -269,7 +271,7 @@
           <a:p>
             <a:fld id="{81B8F32D-D8B6-4B9E-9CBF-DCAC30B7B93D}" type="datetimeFigureOut">
               <a:rPr lang="en-US" smtClean="0"/>
-              <a:t>5/22/23</a:t>
+              <a:t>5/31/2023</a:t>
             </a:fld>
             <a:endParaRPr lang="en-US"/>
           </a:p>
@@ -480,7 +482,7 @@
           <a:p>
             <a:fld id="{81B8F32D-D8B6-4B9E-9CBF-DCAC30B7B93D}" type="datetimeFigureOut">
               <a:rPr lang="en-US" smtClean="0"/>
-              <a:t>5/22/23</a:t>
+              <a:t>5/31/2023</a:t>
             </a:fld>
             <a:endParaRPr lang="en-US"/>
           </a:p>
@@ -695,7 +697,7 @@
           <a:p>
             <a:fld id="{81B8F32D-D8B6-4B9E-9CBF-DCAC30B7B93D}" type="datetimeFigureOut">
               <a:rPr lang="en-US" smtClean="0"/>
-              <a:t>5/22/23</a:t>
+              <a:t>5/31/2023</a:t>
             </a:fld>
             <a:endParaRPr lang="en-US"/>
           </a:p>
@@ -896,7 +898,7 @@
           <a:p>
             <a:fld id="{81B8F32D-D8B6-4B9E-9CBF-DCAC30B7B93D}" type="datetimeFigureOut">
               <a:rPr lang="en-US" smtClean="0"/>
-              <a:t>5/22/23</a:t>
+              <a:t>5/31/2023</a:t>
             </a:fld>
             <a:endParaRPr lang="en-US"/>
           </a:p>
@@ -1175,7 +1177,7 @@
           <a:p>
             <a:fld id="{81B8F32D-D8B6-4B9E-9CBF-DCAC30B7B93D}" type="datetimeFigureOut">
               <a:rPr lang="en-US" smtClean="0"/>
-              <a:t>5/22/23</a:t>
+              <a:t>5/31/2023</a:t>
             </a:fld>
             <a:endParaRPr lang="en-US"/>
           </a:p>
@@ -1443,7 +1445,7 @@
           <a:p>
             <a:fld id="{81B8F32D-D8B6-4B9E-9CBF-DCAC30B7B93D}" type="datetimeFigureOut">
               <a:rPr lang="en-US" smtClean="0"/>
-              <a:t>5/22/23</a:t>
+              <a:t>5/31/2023</a:t>
             </a:fld>
             <a:endParaRPr lang="en-US"/>
           </a:p>
@@ -1859,7 +1861,7 @@
           <a:p>
             <a:fld id="{81B8F32D-D8B6-4B9E-9CBF-DCAC30B7B93D}" type="datetimeFigureOut">
               <a:rPr lang="en-US" smtClean="0"/>
-              <a:t>5/22/23</a:t>
+              <a:t>5/31/2023</a:t>
             </a:fld>
             <a:endParaRPr lang="en-US"/>
           </a:p>
@@ -2008,7 +2010,7 @@
           <a:p>
             <a:fld id="{81B8F32D-D8B6-4B9E-9CBF-DCAC30B7B93D}" type="datetimeFigureOut">
               <a:rPr lang="en-US" smtClean="0"/>
-              <a:t>5/22/23</a:t>
+              <a:t>5/31/2023</a:t>
             </a:fld>
             <a:endParaRPr lang="en-US"/>
           </a:p>
@@ -2134,7 +2136,7 @@
           <a:p>
             <a:fld id="{81B8F32D-D8B6-4B9E-9CBF-DCAC30B7B93D}" type="datetimeFigureOut">
               <a:rPr lang="en-US" smtClean="0"/>
-              <a:t>5/22/23</a:t>
+              <a:t>5/31/2023</a:t>
             </a:fld>
             <a:endParaRPr lang="en-US"/>
           </a:p>
@@ -2385,7 +2387,7 @@
           <a:p>
             <a:fld id="{81B8F32D-D8B6-4B9E-9CBF-DCAC30B7B93D}" type="datetimeFigureOut">
               <a:rPr lang="en-US" smtClean="0"/>
-              <a:t>5/22/23</a:t>
+              <a:t>5/31/2023</a:t>
             </a:fld>
             <a:endParaRPr lang="en-US"/>
           </a:p>
@@ -2830,7 +2832,7 @@
           <a:p>
             <a:fld id="{81B8F32D-D8B6-4B9E-9CBF-DCAC30B7B93D}" type="datetimeFigureOut">
               <a:rPr lang="en-US" smtClean="0"/>
-              <a:t>5/22/23</a:t>
+              <a:t>5/31/2023</a:t>
             </a:fld>
             <a:endParaRPr lang="en-US"/>
           </a:p>
@@ -3158,7 +3160,7 @@
             <a:fld id="{81B8F32D-D8B6-4B9E-9CBF-DCAC30B7B93D}" type="datetimeFigureOut">
               <a:rPr lang="en-US" smtClean="0"/>
               <a:pPr/>
-              <a:t>5/22/23</a:t>
+              <a:t>5/31/2023</a:t>
             </a:fld>
             <a:endParaRPr lang="en-US" dirty="0"/>
           </a:p>
@@ -3773,6 +3775,270 @@
           <p:cNvPr id="2" name="Title 1">
             <a:extLst>
               <a:ext uri="{FF2B5EF4-FFF2-40B4-BE49-F238E27FC236}">
+                <a16:creationId xmlns:a16="http://schemas.microsoft.com/office/drawing/2014/main" id="{17CB2D62-82EA-3B8E-30FF-85AF5991998D}"/>
+              </a:ext>
+            </a:extLst>
+          </p:cNvPr>
+          <p:cNvSpPr>
+            <a:spLocks noGrp="1"/>
+          </p:cNvSpPr>
+          <p:nvPr>
+            <p:ph type="title"/>
+          </p:nvPr>
+        </p:nvSpPr>
+        <p:spPr/>
+        <p:txBody>
+          <a:bodyPr/>
+          <a:lstStyle/>
+          <a:p>
+            <a:r>
+              <a:rPr lang="en-US" dirty="0"/>
+              <a:t>Why Spark and </a:t>
+            </a:r>
+            <a:r>
+              <a:rPr lang="en-US" dirty="0" err="1"/>
+              <a:t>SparkML</a:t>
+            </a:r>
+            <a:endParaRPr lang="en-US" dirty="0"/>
+          </a:p>
+        </p:txBody>
+      </p:sp>
+      <p:sp>
+        <p:nvSpPr>
+          <p:cNvPr id="3" name="Content Placeholder 2">
+            <a:extLst>
+              <a:ext uri="{FF2B5EF4-FFF2-40B4-BE49-F238E27FC236}">
+                <a16:creationId xmlns:a16="http://schemas.microsoft.com/office/drawing/2014/main" id="{C06DFFED-748B-E3F7-12C8-054BEB602AF9}"/>
+              </a:ext>
+            </a:extLst>
+          </p:cNvPr>
+          <p:cNvSpPr>
+            <a:spLocks noGrp="1"/>
+          </p:cNvSpPr>
+          <p:nvPr>
+            <p:ph idx="1"/>
+          </p:nvPr>
+        </p:nvSpPr>
+        <p:spPr/>
+        <p:txBody>
+          <a:bodyPr/>
+          <a:lstStyle/>
+          <a:p>
+            <a:r>
+              <a:rPr lang="en-US" dirty="0"/>
+              <a:t>Spark and Spark ML perform better for bigger dataset compared to traditional model library such as </a:t>
+            </a:r>
+            <a:r>
+              <a:rPr lang="en-US" dirty="0" err="1"/>
+              <a:t>SkLearn</a:t>
+            </a:r>
+            <a:endParaRPr lang="en-US" dirty="0"/>
+          </a:p>
+          <a:p>
+            <a:r>
+              <a:rPr lang="en-US" dirty="0"/>
+              <a:t>Good integration with Google Cloud</a:t>
+            </a:r>
+          </a:p>
+          <a:p>
+            <a:r>
+              <a:rPr lang="en-US" dirty="0"/>
+              <a:t>Easy scalability: modifying the numbers of workers is 1 line of code</a:t>
+            </a:r>
+          </a:p>
+        </p:txBody>
+      </p:sp>
+      <p:pic>
+        <p:nvPicPr>
+          <p:cNvPr id="4" name="Picture 3">
+            <a:extLst>
+              <a:ext uri="{FF2B5EF4-FFF2-40B4-BE49-F238E27FC236}">
+                <a16:creationId xmlns:a16="http://schemas.microsoft.com/office/drawing/2014/main" id="{771CD00C-EDCD-7E46-0B18-FAFCD67B648F}"/>
+              </a:ext>
+            </a:extLst>
+          </p:cNvPr>
+          <p:cNvPicPr>
+            <a:picLocks noChangeAspect="1"/>
+          </p:cNvPicPr>
+          <p:nvPr/>
+        </p:nvPicPr>
+        <p:blipFill>
+          <a:blip r:embed="rId2"/>
+          <a:stretch>
+            <a:fillRect/>
+          </a:stretch>
+        </p:blipFill>
+        <p:spPr>
+          <a:xfrm>
+            <a:off x="1832102" y="3805682"/>
+            <a:ext cx="5930900" cy="673100"/>
+          </a:xfrm>
+          <a:prstGeom prst="rect">
+            <a:avLst/>
+          </a:prstGeom>
+        </p:spPr>
+      </p:pic>
+    </p:spTree>
+    <p:extLst>
+      <p:ext uri="{BB962C8B-B14F-4D97-AF65-F5344CB8AC3E}">
+        <p14:creationId xmlns:p14="http://schemas.microsoft.com/office/powerpoint/2010/main" val="2785348309"/>
+      </p:ext>
+    </p:extLst>
+  </p:cSld>
+  <p:clrMapOvr>
+    <a:masterClrMapping/>
+  </p:clrMapOvr>
+</p:sld>
+</file>
+
+<file path=ppt/slides/slide11.xml><?xml version="1.0" encoding="utf-8"?>
+<p:sld xmlns:a="http://schemas.openxmlformats.org/drawingml/2006/main" xmlns:r="http://schemas.openxmlformats.org/officeDocument/2006/relationships" xmlns:p="http://schemas.openxmlformats.org/presentationml/2006/main">
+  <p:cSld>
+    <p:spTree>
+      <p:nvGrpSpPr>
+        <p:cNvPr id="1" name=""/>
+        <p:cNvGrpSpPr/>
+        <p:nvPr/>
+      </p:nvGrpSpPr>
+      <p:grpSpPr>
+        <a:xfrm>
+          <a:off x="0" y="0"/>
+          <a:ext cx="0" cy="0"/>
+          <a:chOff x="0" y="0"/>
+          <a:chExt cx="0" cy="0"/>
+        </a:xfrm>
+      </p:grpSpPr>
+      <p:sp>
+        <p:nvSpPr>
+          <p:cNvPr id="2" name="Title 1">
+            <a:extLst>
+              <a:ext uri="{FF2B5EF4-FFF2-40B4-BE49-F238E27FC236}">
+                <a16:creationId xmlns:a16="http://schemas.microsoft.com/office/drawing/2014/main" id="{2528BF60-725A-BE17-4864-8FF6236313A4}"/>
+              </a:ext>
+            </a:extLst>
+          </p:cNvPr>
+          <p:cNvSpPr>
+            <a:spLocks noGrp="1"/>
+          </p:cNvSpPr>
+          <p:nvPr>
+            <p:ph type="title"/>
+          </p:nvPr>
+        </p:nvSpPr>
+        <p:spPr/>
+        <p:txBody>
+          <a:bodyPr/>
+          <a:lstStyle/>
+          <a:p>
+            <a:r>
+              <a:rPr lang="en-US" dirty="0"/>
+              <a:t>Machine learning models chosen</a:t>
+            </a:r>
+          </a:p>
+        </p:txBody>
+      </p:sp>
+      <p:sp>
+        <p:nvSpPr>
+          <p:cNvPr id="3" name="Content Placeholder 2">
+            <a:extLst>
+              <a:ext uri="{FF2B5EF4-FFF2-40B4-BE49-F238E27FC236}">
+                <a16:creationId xmlns:a16="http://schemas.microsoft.com/office/drawing/2014/main" id="{A7EF225D-6E39-C6D2-90E4-EA6FE3A1C050}"/>
+              </a:ext>
+            </a:extLst>
+          </p:cNvPr>
+          <p:cNvSpPr>
+            <a:spLocks noGrp="1"/>
+          </p:cNvSpPr>
+          <p:nvPr>
+            <p:ph idx="1"/>
+          </p:nvPr>
+        </p:nvSpPr>
+        <p:spPr/>
+        <p:txBody>
+          <a:bodyPr/>
+          <a:lstStyle/>
+          <a:p>
+            <a:r>
+              <a:rPr lang="en-US" dirty="0"/>
+              <a:t>Logistic Regression </a:t>
+            </a:r>
+          </a:p>
+          <a:p>
+            <a:r>
+              <a:rPr lang="en-US" dirty="0"/>
+              <a:t>Decision Tree Classifier</a:t>
+            </a:r>
+          </a:p>
+          <a:p>
+            <a:r>
+              <a:rPr lang="en-US" dirty="0"/>
+              <a:t>Random Forest Classifier</a:t>
+            </a:r>
+          </a:p>
+          <a:p>
+            <a:r>
+              <a:rPr lang="en-US" dirty="0"/>
+              <a:t>Gradient Boosted Classifier</a:t>
+            </a:r>
+          </a:p>
+          <a:p>
+            <a:r>
+              <a:rPr lang="en-US" dirty="0"/>
+              <a:t>Linear Support Vector Machine</a:t>
+            </a:r>
+          </a:p>
+          <a:p>
+            <a:r>
+              <a:rPr lang="en-US" dirty="0" err="1"/>
+              <a:t>Naives</a:t>
+            </a:r>
+            <a:r>
+              <a:rPr lang="en-US" dirty="0"/>
+              <a:t> Bayes</a:t>
+            </a:r>
+          </a:p>
+          <a:p>
+            <a:r>
+              <a:rPr lang="en-US" dirty="0"/>
+              <a:t>Factorization Machine Classifier</a:t>
+            </a:r>
+          </a:p>
+        </p:txBody>
+      </p:sp>
+    </p:spTree>
+    <p:extLst>
+      <p:ext uri="{BB962C8B-B14F-4D97-AF65-F5344CB8AC3E}">
+        <p14:creationId xmlns:p14="http://schemas.microsoft.com/office/powerpoint/2010/main" val="3064752663"/>
+      </p:ext>
+    </p:extLst>
+  </p:cSld>
+  <p:clrMapOvr>
+    <a:masterClrMapping/>
+  </p:clrMapOvr>
+</p:sld>
+</file>
+
+<file path=ppt/slides/slide12.xml><?xml version="1.0" encoding="utf-8"?>
+<p:sld xmlns:a="http://schemas.openxmlformats.org/drawingml/2006/main" xmlns:r="http://schemas.openxmlformats.org/officeDocument/2006/relationships" xmlns:p="http://schemas.openxmlformats.org/presentationml/2006/main">
+  <p:cSld>
+    <p:spTree>
+      <p:nvGrpSpPr>
+        <p:cNvPr id="1" name=""/>
+        <p:cNvGrpSpPr/>
+        <p:nvPr/>
+      </p:nvGrpSpPr>
+      <p:grpSpPr>
+        <a:xfrm>
+          <a:off x="0" y="0"/>
+          <a:ext cx="0" cy="0"/>
+          <a:chOff x="0" y="0"/>
+          <a:chExt cx="0" cy="0"/>
+        </a:xfrm>
+      </p:grpSpPr>
+      <p:sp>
+        <p:nvSpPr>
+          <p:cNvPr id="2" name="Title 1">
+            <a:extLst>
+              <a:ext uri="{FF2B5EF4-FFF2-40B4-BE49-F238E27FC236}">
                 <a16:creationId xmlns:a16="http://schemas.microsoft.com/office/drawing/2014/main" id="{0FE09437-8373-D911-4812-615B8930B6C8}"/>
               </a:ext>
             </a:extLst>
@@ -3867,7 +4133,7 @@
 </p:sld>
 </file>
 
-<file path=ppt/slides/slide11.xml><?xml version="1.0" encoding="utf-8"?>
+<file path=ppt/slides/slide13.xml><?xml version="1.0" encoding="utf-8"?>
 <p:sld xmlns:a="http://schemas.openxmlformats.org/drawingml/2006/main" xmlns:r="http://schemas.openxmlformats.org/officeDocument/2006/relationships" xmlns:p="http://schemas.openxmlformats.org/presentationml/2006/main">
   <p:cSld>
     <p:spTree>
@@ -3989,196 +4255,6 @@
 </p:sld>
 </file>
 
-<file path=ppt/slides/slide12.xml><?xml version="1.0" encoding="utf-8"?>
-<p:sld xmlns:a="http://schemas.openxmlformats.org/drawingml/2006/main" xmlns:r="http://schemas.openxmlformats.org/officeDocument/2006/relationships" xmlns:p="http://schemas.openxmlformats.org/presentationml/2006/main">
-  <p:cSld>
-    <p:spTree>
-      <p:nvGrpSpPr>
-        <p:cNvPr id="1" name=""/>
-        <p:cNvGrpSpPr/>
-        <p:nvPr/>
-      </p:nvGrpSpPr>
-      <p:grpSpPr>
-        <a:xfrm>
-          <a:off x="0" y="0"/>
-          <a:ext cx="0" cy="0"/>
-          <a:chOff x="0" y="0"/>
-          <a:chExt cx="0" cy="0"/>
-        </a:xfrm>
-      </p:grpSpPr>
-      <p:sp>
-        <p:nvSpPr>
-          <p:cNvPr id="2" name="Title 1">
-            <a:extLst>
-              <a:ext uri="{FF2B5EF4-FFF2-40B4-BE49-F238E27FC236}">
-                <a16:creationId xmlns:a16="http://schemas.microsoft.com/office/drawing/2014/main" id="{40631B9F-448A-37E8-F97B-D8BBA58C5CE5}"/>
-              </a:ext>
-            </a:extLst>
-          </p:cNvPr>
-          <p:cNvSpPr>
-            <a:spLocks noGrp="1"/>
-          </p:cNvSpPr>
-          <p:nvPr>
-            <p:ph type="title"/>
-          </p:nvPr>
-        </p:nvSpPr>
-        <p:spPr/>
-        <p:txBody>
-          <a:bodyPr/>
-          <a:lstStyle/>
-          <a:p>
-            <a:r>
-              <a:rPr lang="en-US" dirty="0"/>
-              <a:t>Random Forest	</a:t>
-            </a:r>
-          </a:p>
-        </p:txBody>
-      </p:sp>
-      <p:sp>
-        <p:nvSpPr>
-          <p:cNvPr id="3" name="Content Placeholder 2">
-            <a:extLst>
-              <a:ext uri="{FF2B5EF4-FFF2-40B4-BE49-F238E27FC236}">
-                <a16:creationId xmlns:a16="http://schemas.microsoft.com/office/drawing/2014/main" id="{0509869D-F4A9-7E54-E233-6D5104EAFBEB}"/>
-              </a:ext>
-            </a:extLst>
-          </p:cNvPr>
-          <p:cNvSpPr>
-            <a:spLocks noGrp="1"/>
-          </p:cNvSpPr>
-          <p:nvPr>
-            <p:ph idx="1"/>
-          </p:nvPr>
-        </p:nvSpPr>
-        <p:spPr/>
-        <p:txBody>
-          <a:bodyPr/>
-          <a:lstStyle/>
-          <a:p>
-            <a:r>
-              <a:rPr lang="en-US" dirty="0"/>
-              <a:t>Use multiple decision tree to improve the accuracy</a:t>
-            </a:r>
-          </a:p>
-          <a:p>
-            <a:r>
-              <a:rPr lang="en-US" dirty="0"/>
-              <a:t>Randomly select subset of data to train each decision tree.</a:t>
-            </a:r>
-          </a:p>
-          <a:p>
-            <a:r>
-              <a:rPr lang="en-US" dirty="0"/>
-              <a:t>Combine each tree prediction to make final decision</a:t>
-            </a:r>
-          </a:p>
-        </p:txBody>
-      </p:sp>
-    </p:spTree>
-    <p:extLst>
-      <p:ext uri="{BB962C8B-B14F-4D97-AF65-F5344CB8AC3E}">
-        <p14:creationId xmlns:p14="http://schemas.microsoft.com/office/powerpoint/2010/main" val="3397351659"/>
-      </p:ext>
-    </p:extLst>
-  </p:cSld>
-  <p:clrMapOvr>
-    <a:masterClrMapping/>
-  </p:clrMapOvr>
-</p:sld>
-</file>
-
-<file path=ppt/slides/slide13.xml><?xml version="1.0" encoding="utf-8"?>
-<p:sld xmlns:a="http://schemas.openxmlformats.org/drawingml/2006/main" xmlns:r="http://schemas.openxmlformats.org/officeDocument/2006/relationships" xmlns:p="http://schemas.openxmlformats.org/presentationml/2006/main">
-  <p:cSld>
-    <p:spTree>
-      <p:nvGrpSpPr>
-        <p:cNvPr id="1" name=""/>
-        <p:cNvGrpSpPr/>
-        <p:nvPr/>
-      </p:nvGrpSpPr>
-      <p:grpSpPr>
-        <a:xfrm>
-          <a:off x="0" y="0"/>
-          <a:ext cx="0" cy="0"/>
-          <a:chOff x="0" y="0"/>
-          <a:chExt cx="0" cy="0"/>
-        </a:xfrm>
-      </p:grpSpPr>
-      <p:sp>
-        <p:nvSpPr>
-          <p:cNvPr id="2" name="Title 1">
-            <a:extLst>
-              <a:ext uri="{FF2B5EF4-FFF2-40B4-BE49-F238E27FC236}">
-                <a16:creationId xmlns:a16="http://schemas.microsoft.com/office/drawing/2014/main" id="{10967EE5-F49D-E86C-07D4-CB23A101BAD1}"/>
-              </a:ext>
-            </a:extLst>
-          </p:cNvPr>
-          <p:cNvSpPr>
-            <a:spLocks noGrp="1"/>
-          </p:cNvSpPr>
-          <p:nvPr>
-            <p:ph type="title"/>
-          </p:nvPr>
-        </p:nvSpPr>
-        <p:spPr/>
-        <p:txBody>
-          <a:bodyPr/>
-          <a:lstStyle/>
-          <a:p>
-            <a:r>
-              <a:rPr lang="en-US" dirty="0"/>
-              <a:t>Gradient Boosted Classifier</a:t>
-            </a:r>
-          </a:p>
-        </p:txBody>
-      </p:sp>
-      <p:sp>
-        <p:nvSpPr>
-          <p:cNvPr id="3" name="Content Placeholder 2">
-            <a:extLst>
-              <a:ext uri="{FF2B5EF4-FFF2-40B4-BE49-F238E27FC236}">
-                <a16:creationId xmlns:a16="http://schemas.microsoft.com/office/drawing/2014/main" id="{4DBF4885-5E2E-6210-2AF2-6135D69E1479}"/>
-              </a:ext>
-            </a:extLst>
-          </p:cNvPr>
-          <p:cNvSpPr>
-            <a:spLocks noGrp="1"/>
-          </p:cNvSpPr>
-          <p:nvPr>
-            <p:ph idx="1"/>
-          </p:nvPr>
-        </p:nvSpPr>
-        <p:spPr/>
-        <p:txBody>
-          <a:bodyPr/>
-          <a:lstStyle/>
-          <a:p>
-            <a:r>
-              <a:rPr lang="en-US" dirty="0"/>
-              <a:t>Use multiple decision tree to improve classification performance</a:t>
-            </a:r>
-          </a:p>
-          <a:p>
-            <a:r>
-              <a:rPr lang="en-US" dirty="0"/>
-              <a:t>Trees are builds in sequence, each tree improve upon previous tree.</a:t>
-            </a:r>
-          </a:p>
-        </p:txBody>
-      </p:sp>
-    </p:spTree>
-    <p:extLst>
-      <p:ext uri="{BB962C8B-B14F-4D97-AF65-F5344CB8AC3E}">
-        <p14:creationId xmlns:p14="http://schemas.microsoft.com/office/powerpoint/2010/main" val="2417224525"/>
-      </p:ext>
-    </p:extLst>
-  </p:cSld>
-  <p:clrMapOvr>
-    <a:masterClrMapping/>
-  </p:clrMapOvr>
-</p:sld>
-</file>
-
 <file path=ppt/slides/slide14.xml><?xml version="1.0" encoding="utf-8"?>
 <p:sld xmlns:a="http://schemas.openxmlformats.org/drawingml/2006/main" xmlns:r="http://schemas.openxmlformats.org/officeDocument/2006/relationships" xmlns:p="http://schemas.openxmlformats.org/presentationml/2006/main">
   <p:cSld>
@@ -4201,6 +4277,196 @@
           <p:cNvPr id="2" name="Title 1">
             <a:extLst>
               <a:ext uri="{FF2B5EF4-FFF2-40B4-BE49-F238E27FC236}">
+                <a16:creationId xmlns:a16="http://schemas.microsoft.com/office/drawing/2014/main" id="{40631B9F-448A-37E8-F97B-D8BBA58C5CE5}"/>
+              </a:ext>
+            </a:extLst>
+          </p:cNvPr>
+          <p:cNvSpPr>
+            <a:spLocks noGrp="1"/>
+          </p:cNvSpPr>
+          <p:nvPr>
+            <p:ph type="title"/>
+          </p:nvPr>
+        </p:nvSpPr>
+        <p:spPr/>
+        <p:txBody>
+          <a:bodyPr/>
+          <a:lstStyle/>
+          <a:p>
+            <a:r>
+              <a:rPr lang="en-US" dirty="0"/>
+              <a:t>Random Forest	</a:t>
+            </a:r>
+          </a:p>
+        </p:txBody>
+      </p:sp>
+      <p:sp>
+        <p:nvSpPr>
+          <p:cNvPr id="3" name="Content Placeholder 2">
+            <a:extLst>
+              <a:ext uri="{FF2B5EF4-FFF2-40B4-BE49-F238E27FC236}">
+                <a16:creationId xmlns:a16="http://schemas.microsoft.com/office/drawing/2014/main" id="{0509869D-F4A9-7E54-E233-6D5104EAFBEB}"/>
+              </a:ext>
+            </a:extLst>
+          </p:cNvPr>
+          <p:cNvSpPr>
+            <a:spLocks noGrp="1"/>
+          </p:cNvSpPr>
+          <p:nvPr>
+            <p:ph idx="1"/>
+          </p:nvPr>
+        </p:nvSpPr>
+        <p:spPr/>
+        <p:txBody>
+          <a:bodyPr/>
+          <a:lstStyle/>
+          <a:p>
+            <a:r>
+              <a:rPr lang="en-US" dirty="0"/>
+              <a:t>Use multiple decision tree to improve the accuracy</a:t>
+            </a:r>
+          </a:p>
+          <a:p>
+            <a:r>
+              <a:rPr lang="en-US" dirty="0"/>
+              <a:t>Randomly select subset of data to train each decision tree.</a:t>
+            </a:r>
+          </a:p>
+          <a:p>
+            <a:r>
+              <a:rPr lang="en-US" dirty="0"/>
+              <a:t>Combine each tree prediction to make final decision</a:t>
+            </a:r>
+          </a:p>
+        </p:txBody>
+      </p:sp>
+    </p:spTree>
+    <p:extLst>
+      <p:ext uri="{BB962C8B-B14F-4D97-AF65-F5344CB8AC3E}">
+        <p14:creationId xmlns:p14="http://schemas.microsoft.com/office/powerpoint/2010/main" val="3397351659"/>
+      </p:ext>
+    </p:extLst>
+  </p:cSld>
+  <p:clrMapOvr>
+    <a:masterClrMapping/>
+  </p:clrMapOvr>
+</p:sld>
+</file>
+
+<file path=ppt/slides/slide15.xml><?xml version="1.0" encoding="utf-8"?>
+<p:sld xmlns:a="http://schemas.openxmlformats.org/drawingml/2006/main" xmlns:r="http://schemas.openxmlformats.org/officeDocument/2006/relationships" xmlns:p="http://schemas.openxmlformats.org/presentationml/2006/main">
+  <p:cSld>
+    <p:spTree>
+      <p:nvGrpSpPr>
+        <p:cNvPr id="1" name=""/>
+        <p:cNvGrpSpPr/>
+        <p:nvPr/>
+      </p:nvGrpSpPr>
+      <p:grpSpPr>
+        <a:xfrm>
+          <a:off x="0" y="0"/>
+          <a:ext cx="0" cy="0"/>
+          <a:chOff x="0" y="0"/>
+          <a:chExt cx="0" cy="0"/>
+        </a:xfrm>
+      </p:grpSpPr>
+      <p:sp>
+        <p:nvSpPr>
+          <p:cNvPr id="2" name="Title 1">
+            <a:extLst>
+              <a:ext uri="{FF2B5EF4-FFF2-40B4-BE49-F238E27FC236}">
+                <a16:creationId xmlns:a16="http://schemas.microsoft.com/office/drawing/2014/main" id="{10967EE5-F49D-E86C-07D4-CB23A101BAD1}"/>
+              </a:ext>
+            </a:extLst>
+          </p:cNvPr>
+          <p:cNvSpPr>
+            <a:spLocks noGrp="1"/>
+          </p:cNvSpPr>
+          <p:nvPr>
+            <p:ph type="title"/>
+          </p:nvPr>
+        </p:nvSpPr>
+        <p:spPr/>
+        <p:txBody>
+          <a:bodyPr/>
+          <a:lstStyle/>
+          <a:p>
+            <a:r>
+              <a:rPr lang="en-US" dirty="0"/>
+              <a:t>Gradient Boosted Classifier</a:t>
+            </a:r>
+          </a:p>
+        </p:txBody>
+      </p:sp>
+      <p:sp>
+        <p:nvSpPr>
+          <p:cNvPr id="3" name="Content Placeholder 2">
+            <a:extLst>
+              <a:ext uri="{FF2B5EF4-FFF2-40B4-BE49-F238E27FC236}">
+                <a16:creationId xmlns:a16="http://schemas.microsoft.com/office/drawing/2014/main" id="{4DBF4885-5E2E-6210-2AF2-6135D69E1479}"/>
+              </a:ext>
+            </a:extLst>
+          </p:cNvPr>
+          <p:cNvSpPr>
+            <a:spLocks noGrp="1"/>
+          </p:cNvSpPr>
+          <p:nvPr>
+            <p:ph idx="1"/>
+          </p:nvPr>
+        </p:nvSpPr>
+        <p:spPr/>
+        <p:txBody>
+          <a:bodyPr/>
+          <a:lstStyle/>
+          <a:p>
+            <a:r>
+              <a:rPr lang="en-US" dirty="0"/>
+              <a:t>Use multiple decision tree to improve classification performance</a:t>
+            </a:r>
+          </a:p>
+          <a:p>
+            <a:r>
+              <a:rPr lang="en-US" dirty="0"/>
+              <a:t>Trees are builds in sequence, each tree improve upon previous tree.</a:t>
+            </a:r>
+          </a:p>
+        </p:txBody>
+      </p:sp>
+    </p:spTree>
+    <p:extLst>
+      <p:ext uri="{BB962C8B-B14F-4D97-AF65-F5344CB8AC3E}">
+        <p14:creationId xmlns:p14="http://schemas.microsoft.com/office/powerpoint/2010/main" val="2417224525"/>
+      </p:ext>
+    </p:extLst>
+  </p:cSld>
+  <p:clrMapOvr>
+    <a:masterClrMapping/>
+  </p:clrMapOvr>
+</p:sld>
+</file>
+
+<file path=ppt/slides/slide16.xml><?xml version="1.0" encoding="utf-8"?>
+<p:sld xmlns:a="http://schemas.openxmlformats.org/drawingml/2006/main" xmlns:r="http://schemas.openxmlformats.org/officeDocument/2006/relationships" xmlns:p="http://schemas.openxmlformats.org/presentationml/2006/main">
+  <p:cSld>
+    <p:spTree>
+      <p:nvGrpSpPr>
+        <p:cNvPr id="1" name=""/>
+        <p:cNvGrpSpPr/>
+        <p:nvPr/>
+      </p:nvGrpSpPr>
+      <p:grpSpPr>
+        <a:xfrm>
+          <a:off x="0" y="0"/>
+          <a:ext cx="0" cy="0"/>
+          <a:chOff x="0" y="0"/>
+          <a:chExt cx="0" cy="0"/>
+        </a:xfrm>
+      </p:grpSpPr>
+      <p:sp>
+        <p:nvSpPr>
+          <p:cNvPr id="2" name="Title 1">
+            <a:extLst>
+              <a:ext uri="{FF2B5EF4-FFF2-40B4-BE49-F238E27FC236}">
                 <a16:creationId xmlns:a16="http://schemas.microsoft.com/office/drawing/2014/main" id="{23FF42CF-99F7-0B7A-42EF-7DCF5CE5875F}"/>
               </a:ext>
             </a:extLst>
@@ -4277,7 +4543,7 @@
 </p:sld>
 </file>
 
-<file path=ppt/slides/slide15.xml><?xml version="1.0" encoding="utf-8"?>
+<file path=ppt/slides/slide17.xml><?xml version="1.0" encoding="utf-8"?>
 <p:sld xmlns:a="http://schemas.openxmlformats.org/drawingml/2006/main" xmlns:r="http://schemas.openxmlformats.org/officeDocument/2006/relationships" xmlns:p="http://schemas.openxmlformats.org/presentationml/2006/main">
   <p:cSld>
     <p:spTree>
@@ -4565,7 +4831,7 @@
 </p:sld>
 </file>
 
-<file path=ppt/slides/slide16.xml><?xml version="1.0" encoding="utf-8"?>
+<file path=ppt/slides/slide18.xml><?xml version="1.0" encoding="utf-8"?>
 <p:sld xmlns:a="http://schemas.openxmlformats.org/drawingml/2006/main" xmlns:r="http://schemas.openxmlformats.org/officeDocument/2006/relationships" xmlns:p="http://schemas.openxmlformats.org/presentationml/2006/main">
   <p:cSld>
     <p:spTree>
@@ -4690,230 +4956,6 @@
 </p:sld>
 </file>
 
-<file path=ppt/slides/slide17.xml><?xml version="1.0" encoding="utf-8"?>
-<p:sld xmlns:a="http://schemas.openxmlformats.org/drawingml/2006/main" xmlns:r="http://schemas.openxmlformats.org/officeDocument/2006/relationships" xmlns:p="http://schemas.openxmlformats.org/presentationml/2006/main">
-  <p:cSld>
-    <p:spTree>
-      <p:nvGrpSpPr>
-        <p:cNvPr id="1" name=""/>
-        <p:cNvGrpSpPr/>
-        <p:nvPr/>
-      </p:nvGrpSpPr>
-      <p:grpSpPr>
-        <a:xfrm>
-          <a:off x="0" y="0"/>
-          <a:ext cx="0" cy="0"/>
-          <a:chOff x="0" y="0"/>
-          <a:chExt cx="0" cy="0"/>
-        </a:xfrm>
-      </p:grpSpPr>
-      <p:sp>
-        <p:nvSpPr>
-          <p:cNvPr id="2" name="Title 1">
-            <a:extLst>
-              <a:ext uri="{FF2B5EF4-FFF2-40B4-BE49-F238E27FC236}">
-                <a16:creationId xmlns:a16="http://schemas.microsoft.com/office/drawing/2014/main" id="{60C13765-EE2E-DEA0-DD24-244D714ACDBE}"/>
-              </a:ext>
-            </a:extLst>
-          </p:cNvPr>
-          <p:cNvSpPr>
-            <a:spLocks noGrp="1"/>
-          </p:cNvSpPr>
-          <p:nvPr>
-            <p:ph type="title"/>
-          </p:nvPr>
-        </p:nvSpPr>
-        <p:spPr/>
-        <p:txBody>
-          <a:bodyPr/>
-          <a:lstStyle/>
-          <a:p>
-            <a:r>
-              <a:rPr lang="en-US" dirty="0"/>
-              <a:t>Data Exploration</a:t>
-            </a:r>
-          </a:p>
-        </p:txBody>
-      </p:sp>
-      <p:sp>
-        <p:nvSpPr>
-          <p:cNvPr id="3" name="Content Placeholder 2">
-            <a:extLst>
-              <a:ext uri="{FF2B5EF4-FFF2-40B4-BE49-F238E27FC236}">
-                <a16:creationId xmlns:a16="http://schemas.microsoft.com/office/drawing/2014/main" id="{5CE8BBE8-0234-681F-E2DB-53675833881A}"/>
-              </a:ext>
-            </a:extLst>
-          </p:cNvPr>
-          <p:cNvSpPr>
-            <a:spLocks noGrp="1"/>
-          </p:cNvSpPr>
-          <p:nvPr>
-            <p:ph idx="1"/>
-          </p:nvPr>
-        </p:nvSpPr>
-        <p:spPr/>
-        <p:txBody>
-          <a:bodyPr/>
-          <a:lstStyle/>
-          <a:p>
-            <a:r>
-              <a:rPr lang="en-US" dirty="0"/>
-              <a:t>35 columns with Biopsy as the </a:t>
-            </a:r>
-            <a:r>
-              <a:rPr lang="en-US"/>
-              <a:t>target column</a:t>
-            </a:r>
-          </a:p>
-          <a:p>
-            <a:endParaRPr lang="en-US"/>
-          </a:p>
-        </p:txBody>
-      </p:sp>
-    </p:spTree>
-    <p:extLst>
-      <p:ext uri="{BB962C8B-B14F-4D97-AF65-F5344CB8AC3E}">
-        <p14:creationId xmlns:p14="http://schemas.microsoft.com/office/powerpoint/2010/main" val="1025123411"/>
-      </p:ext>
-    </p:extLst>
-  </p:cSld>
-  <p:clrMapOvr>
-    <a:masterClrMapping/>
-  </p:clrMapOvr>
-</p:sld>
-</file>
-
-<file path=ppt/slides/slide18.xml><?xml version="1.0" encoding="utf-8"?>
-<p:sld xmlns:a="http://schemas.openxmlformats.org/drawingml/2006/main" xmlns:r="http://schemas.openxmlformats.org/officeDocument/2006/relationships" xmlns:p="http://schemas.openxmlformats.org/presentationml/2006/main">
-  <p:cSld>
-    <p:spTree>
-      <p:nvGrpSpPr>
-        <p:cNvPr id="1" name=""/>
-        <p:cNvGrpSpPr/>
-        <p:nvPr/>
-      </p:nvGrpSpPr>
-      <p:grpSpPr>
-        <a:xfrm>
-          <a:off x="0" y="0"/>
-          <a:ext cx="0" cy="0"/>
-          <a:chOff x="0" y="0"/>
-          <a:chExt cx="0" cy="0"/>
-        </a:xfrm>
-      </p:grpSpPr>
-      <p:sp>
-        <p:nvSpPr>
-          <p:cNvPr id="2" name="Title 1">
-            <a:extLst>
-              <a:ext uri="{FF2B5EF4-FFF2-40B4-BE49-F238E27FC236}">
-                <a16:creationId xmlns:a16="http://schemas.microsoft.com/office/drawing/2014/main" id="{B39FA4A9-F560-95AC-6319-806FB6F081DA}"/>
-              </a:ext>
-            </a:extLst>
-          </p:cNvPr>
-          <p:cNvSpPr>
-            <a:spLocks noGrp="1"/>
-          </p:cNvSpPr>
-          <p:nvPr>
-            <p:ph type="title"/>
-          </p:nvPr>
-        </p:nvSpPr>
-        <p:spPr/>
-        <p:txBody>
-          <a:bodyPr/>
-          <a:lstStyle/>
-          <a:p>
-            <a:endParaRPr lang="en-US"/>
-          </a:p>
-        </p:txBody>
-      </p:sp>
-      <p:sp>
-        <p:nvSpPr>
-          <p:cNvPr id="3" name="Content Placeholder 2">
-            <a:extLst>
-              <a:ext uri="{FF2B5EF4-FFF2-40B4-BE49-F238E27FC236}">
-                <a16:creationId xmlns:a16="http://schemas.microsoft.com/office/drawing/2014/main" id="{5EFFC053-6AC2-C4C4-5C02-1868B5975271}"/>
-              </a:ext>
-            </a:extLst>
-          </p:cNvPr>
-          <p:cNvSpPr>
-            <a:spLocks noGrp="1"/>
-          </p:cNvSpPr>
-          <p:nvPr>
-            <p:ph idx="1"/>
-          </p:nvPr>
-        </p:nvSpPr>
-        <p:spPr/>
-        <p:txBody>
-          <a:bodyPr/>
-          <a:lstStyle/>
-          <a:p>
-            <a:r>
-              <a:rPr lang="en-US" dirty="0" err="1"/>
-              <a:t>SparkML</a:t>
-            </a:r>
-            <a:r>
-              <a:rPr lang="en-US" dirty="0"/>
-              <a:t> and Spark</a:t>
-            </a:r>
-          </a:p>
-          <a:p>
-            <a:r>
-              <a:rPr lang="en-US" dirty="0"/>
-              <a:t>Application of Spark and </a:t>
-            </a:r>
-            <a:r>
-              <a:rPr lang="en-US" dirty="0" err="1"/>
-              <a:t>SparkML</a:t>
-            </a:r>
-            <a:r>
-              <a:rPr lang="en-US" dirty="0"/>
-              <a:t> </a:t>
-            </a:r>
-          </a:p>
-          <a:p>
-            <a:r>
-              <a:rPr lang="en-US" dirty="0"/>
-              <a:t>Performance metric</a:t>
-            </a:r>
-          </a:p>
-          <a:p>
-            <a:pPr lvl="1"/>
-            <a:r>
-              <a:rPr lang="en-US" dirty="0"/>
-              <a:t>Accuracy (Done a lot before)</a:t>
-            </a:r>
-          </a:p>
-          <a:p>
-            <a:pPr lvl="1"/>
-            <a:r>
-              <a:rPr lang="en-US" dirty="0"/>
-              <a:t>Scalability  (Big data – similar parallel project)</a:t>
-            </a:r>
-          </a:p>
-          <a:p>
-            <a:pPr lvl="1"/>
-            <a:r>
-              <a:rPr lang="en-US" dirty="0"/>
-              <a:t>Code Portability (GOOGLE –CLOUD –compared code modification …. – how easy to scale)</a:t>
-            </a:r>
-          </a:p>
-          <a:p>
-            <a:endParaRPr lang="en-US" dirty="0"/>
-          </a:p>
-        </p:txBody>
-      </p:sp>
-    </p:spTree>
-    <p:extLst>
-      <p:ext uri="{BB962C8B-B14F-4D97-AF65-F5344CB8AC3E}">
-        <p14:creationId xmlns:p14="http://schemas.microsoft.com/office/powerpoint/2010/main" val="508714902"/>
-      </p:ext>
-    </p:extLst>
-  </p:cSld>
-  <p:clrMapOvr>
-    <a:masterClrMapping/>
-  </p:clrMapOvr>
-</p:sld>
-</file>
-
 <file path=ppt/slides/slide19.xml><?xml version="1.0" encoding="utf-8"?>
 <p:sld xmlns:a="http://schemas.openxmlformats.org/drawingml/2006/main" xmlns:r="http://schemas.openxmlformats.org/officeDocument/2006/relationships" xmlns:p="http://schemas.openxmlformats.org/presentationml/2006/main">
   <p:cSld>
@@ -4936,7 +4978,7 @@
           <p:cNvPr id="2" name="Title 1">
             <a:extLst>
               <a:ext uri="{FF2B5EF4-FFF2-40B4-BE49-F238E27FC236}">
-                <a16:creationId xmlns:a16="http://schemas.microsoft.com/office/drawing/2014/main" id="{B5288F8A-991E-84A1-5B47-44A8E9AB8DAD}"/>
+                <a16:creationId xmlns:a16="http://schemas.microsoft.com/office/drawing/2014/main" id="{60C13765-EE2E-DEA0-DD24-244D714ACDBE}"/>
               </a:ext>
             </a:extLst>
           </p:cNvPr>
@@ -4954,7 +4996,7 @@
           <a:p>
             <a:r>
               <a:rPr lang="en-US" dirty="0"/>
-              <a:t>2 week goal</a:t>
+              <a:t>Data Exploration</a:t>
             </a:r>
           </a:p>
         </p:txBody>
@@ -4964,7 +5006,7 @@
           <p:cNvPr id="3" name="Content Placeholder 2">
             <a:extLst>
               <a:ext uri="{FF2B5EF4-FFF2-40B4-BE49-F238E27FC236}">
-                <a16:creationId xmlns:a16="http://schemas.microsoft.com/office/drawing/2014/main" id="{BD442E65-C1BD-F4C8-5A08-894DC42071D7}"/>
+                <a16:creationId xmlns:a16="http://schemas.microsoft.com/office/drawing/2014/main" id="{5CE8BBE8-0234-681F-E2DB-53675833881A}"/>
               </a:ext>
             </a:extLst>
           </p:cNvPr>
@@ -4982,50 +5024,22 @@
           <a:p>
             <a:r>
               <a:rPr lang="en-US" dirty="0"/>
-              <a:t>Looking at how to test code portability in a scientific manner</a:t>
-            </a:r>
-          </a:p>
-          <a:p>
-            <a:r>
-              <a:rPr lang="en-US" dirty="0"/>
-              <a:t>Run this thing on </a:t>
-            </a:r>
-            <a:r>
-              <a:rPr lang="en-US" dirty="0" err="1"/>
-              <a:t>GCLoud</a:t>
-            </a:r>
-            <a:endParaRPr lang="en-US" dirty="0"/>
-          </a:p>
-          <a:p>
-            <a:r>
-              <a:rPr lang="en-US" dirty="0"/>
-              <a:t>Spark Pipeline - </a:t>
-            </a:r>
-            <a:r>
-              <a:rPr lang="en-US" dirty="0" err="1"/>
-              <a:t>SLides</a:t>
-            </a:r>
-            <a:endParaRPr lang="en-US" dirty="0"/>
-          </a:p>
-          <a:p>
-            <a:r>
-              <a:rPr lang="en-US" dirty="0"/>
-              <a:t>Focus on algorithm, mathematical details – May be try to look at LDA. </a:t>
-            </a:r>
-          </a:p>
-          <a:p>
-            <a:pPr lvl="1"/>
-            <a:r>
-              <a:rPr lang="en-US" dirty="0"/>
-              <a:t>Spark Statistic Parameter</a:t>
-            </a:r>
+              <a:t>35 columns with Biopsy as the </a:t>
+            </a:r>
+            <a:r>
+              <a:rPr lang="en-US"/>
+              <a:t>target column</a:t>
+            </a:r>
+          </a:p>
+          <a:p>
+            <a:endParaRPr lang="en-US"/>
           </a:p>
         </p:txBody>
       </p:sp>
     </p:spTree>
     <p:extLst>
       <p:ext uri="{BB962C8B-B14F-4D97-AF65-F5344CB8AC3E}">
-        <p14:creationId xmlns:p14="http://schemas.microsoft.com/office/powerpoint/2010/main" val="1595575665"/>
+        <p14:creationId xmlns:p14="http://schemas.microsoft.com/office/powerpoint/2010/main" val="1025123411"/>
       </p:ext>
     </p:extLst>
   </p:cSld>
@@ -5142,6 +5156,258 @@
     <p:extLst>
       <p:ext uri="{BB962C8B-B14F-4D97-AF65-F5344CB8AC3E}">
         <p14:creationId xmlns:p14="http://schemas.microsoft.com/office/powerpoint/2010/main" val="1149519865"/>
+      </p:ext>
+    </p:extLst>
+  </p:cSld>
+  <p:clrMapOvr>
+    <a:masterClrMapping/>
+  </p:clrMapOvr>
+</p:sld>
+</file>
+
+<file path=ppt/slides/slide20.xml><?xml version="1.0" encoding="utf-8"?>
+<p:sld xmlns:a="http://schemas.openxmlformats.org/drawingml/2006/main" xmlns:r="http://schemas.openxmlformats.org/officeDocument/2006/relationships" xmlns:p="http://schemas.openxmlformats.org/presentationml/2006/main">
+  <p:cSld>
+    <p:spTree>
+      <p:nvGrpSpPr>
+        <p:cNvPr id="1" name=""/>
+        <p:cNvGrpSpPr/>
+        <p:nvPr/>
+      </p:nvGrpSpPr>
+      <p:grpSpPr>
+        <a:xfrm>
+          <a:off x="0" y="0"/>
+          <a:ext cx="0" cy="0"/>
+          <a:chOff x="0" y="0"/>
+          <a:chExt cx="0" cy="0"/>
+        </a:xfrm>
+      </p:grpSpPr>
+      <p:sp>
+        <p:nvSpPr>
+          <p:cNvPr id="2" name="Title 1">
+            <a:extLst>
+              <a:ext uri="{FF2B5EF4-FFF2-40B4-BE49-F238E27FC236}">
+                <a16:creationId xmlns:a16="http://schemas.microsoft.com/office/drawing/2014/main" id="{B39FA4A9-F560-95AC-6319-806FB6F081DA}"/>
+              </a:ext>
+            </a:extLst>
+          </p:cNvPr>
+          <p:cNvSpPr>
+            <a:spLocks noGrp="1"/>
+          </p:cNvSpPr>
+          <p:nvPr>
+            <p:ph type="title"/>
+          </p:nvPr>
+        </p:nvSpPr>
+        <p:spPr/>
+        <p:txBody>
+          <a:bodyPr/>
+          <a:lstStyle/>
+          <a:p>
+            <a:endParaRPr lang="en-US"/>
+          </a:p>
+        </p:txBody>
+      </p:sp>
+      <p:sp>
+        <p:nvSpPr>
+          <p:cNvPr id="3" name="Content Placeholder 2">
+            <a:extLst>
+              <a:ext uri="{FF2B5EF4-FFF2-40B4-BE49-F238E27FC236}">
+                <a16:creationId xmlns:a16="http://schemas.microsoft.com/office/drawing/2014/main" id="{5EFFC053-6AC2-C4C4-5C02-1868B5975271}"/>
+              </a:ext>
+            </a:extLst>
+          </p:cNvPr>
+          <p:cNvSpPr>
+            <a:spLocks noGrp="1"/>
+          </p:cNvSpPr>
+          <p:nvPr>
+            <p:ph idx="1"/>
+          </p:nvPr>
+        </p:nvSpPr>
+        <p:spPr/>
+        <p:txBody>
+          <a:bodyPr/>
+          <a:lstStyle/>
+          <a:p>
+            <a:r>
+              <a:rPr lang="en-US" dirty="0" err="1"/>
+              <a:t>SparkML</a:t>
+            </a:r>
+            <a:r>
+              <a:rPr lang="en-US" dirty="0"/>
+              <a:t> and Spark</a:t>
+            </a:r>
+          </a:p>
+          <a:p>
+            <a:r>
+              <a:rPr lang="en-US" dirty="0"/>
+              <a:t>Application of Spark and </a:t>
+            </a:r>
+            <a:r>
+              <a:rPr lang="en-US" dirty="0" err="1"/>
+              <a:t>SparkML</a:t>
+            </a:r>
+            <a:r>
+              <a:rPr lang="en-US" dirty="0"/>
+              <a:t> </a:t>
+            </a:r>
+          </a:p>
+          <a:p>
+            <a:r>
+              <a:rPr lang="en-US" dirty="0"/>
+              <a:t>Performance metric</a:t>
+            </a:r>
+          </a:p>
+          <a:p>
+            <a:pPr lvl="1"/>
+            <a:r>
+              <a:rPr lang="en-US" dirty="0"/>
+              <a:t>Accuracy (Done a lot before)</a:t>
+            </a:r>
+          </a:p>
+          <a:p>
+            <a:pPr lvl="1"/>
+            <a:r>
+              <a:rPr lang="en-US" dirty="0"/>
+              <a:t>Scalability  (Big data – similar parallel project)</a:t>
+            </a:r>
+          </a:p>
+          <a:p>
+            <a:pPr lvl="1"/>
+            <a:r>
+              <a:rPr lang="en-US" dirty="0"/>
+              <a:t>Code Portability (GOOGLE –CLOUD –compared code modification …. – how easy to scale)</a:t>
+            </a:r>
+          </a:p>
+          <a:p>
+            <a:endParaRPr lang="en-US" dirty="0"/>
+          </a:p>
+        </p:txBody>
+      </p:sp>
+    </p:spTree>
+    <p:extLst>
+      <p:ext uri="{BB962C8B-B14F-4D97-AF65-F5344CB8AC3E}">
+        <p14:creationId xmlns:p14="http://schemas.microsoft.com/office/powerpoint/2010/main" val="508714902"/>
+      </p:ext>
+    </p:extLst>
+  </p:cSld>
+  <p:clrMapOvr>
+    <a:masterClrMapping/>
+  </p:clrMapOvr>
+</p:sld>
+</file>
+
+<file path=ppt/slides/slide21.xml><?xml version="1.0" encoding="utf-8"?>
+<p:sld xmlns:a="http://schemas.openxmlformats.org/drawingml/2006/main" xmlns:r="http://schemas.openxmlformats.org/officeDocument/2006/relationships" xmlns:p="http://schemas.openxmlformats.org/presentationml/2006/main">
+  <p:cSld>
+    <p:spTree>
+      <p:nvGrpSpPr>
+        <p:cNvPr id="1" name=""/>
+        <p:cNvGrpSpPr/>
+        <p:nvPr/>
+      </p:nvGrpSpPr>
+      <p:grpSpPr>
+        <a:xfrm>
+          <a:off x="0" y="0"/>
+          <a:ext cx="0" cy="0"/>
+          <a:chOff x="0" y="0"/>
+          <a:chExt cx="0" cy="0"/>
+        </a:xfrm>
+      </p:grpSpPr>
+      <p:sp>
+        <p:nvSpPr>
+          <p:cNvPr id="2" name="Title 1">
+            <a:extLst>
+              <a:ext uri="{FF2B5EF4-FFF2-40B4-BE49-F238E27FC236}">
+                <a16:creationId xmlns:a16="http://schemas.microsoft.com/office/drawing/2014/main" id="{B5288F8A-991E-84A1-5B47-44A8E9AB8DAD}"/>
+              </a:ext>
+            </a:extLst>
+          </p:cNvPr>
+          <p:cNvSpPr>
+            <a:spLocks noGrp="1"/>
+          </p:cNvSpPr>
+          <p:nvPr>
+            <p:ph type="title"/>
+          </p:nvPr>
+        </p:nvSpPr>
+        <p:spPr/>
+        <p:txBody>
+          <a:bodyPr/>
+          <a:lstStyle/>
+          <a:p>
+            <a:r>
+              <a:rPr lang="en-US" dirty="0"/>
+              <a:t>2 week goal</a:t>
+            </a:r>
+          </a:p>
+        </p:txBody>
+      </p:sp>
+      <p:sp>
+        <p:nvSpPr>
+          <p:cNvPr id="3" name="Content Placeholder 2">
+            <a:extLst>
+              <a:ext uri="{FF2B5EF4-FFF2-40B4-BE49-F238E27FC236}">
+                <a16:creationId xmlns:a16="http://schemas.microsoft.com/office/drawing/2014/main" id="{BD442E65-C1BD-F4C8-5A08-894DC42071D7}"/>
+              </a:ext>
+            </a:extLst>
+          </p:cNvPr>
+          <p:cNvSpPr>
+            <a:spLocks noGrp="1"/>
+          </p:cNvSpPr>
+          <p:nvPr>
+            <p:ph idx="1"/>
+          </p:nvPr>
+        </p:nvSpPr>
+        <p:spPr/>
+        <p:txBody>
+          <a:bodyPr/>
+          <a:lstStyle/>
+          <a:p>
+            <a:r>
+              <a:rPr lang="en-US" dirty="0"/>
+              <a:t>Looking at how to test code portability in a scientific manner</a:t>
+            </a:r>
+          </a:p>
+          <a:p>
+            <a:r>
+              <a:rPr lang="en-US" dirty="0"/>
+              <a:t>Run this thing on </a:t>
+            </a:r>
+            <a:r>
+              <a:rPr lang="en-US" dirty="0" err="1"/>
+              <a:t>GCLoud</a:t>
+            </a:r>
+            <a:endParaRPr lang="en-US" dirty="0"/>
+          </a:p>
+          <a:p>
+            <a:r>
+              <a:rPr lang="en-US" dirty="0"/>
+              <a:t>Spark Pipeline - </a:t>
+            </a:r>
+            <a:r>
+              <a:rPr lang="en-US" dirty="0" err="1"/>
+              <a:t>SLides</a:t>
+            </a:r>
+            <a:endParaRPr lang="en-US" dirty="0"/>
+          </a:p>
+          <a:p>
+            <a:r>
+              <a:rPr lang="en-US" dirty="0"/>
+              <a:t>Focus on algorithm, mathematical details – May be try to look at LDA. </a:t>
+            </a:r>
+          </a:p>
+          <a:p>
+            <a:pPr lvl="1"/>
+            <a:r>
+              <a:rPr lang="en-US" dirty="0"/>
+              <a:t>Spark Statistic Parameter</a:t>
+            </a:r>
+          </a:p>
+        </p:txBody>
+      </p:sp>
+    </p:spTree>
+    <p:extLst>
+      <p:ext uri="{BB962C8B-B14F-4D97-AF65-F5344CB8AC3E}">
+        <p14:creationId xmlns:p14="http://schemas.microsoft.com/office/powerpoint/2010/main" val="1595575665"/>
       </p:ext>
     </p:extLst>
   </p:cSld>
@@ -5475,7 +5741,7 @@
           <p:cNvPr id="2" name="Title 1">
             <a:extLst>
               <a:ext uri="{FF2B5EF4-FFF2-40B4-BE49-F238E27FC236}">
-                <a16:creationId xmlns:a16="http://schemas.microsoft.com/office/drawing/2014/main" id="{699F9459-1267-822B-CD73-2C4B4B2B3746}"/>
+                <a16:creationId xmlns:a16="http://schemas.microsoft.com/office/drawing/2014/main" id="{BAC81341-8D01-C641-235B-253B37460D4F}"/>
               </a:ext>
             </a:extLst>
           </p:cNvPr>
@@ -5493,8 +5759,9 @@
           <a:p>
             <a:r>
               <a:rPr lang="en-US" dirty="0"/>
-              <a:t>What is Spark and Spark ML</a:t>
-            </a:r>
+              <a:t>Map Reduce</a:t>
+            </a:r>
+            <a:endParaRPr lang="en-GB" dirty="0"/>
           </a:p>
         </p:txBody>
       </p:sp>
@@ -5503,7 +5770,7 @@
           <p:cNvPr id="3" name="Content Placeholder 2">
             <a:extLst>
               <a:ext uri="{FF2B5EF4-FFF2-40B4-BE49-F238E27FC236}">
-                <a16:creationId xmlns:a16="http://schemas.microsoft.com/office/drawing/2014/main" id="{E028B0F8-FBD8-E33A-D11F-4E4DC56A466D}"/>
+                <a16:creationId xmlns:a16="http://schemas.microsoft.com/office/drawing/2014/main" id="{632A5107-645C-8386-D666-792BE5BE7E9A}"/>
               </a:ext>
             </a:extLst>
           </p:cNvPr>
@@ -5516,62 +5783,157 @@
         </p:nvSpPr>
         <p:spPr/>
         <p:txBody>
-          <a:bodyPr/>
-          <a:lstStyle/>
-          <a:p>
-            <a:r>
-              <a:rPr lang="en-US" dirty="0"/>
-              <a:t>Spark:</a:t>
-            </a:r>
-          </a:p>
-          <a:p>
-            <a:pPr lvl="1"/>
-            <a:r>
-              <a:rPr lang="en-US" dirty="0"/>
-              <a:t>Distributed computing/big data platform by Apache</a:t>
-            </a:r>
-          </a:p>
-          <a:p>
-            <a:pPr lvl="1"/>
-            <a:r>
-              <a:rPr lang="en-US" dirty="0"/>
-              <a:t>High speed processing and efficient handling of data</a:t>
-            </a:r>
-          </a:p>
-          <a:p>
-            <a:r>
-              <a:rPr lang="en-US" dirty="0" err="1"/>
-              <a:t>SparkML</a:t>
-            </a:r>
-            <a:endParaRPr lang="en-US" dirty="0"/>
-          </a:p>
-          <a:p>
-            <a:pPr lvl="1"/>
-            <a:r>
-              <a:rPr lang="en-US" dirty="0"/>
-              <a:t>Library that is included in Apache spark</a:t>
-            </a:r>
-          </a:p>
-          <a:p>
-            <a:pPr lvl="1"/>
-            <a:r>
-              <a:rPr lang="en-US" dirty="0"/>
-              <a:t>Distributed prebuilt implementation of some common machine algorithm</a:t>
-            </a:r>
-          </a:p>
-          <a:p>
-            <a:pPr lvl="1"/>
-            <a:r>
-              <a:rPr lang="en-US" dirty="0"/>
-              <a:t>Pipeline API can simplify the building, training and deployment process of machine learning models.</a:t>
-            </a:r>
-          </a:p>
-        </p:txBody>
-      </p:sp>
+          <a:bodyPr>
+            <a:normAutofit/>
+          </a:bodyPr>
+          <a:lstStyle/>
+          <a:p>
+            <a:r>
+              <a:rPr lang="en-GB" b="0" i="0" dirty="0">
+                <a:solidFill>
+                  <a:srgbClr val="374151"/>
+                </a:solidFill>
+                <a:effectLst/>
+                <a:latin typeface="Söhne"/>
+              </a:rPr>
+              <a:t>MapReduce: programming framework introduce by google to handle large datasets, cluster processing</a:t>
+            </a:r>
+          </a:p>
+          <a:p>
+            <a:r>
+              <a:rPr lang="en-GB" b="0" i="0" dirty="0">
+                <a:solidFill>
+                  <a:srgbClr val="374151"/>
+                </a:solidFill>
+                <a:effectLst/>
+                <a:latin typeface="Söhne"/>
+              </a:rPr>
+              <a:t>Workflow: input divided, independent processing, result combination</a:t>
+            </a:r>
+          </a:p>
+          <a:p>
+            <a:pPr algn="l">
+              <a:buFont typeface="Arial" panose="020B0604020202020204" pitchFamily="34" charset="0"/>
+              <a:buChar char="•"/>
+            </a:pPr>
+            <a:r>
+              <a:rPr lang="en-GB" b="0" i="0" dirty="0">
+                <a:solidFill>
+                  <a:srgbClr val="374151"/>
+                </a:solidFill>
+                <a:effectLst/>
+                <a:latin typeface="Söhne"/>
+              </a:rPr>
+              <a:t>Procedures: map (</a:t>
+            </a:r>
+            <a:r>
+              <a:rPr lang="en-GB" b="0" i="0" dirty="0" err="1">
+                <a:solidFill>
+                  <a:srgbClr val="374151"/>
+                </a:solidFill>
+                <a:effectLst/>
+                <a:latin typeface="Söhne"/>
+              </a:rPr>
+              <a:t>preprocessing</a:t>
+            </a:r>
+            <a:r>
+              <a:rPr lang="en-GB" b="0" i="0" dirty="0">
+                <a:solidFill>
+                  <a:srgbClr val="374151"/>
+                </a:solidFill>
+                <a:effectLst/>
+                <a:latin typeface="Söhne"/>
+              </a:rPr>
+              <a:t>), reduce (aggregation)</a:t>
+            </a:r>
+          </a:p>
+          <a:p>
+            <a:pPr algn="l">
+              <a:buFont typeface="Arial" panose="020B0604020202020204" pitchFamily="34" charset="0"/>
+              <a:buChar char="•"/>
+            </a:pPr>
+            <a:r>
+              <a:rPr lang="en-GB" b="0" i="0" dirty="0">
+                <a:solidFill>
+                  <a:srgbClr val="374151"/>
+                </a:solidFill>
+                <a:effectLst/>
+                <a:latin typeface="Söhne"/>
+              </a:rPr>
+              <a:t>Hadoop MapReduce: popular implementation</a:t>
+            </a:r>
+          </a:p>
+          <a:p>
+            <a:pPr algn="l">
+              <a:buFont typeface="Arial" panose="020B0604020202020204" pitchFamily="34" charset="0"/>
+              <a:buChar char="•"/>
+            </a:pPr>
+            <a:r>
+              <a:rPr lang="en-GB" b="0" i="0" dirty="0">
+                <a:solidFill>
+                  <a:srgbClr val="374151"/>
+                </a:solidFill>
+                <a:effectLst/>
+                <a:latin typeface="Söhne"/>
+              </a:rPr>
+              <a:t>Scalable, fault-tolerant</a:t>
+            </a:r>
+          </a:p>
+          <a:p>
+            <a:pPr algn="l">
+              <a:buFont typeface="Arial" panose="020B0604020202020204" pitchFamily="34" charset="0"/>
+              <a:buChar char="•"/>
+            </a:pPr>
+            <a:r>
+              <a:rPr lang="en-GB" b="0" i="0" dirty="0">
+                <a:solidFill>
+                  <a:srgbClr val="374151"/>
+                </a:solidFill>
+                <a:effectLst/>
+                <a:latin typeface="Söhne"/>
+              </a:rPr>
+              <a:t>Used for batch processing, offline data jobs</a:t>
+            </a:r>
+          </a:p>
+          <a:p>
+            <a:endParaRPr lang="en-GB" dirty="0"/>
+          </a:p>
+        </p:txBody>
+      </p:sp>
+      <p:pic>
+        <p:nvPicPr>
+          <p:cNvPr id="7" name="Picture 6">
+            <a:extLst>
+              <a:ext uri="{FF2B5EF4-FFF2-40B4-BE49-F238E27FC236}">
+                <a16:creationId xmlns:a16="http://schemas.microsoft.com/office/drawing/2014/main" id="{3D99E3C4-F521-A694-9CA8-A47057BEA308}"/>
+              </a:ext>
+            </a:extLst>
+          </p:cNvPr>
+          <p:cNvPicPr>
+            <a:picLocks noChangeAspect="1"/>
+          </p:cNvPicPr>
+          <p:nvPr/>
+        </p:nvPicPr>
+        <p:blipFill>
+          <a:blip r:embed="rId2"/>
+          <a:stretch>
+            <a:fillRect/>
+          </a:stretch>
+        </p:blipFill>
+        <p:spPr>
+          <a:xfrm>
+            <a:off x="4146108" y="336181"/>
+            <a:ext cx="3899783" cy="1332310"/>
+          </a:xfrm>
+          <a:prstGeom prst="rect">
+            <a:avLst/>
+          </a:prstGeom>
+        </p:spPr>
+      </p:pic>
     </p:spTree>
     <p:extLst>
       <p:ext uri="{BB962C8B-B14F-4D97-AF65-F5344CB8AC3E}">
-        <p14:creationId xmlns:p14="http://schemas.microsoft.com/office/powerpoint/2010/main" val="566999406"/>
+        <p14:creationId xmlns:p14="http://schemas.microsoft.com/office/powerpoint/2010/main" val="2685537084"/>
       </p:ext>
     </p:extLst>
   </p:cSld>
@@ -5603,7 +5965,7 @@
           <p:cNvPr id="2" name="Title 1">
             <a:extLst>
               <a:ext uri="{FF2B5EF4-FFF2-40B4-BE49-F238E27FC236}">
-                <a16:creationId xmlns:a16="http://schemas.microsoft.com/office/drawing/2014/main" id="{D69A6712-3ED2-7C60-EFB7-00DF1E71EB5D}"/>
+                <a16:creationId xmlns:a16="http://schemas.microsoft.com/office/drawing/2014/main" id="{699F9459-1267-822B-CD73-2C4B4B2B3746}"/>
               </a:ext>
             </a:extLst>
           </p:cNvPr>
@@ -5621,7 +5983,7 @@
           <a:p>
             <a:r>
               <a:rPr lang="en-US" dirty="0"/>
-              <a:t>Spark - Logo addition</a:t>
+              <a:t>What is Spark and Spark ML</a:t>
             </a:r>
           </a:p>
         </p:txBody>
@@ -5631,7 +5993,7 @@
           <p:cNvPr id="3" name="Content Placeholder 2">
             <a:extLst>
               <a:ext uri="{FF2B5EF4-FFF2-40B4-BE49-F238E27FC236}">
-                <a16:creationId xmlns:a16="http://schemas.microsoft.com/office/drawing/2014/main" id="{46773400-6A10-092D-A147-2A1BB8C6A87A}"/>
+                <a16:creationId xmlns:a16="http://schemas.microsoft.com/office/drawing/2014/main" id="{E028B0F8-FBD8-E33A-D11F-4E4DC56A466D}"/>
               </a:ext>
             </a:extLst>
           </p:cNvPr>
@@ -5644,17 +6006,143 @@
         </p:nvSpPr>
         <p:spPr/>
         <p:txBody>
-          <a:bodyPr/>
-          <a:lstStyle/>
-          <a:p>
-            <a:endParaRPr lang="en-US"/>
-          </a:p>
-        </p:txBody>
-      </p:sp>
+          <a:bodyPr>
+            <a:noAutofit/>
+          </a:bodyPr>
+          <a:lstStyle/>
+          <a:p>
+            <a:r>
+              <a:rPr lang="en-US" dirty="0"/>
+              <a:t>Spark:</a:t>
+            </a:r>
+          </a:p>
+          <a:p>
+            <a:pPr lvl="1"/>
+            <a:r>
+              <a:rPr lang="en-GB" sz="2000" b="0" i="0" dirty="0">
+                <a:solidFill>
+                  <a:srgbClr val="374151"/>
+                </a:solidFill>
+                <a:effectLst/>
+                <a:latin typeface="Söhne"/>
+              </a:rPr>
+              <a:t>Apache Spark: introduced in 2014 at UC Berkeley</a:t>
+            </a:r>
+          </a:p>
+          <a:p>
+            <a:pPr lvl="1"/>
+            <a:r>
+              <a:rPr lang="en-GB" sz="2000" dirty="0">
+                <a:solidFill>
+                  <a:srgbClr val="374151"/>
+                </a:solidFill>
+                <a:latin typeface="Söhne"/>
+              </a:rPr>
+              <a:t>Goal:</a:t>
+            </a:r>
+            <a:r>
+              <a:rPr lang="en-GB" sz="2000" b="0" i="0" dirty="0">
+                <a:solidFill>
+                  <a:srgbClr val="374151"/>
+                </a:solidFill>
+                <a:effectLst/>
+                <a:latin typeface="Söhne"/>
+              </a:rPr>
+              <a:t> addresses limitations of other Big Data frameworks</a:t>
+            </a:r>
+          </a:p>
+          <a:p>
+            <a:pPr lvl="1"/>
+            <a:r>
+              <a:rPr lang="en-GB" sz="2000" b="0" i="0" dirty="0">
+                <a:solidFill>
+                  <a:srgbClr val="374151"/>
+                </a:solidFill>
+                <a:effectLst/>
+                <a:latin typeface="Söhne"/>
+              </a:rPr>
+              <a:t>Spark expands on MapReduce, adds features and optimizations</a:t>
+            </a:r>
+          </a:p>
+          <a:p>
+            <a:pPr lvl="2"/>
+            <a:r>
+              <a:rPr lang="en-GB" sz="2000" b="0" i="0" dirty="0">
+                <a:solidFill>
+                  <a:srgbClr val="374151"/>
+                </a:solidFill>
+                <a:effectLst/>
+                <a:latin typeface="Söhne"/>
+              </a:rPr>
+              <a:t>In-memory caching boosts performance compared to disk-based MapReduce</a:t>
+            </a:r>
+          </a:p>
+          <a:p>
+            <a:pPr lvl="2"/>
+            <a:r>
+              <a:rPr lang="en-GB" sz="2000" b="0" i="0" dirty="0">
+                <a:solidFill>
+                  <a:srgbClr val="374151"/>
+                </a:solidFill>
+                <a:effectLst/>
+                <a:latin typeface="Söhne"/>
+              </a:rPr>
+              <a:t>Supports integration with other languages and platforms</a:t>
+            </a:r>
+          </a:p>
+          <a:p>
+            <a:pPr lvl="2"/>
+            <a:r>
+              <a:rPr lang="en-GB" sz="2000" b="0" i="0" dirty="0">
+                <a:solidFill>
+                  <a:srgbClr val="374151"/>
+                </a:solidFill>
+                <a:effectLst/>
+                <a:latin typeface="Söhne"/>
+              </a:rPr>
+              <a:t>Higher-level API and expressive programming models in Spark lower the barrier of entry compared to MapReduce</a:t>
+            </a:r>
+            <a:endParaRPr lang="en-US" sz="2000" dirty="0"/>
+          </a:p>
+          <a:p>
+            <a:endParaRPr lang="en-US" dirty="0"/>
+          </a:p>
+        </p:txBody>
+      </p:sp>
+      <p:pic>
+        <p:nvPicPr>
+          <p:cNvPr id="5" name="Picture 4">
+            <a:extLst>
+              <a:ext uri="{FF2B5EF4-FFF2-40B4-BE49-F238E27FC236}">
+                <a16:creationId xmlns:a16="http://schemas.microsoft.com/office/drawing/2014/main" id="{C4BA642F-DFC8-9DDC-464E-4DF025F2B434}"/>
+              </a:ext>
+            </a:extLst>
+          </p:cNvPr>
+          <p:cNvPicPr>
+            <a:picLocks noChangeAspect="1"/>
+          </p:cNvPicPr>
+          <p:nvPr/>
+        </p:nvPicPr>
+        <p:blipFill>
+          <a:blip r:embed="rId2"/>
+          <a:stretch>
+            <a:fillRect/>
+          </a:stretch>
+        </p:blipFill>
+        <p:spPr>
+          <a:xfrm>
+            <a:off x="8202485" y="432219"/>
+            <a:ext cx="3611859" cy="2843070"/>
+          </a:xfrm>
+          <a:prstGeom prst="rect">
+            <a:avLst/>
+          </a:prstGeom>
+        </p:spPr>
+      </p:pic>
     </p:spTree>
     <p:extLst>
       <p:ext uri="{BB962C8B-B14F-4D97-AF65-F5344CB8AC3E}">
-        <p14:creationId xmlns:p14="http://schemas.microsoft.com/office/powerpoint/2010/main" val="1941543575"/>
+        <p14:creationId xmlns:p14="http://schemas.microsoft.com/office/powerpoint/2010/main" val="566999406"/>
       </p:ext>
     </p:extLst>
   </p:cSld>
@@ -5686,7 +6174,7 @@
           <p:cNvPr id="2" name="Title 1">
             <a:extLst>
               <a:ext uri="{FF2B5EF4-FFF2-40B4-BE49-F238E27FC236}">
-                <a16:creationId xmlns:a16="http://schemas.microsoft.com/office/drawing/2014/main" id="{17CB2D62-82EA-3B8E-30FF-85AF5991998D}"/>
+                <a16:creationId xmlns:a16="http://schemas.microsoft.com/office/drawing/2014/main" id="{FD57D1EF-0706-0636-4038-47DD2681432D}"/>
               </a:ext>
             </a:extLst>
           </p:cNvPr>
@@ -5704,13 +6192,9 @@
           <a:p>
             <a:r>
               <a:rPr lang="en-US" dirty="0"/>
-              <a:t>Why Spark and </a:t>
-            </a:r>
-            <a:r>
-              <a:rPr lang="en-US" dirty="0" err="1"/>
-              <a:t>SparkML</a:t>
-            </a:r>
-            <a:endParaRPr lang="en-US" dirty="0"/>
+              <a:t>What is Spark and Spark ML</a:t>
+            </a:r>
+            <a:endParaRPr lang="en-GB" dirty="0"/>
           </a:p>
         </p:txBody>
       </p:sp>
@@ -5719,7 +6203,7 @@
           <p:cNvPr id="3" name="Content Placeholder 2">
             <a:extLst>
               <a:ext uri="{FF2B5EF4-FFF2-40B4-BE49-F238E27FC236}">
-                <a16:creationId xmlns:a16="http://schemas.microsoft.com/office/drawing/2014/main" id="{C06DFFED-748B-E3F7-12C8-054BEB602AF9}"/>
+                <a16:creationId xmlns:a16="http://schemas.microsoft.com/office/drawing/2014/main" id="{BE5C4CFC-965D-B230-3354-0C89BFAF795D}"/>
               </a:ext>
             </a:extLst>
           </p:cNvPr>
@@ -5732,39 +6216,90 @@
         </p:nvSpPr>
         <p:spPr/>
         <p:txBody>
-          <a:bodyPr/>
-          <a:lstStyle/>
-          <a:p>
-            <a:r>
-              <a:rPr lang="en-US" dirty="0"/>
-              <a:t>Spark and Spark ML perform better for bigger dataset compared to traditional model library such as </a:t>
-            </a:r>
+          <a:bodyPr>
+            <a:normAutofit/>
+          </a:bodyPr>
+          <a:lstStyle/>
+          <a:p>
             <a:r>
               <a:rPr lang="en-US" dirty="0" err="1"/>
-              <a:t>SkLearn</a:t>
+              <a:t>SparkML</a:t>
             </a:r>
             <a:endParaRPr lang="en-US" dirty="0"/>
           </a:p>
           <a:p>
-            <a:r>
-              <a:rPr lang="en-US" dirty="0"/>
-              <a:t>Good integration with Google Cloud</a:t>
-            </a:r>
-          </a:p>
-          <a:p>
-            <a:r>
-              <a:rPr lang="en-US" dirty="0"/>
-              <a:t>Easy scalability: modifying the numbers of workers is 1 line of code</a:t>
-            </a:r>
+            <a:pPr lvl="1"/>
+            <a:r>
+              <a:rPr lang="en-GB" sz="2000" b="0" i="0" dirty="0" err="1">
+                <a:solidFill>
+                  <a:srgbClr val="374151"/>
+                </a:solidFill>
+                <a:effectLst/>
+                <a:latin typeface="Söhne"/>
+              </a:rPr>
+              <a:t>SparkML</a:t>
+            </a:r>
+            <a:r>
+              <a:rPr lang="en-GB" sz="2000" b="0" i="0" dirty="0">
+                <a:solidFill>
+                  <a:srgbClr val="374151"/>
+                </a:solidFill>
+                <a:effectLst/>
+                <a:latin typeface="Söhne"/>
+              </a:rPr>
+              <a:t>: scalable and distributed machine learning library within Spark</a:t>
+            </a:r>
+          </a:p>
+          <a:p>
+            <a:pPr lvl="1"/>
+            <a:r>
+              <a:rPr lang="en-GB" sz="2000" b="0" i="0" dirty="0">
+                <a:solidFill>
+                  <a:srgbClr val="374151"/>
+                </a:solidFill>
+                <a:effectLst/>
+                <a:latin typeface="Söhne"/>
+              </a:rPr>
+              <a:t>Enables parallelized machine learning on large datasets</a:t>
+            </a:r>
+          </a:p>
+          <a:p>
+            <a:pPr lvl="1"/>
+            <a:r>
+              <a:rPr lang="en-GB" sz="2000" b="0" i="0" dirty="0">
+                <a:solidFill>
+                  <a:srgbClr val="374151"/>
+                </a:solidFill>
+                <a:effectLst/>
+                <a:latin typeface="Söhne"/>
+              </a:rPr>
+              <a:t>Lowers barrier of entry for distributed machine learning with high-level API</a:t>
+            </a:r>
+          </a:p>
+          <a:p>
+            <a:pPr lvl="1"/>
+            <a:r>
+              <a:rPr lang="en-GB" sz="2000" b="0" i="0" dirty="0">
+                <a:solidFill>
+                  <a:srgbClr val="374151"/>
+                </a:solidFill>
+                <a:effectLst/>
+                <a:latin typeface="Söhne"/>
+              </a:rPr>
+              <a:t>Includes popular machine learning algorithm implementations for efficient model deployment</a:t>
+            </a:r>
+          </a:p>
+          <a:p>
+            <a:endParaRPr lang="en-GB" dirty="0"/>
           </a:p>
         </p:txBody>
       </p:sp>
       <p:pic>
         <p:nvPicPr>
-          <p:cNvPr id="4" name="Picture 3">
+          <p:cNvPr id="5" name="Picture 4">
             <a:extLst>
               <a:ext uri="{FF2B5EF4-FFF2-40B4-BE49-F238E27FC236}">
-                <a16:creationId xmlns:a16="http://schemas.microsoft.com/office/drawing/2014/main" id="{771CD00C-EDCD-7E46-0B18-FAFCD67B648F}"/>
+                <a16:creationId xmlns:a16="http://schemas.microsoft.com/office/drawing/2014/main" id="{232495B9-DF80-8825-30B7-7B841E67B032}"/>
               </a:ext>
             </a:extLst>
           </p:cNvPr>
@@ -5781,8 +6316,8 @@
         </p:blipFill>
         <p:spPr>
           <a:xfrm>
-            <a:off x="1832102" y="3805682"/>
-            <a:ext cx="5930900" cy="673100"/>
+            <a:off x="7488820" y="559038"/>
+            <a:ext cx="4130882" cy="1540195"/>
           </a:xfrm>
           <a:prstGeom prst="rect">
             <a:avLst/>
@@ -5792,7 +6327,7 @@
     </p:spTree>
     <p:extLst>
       <p:ext uri="{BB962C8B-B14F-4D97-AF65-F5344CB8AC3E}">
-        <p14:creationId xmlns:p14="http://schemas.microsoft.com/office/powerpoint/2010/main" val="2785348309"/>
+        <p14:creationId xmlns:p14="http://schemas.microsoft.com/office/powerpoint/2010/main" val="22311966"/>
       </p:ext>
     </p:extLst>
   </p:cSld>
@@ -5824,7 +6359,7 @@
           <p:cNvPr id="2" name="Title 1">
             <a:extLst>
               <a:ext uri="{FF2B5EF4-FFF2-40B4-BE49-F238E27FC236}">
-                <a16:creationId xmlns:a16="http://schemas.microsoft.com/office/drawing/2014/main" id="{2528BF60-725A-BE17-4864-8FF6236313A4}"/>
+                <a16:creationId xmlns:a16="http://schemas.microsoft.com/office/drawing/2014/main" id="{13F5FC8E-E827-64C5-745D-CE8F44CD392F}"/>
               </a:ext>
             </a:extLst>
           </p:cNvPr>
@@ -5842,83 +6377,45 @@
           <a:p>
             <a:r>
               <a:rPr lang="en-US" dirty="0"/>
-              <a:t>Machine learning models chosen</a:t>
-            </a:r>
-          </a:p>
-        </p:txBody>
-      </p:sp>
-      <p:sp>
-        <p:nvSpPr>
-          <p:cNvPr id="3" name="Content Placeholder 2">
+              <a:t>Spark vs MapReduce</a:t>
+            </a:r>
+            <a:endParaRPr lang="en-GB" dirty="0"/>
+          </a:p>
+        </p:txBody>
+      </p:sp>
+      <p:pic>
+        <p:nvPicPr>
+          <p:cNvPr id="5" name="Content Placeholder 4" descr="A screenshot of a computer program&#10;&#10;Description automatically generated with low confidence">
             <a:extLst>
               <a:ext uri="{FF2B5EF4-FFF2-40B4-BE49-F238E27FC236}">
-                <a16:creationId xmlns:a16="http://schemas.microsoft.com/office/drawing/2014/main" id="{A7EF225D-6E39-C6D2-90E4-EA6FE3A1C050}"/>
+                <a16:creationId xmlns:a16="http://schemas.microsoft.com/office/drawing/2014/main" id="{DBA98A3C-6B62-82BB-2F79-5AF41F41839D}"/>
               </a:ext>
             </a:extLst>
           </p:cNvPr>
-          <p:cNvSpPr>
-            <a:spLocks noGrp="1"/>
-          </p:cNvSpPr>
+          <p:cNvPicPr>
+            <a:picLocks noGrp="1" noChangeAspect="1"/>
+          </p:cNvPicPr>
           <p:nvPr>
             <p:ph idx="1"/>
           </p:nvPr>
-        </p:nvSpPr>
-        <p:spPr/>
-        <p:txBody>
-          <a:bodyPr/>
-          <a:lstStyle/>
-          <a:p>
-            <a:r>
-              <a:rPr lang="en-US" dirty="0"/>
-              <a:t>Logistic Regression </a:t>
-            </a:r>
-          </a:p>
-          <a:p>
-            <a:r>
-              <a:rPr lang="en-US" dirty="0"/>
-              <a:t>Decision Tree Classifier</a:t>
-            </a:r>
-          </a:p>
-          <a:p>
-            <a:r>
-              <a:rPr lang="en-US" dirty="0"/>
-              <a:t>Random Forest Classifier</a:t>
-            </a:r>
-          </a:p>
-          <a:p>
-            <a:r>
-              <a:rPr lang="en-US" dirty="0"/>
-              <a:t>Gradient Boosted Classifier</a:t>
-            </a:r>
-          </a:p>
-          <a:p>
-            <a:r>
-              <a:rPr lang="en-US" dirty="0"/>
-              <a:t>Linear Support Vector Machine</a:t>
-            </a:r>
-          </a:p>
-          <a:p>
-            <a:r>
-              <a:rPr lang="en-US" dirty="0" err="1"/>
-              <a:t>Naives</a:t>
-            </a:r>
-            <a:r>
-              <a:rPr lang="en-US" dirty="0"/>
-              <a:t> Bayes</a:t>
-            </a:r>
-          </a:p>
-          <a:p>
-            <a:r>
-              <a:rPr lang="en-US" dirty="0"/>
-              <a:t>Factorization Machine Classifier</a:t>
-            </a:r>
-          </a:p>
-        </p:txBody>
-      </p:sp>
+        </p:nvPicPr>
+        <p:blipFill>
+          <a:blip r:embed="rId2"/>
+          <a:stretch>
+            <a:fillRect/>
+          </a:stretch>
+        </p:blipFill>
+        <p:spPr>
+          <a:xfrm>
+            <a:off x="2244033" y="650313"/>
+            <a:ext cx="8018365" cy="5912532"/>
+          </a:xfrm>
+        </p:spPr>
+      </p:pic>
     </p:spTree>
     <p:extLst>
       <p:ext uri="{BB962C8B-B14F-4D97-AF65-F5344CB8AC3E}">
-        <p14:creationId xmlns:p14="http://schemas.microsoft.com/office/powerpoint/2010/main" val="3064752663"/>
+        <p14:creationId xmlns:p14="http://schemas.microsoft.com/office/powerpoint/2010/main" val="2563309961"/>
       </p:ext>
     </p:extLst>
   </p:cSld>

--- a/Presentation.pptx
+++ b/Presentation.pptx
@@ -23,9 +23,10 @@
     <p:sldId id="267" r:id="rId17"/>
     <p:sldId id="268" r:id="rId18"/>
     <p:sldId id="269" r:id="rId19"/>
-    <p:sldId id="270" r:id="rId20"/>
-    <p:sldId id="274" r:id="rId21"/>
-    <p:sldId id="275" r:id="rId22"/>
+    <p:sldId id="279" r:id="rId20"/>
+    <p:sldId id="270" r:id="rId21"/>
+    <p:sldId id="274" r:id="rId22"/>
+    <p:sldId id="275" r:id="rId23"/>
   </p:sldIdLst>
   <p:sldSz cx="12192000" cy="6858000"/>
   <p:notesSz cx="6858000" cy="9144000"/>
@@ -4978,7 +4979,7 @@
           <p:cNvPr id="2" name="Title 1">
             <a:extLst>
               <a:ext uri="{FF2B5EF4-FFF2-40B4-BE49-F238E27FC236}">
-                <a16:creationId xmlns:a16="http://schemas.microsoft.com/office/drawing/2014/main" id="{60C13765-EE2E-DEA0-DD24-244D714ACDBE}"/>
+                <a16:creationId xmlns:a16="http://schemas.microsoft.com/office/drawing/2014/main" id="{B8B9A801-1A75-7F9F-6A80-57AC9D5D7355}"/>
               </a:ext>
             </a:extLst>
           </p:cNvPr>
@@ -4996,8 +4997,9 @@
           <a:p>
             <a:r>
               <a:rPr lang="en-US" dirty="0"/>
-              <a:t>Data Exploration</a:t>
-            </a:r>
+              <a:t>LDA</a:t>
+            </a:r>
+            <a:endParaRPr lang="en-GB" dirty="0"/>
           </a:p>
         </p:txBody>
       </p:sp>
@@ -5006,7 +5008,7 @@
           <p:cNvPr id="3" name="Content Placeholder 2">
             <a:extLst>
               <a:ext uri="{FF2B5EF4-FFF2-40B4-BE49-F238E27FC236}">
-                <a16:creationId xmlns:a16="http://schemas.microsoft.com/office/drawing/2014/main" id="{5CE8BBE8-0234-681F-E2DB-53675833881A}"/>
+                <a16:creationId xmlns:a16="http://schemas.microsoft.com/office/drawing/2014/main" id="{489FBE9E-3EE7-3079-4071-85963C747173}"/>
               </a:ext>
             </a:extLst>
           </p:cNvPr>
@@ -5022,24 +5024,104 @@
           <a:bodyPr/>
           <a:lstStyle/>
           <a:p>
-            <a:r>
-              <a:rPr lang="en-US" dirty="0"/>
-              <a:t>35 columns with Biopsy as the </a:t>
-            </a:r>
-            <a:r>
-              <a:rPr lang="en-US"/>
-              <a:t>target column</a:t>
-            </a:r>
-          </a:p>
-          <a:p>
-            <a:endParaRPr lang="en-US"/>
-          </a:p>
-        </p:txBody>
-      </p:sp>
+            <a:endParaRPr lang="en-GB"/>
+          </a:p>
+        </p:txBody>
+      </p:sp>
+      <p:pic>
+        <p:nvPicPr>
+          <p:cNvPr id="5" name="Picture 4">
+            <a:extLst>
+              <a:ext uri="{FF2B5EF4-FFF2-40B4-BE49-F238E27FC236}">
+                <a16:creationId xmlns:a16="http://schemas.microsoft.com/office/drawing/2014/main" id="{F3467D9D-B567-436E-771E-BF93A3CBEBA4}"/>
+              </a:ext>
+            </a:extLst>
+          </p:cNvPr>
+          <p:cNvPicPr>
+            <a:picLocks noChangeAspect="1"/>
+          </p:cNvPicPr>
+          <p:nvPr/>
+        </p:nvPicPr>
+        <p:blipFill>
+          <a:blip r:embed="rId2"/>
+          <a:stretch>
+            <a:fillRect/>
+          </a:stretch>
+        </p:blipFill>
+        <p:spPr>
+          <a:xfrm>
+            <a:off x="1943311" y="2183347"/>
+            <a:ext cx="3285638" cy="1054141"/>
+          </a:xfrm>
+          <a:prstGeom prst="rect">
+            <a:avLst/>
+          </a:prstGeom>
+        </p:spPr>
+      </p:pic>
+      <p:pic>
+        <p:nvPicPr>
+          <p:cNvPr id="7" name="Picture 6">
+            <a:extLst>
+              <a:ext uri="{FF2B5EF4-FFF2-40B4-BE49-F238E27FC236}">
+                <a16:creationId xmlns:a16="http://schemas.microsoft.com/office/drawing/2014/main" id="{433420ED-DAF3-1143-7F67-E5D15E31B7A7}"/>
+              </a:ext>
+            </a:extLst>
+          </p:cNvPr>
+          <p:cNvPicPr>
+            <a:picLocks noChangeAspect="1"/>
+          </p:cNvPicPr>
+          <p:nvPr/>
+        </p:nvPicPr>
+        <p:blipFill>
+          <a:blip r:embed="rId3"/>
+          <a:stretch>
+            <a:fillRect/>
+          </a:stretch>
+        </p:blipFill>
+        <p:spPr>
+          <a:xfrm>
+            <a:off x="6096000" y="2114825"/>
+            <a:ext cx="4677152" cy="1191184"/>
+          </a:xfrm>
+          <a:prstGeom prst="rect">
+            <a:avLst/>
+          </a:prstGeom>
+        </p:spPr>
+      </p:pic>
+      <p:pic>
+        <p:nvPicPr>
+          <p:cNvPr id="9" name="Picture 8">
+            <a:extLst>
+              <a:ext uri="{FF2B5EF4-FFF2-40B4-BE49-F238E27FC236}">
+                <a16:creationId xmlns:a16="http://schemas.microsoft.com/office/drawing/2014/main" id="{8E5F2F99-4A3D-EA49-572D-89BD7ACE9DBA}"/>
+              </a:ext>
+            </a:extLst>
+          </p:cNvPr>
+          <p:cNvPicPr>
+            <a:picLocks noChangeAspect="1"/>
+          </p:cNvPicPr>
+          <p:nvPr/>
+        </p:nvPicPr>
+        <p:blipFill>
+          <a:blip r:embed="rId4"/>
+          <a:stretch>
+            <a:fillRect/>
+          </a:stretch>
+        </p:blipFill>
+        <p:spPr>
+          <a:xfrm>
+            <a:off x="4312691" y="3620513"/>
+            <a:ext cx="3566618" cy="1409035"/>
+          </a:xfrm>
+          <a:prstGeom prst="rect">
+            <a:avLst/>
+          </a:prstGeom>
+        </p:spPr>
+      </p:pic>
     </p:spTree>
     <p:extLst>
       <p:ext uri="{BB962C8B-B14F-4D97-AF65-F5344CB8AC3E}">
-        <p14:creationId xmlns:p14="http://schemas.microsoft.com/office/powerpoint/2010/main" val="1025123411"/>
+        <p14:creationId xmlns:p14="http://schemas.microsoft.com/office/powerpoint/2010/main" val="2483700657"/>
       </p:ext>
     </p:extLst>
   </p:cSld>
@@ -5187,6 +5269,99 @@
           <p:cNvPr id="2" name="Title 1">
             <a:extLst>
               <a:ext uri="{FF2B5EF4-FFF2-40B4-BE49-F238E27FC236}">
+                <a16:creationId xmlns:a16="http://schemas.microsoft.com/office/drawing/2014/main" id="{60C13765-EE2E-DEA0-DD24-244D714ACDBE}"/>
+              </a:ext>
+            </a:extLst>
+          </p:cNvPr>
+          <p:cNvSpPr>
+            <a:spLocks noGrp="1"/>
+          </p:cNvSpPr>
+          <p:nvPr>
+            <p:ph type="title"/>
+          </p:nvPr>
+        </p:nvSpPr>
+        <p:spPr/>
+        <p:txBody>
+          <a:bodyPr/>
+          <a:lstStyle/>
+          <a:p>
+            <a:r>
+              <a:rPr lang="en-US" dirty="0"/>
+              <a:t>Data Exploration</a:t>
+            </a:r>
+          </a:p>
+        </p:txBody>
+      </p:sp>
+      <p:sp>
+        <p:nvSpPr>
+          <p:cNvPr id="3" name="Content Placeholder 2">
+            <a:extLst>
+              <a:ext uri="{FF2B5EF4-FFF2-40B4-BE49-F238E27FC236}">
+                <a16:creationId xmlns:a16="http://schemas.microsoft.com/office/drawing/2014/main" id="{5CE8BBE8-0234-681F-E2DB-53675833881A}"/>
+              </a:ext>
+            </a:extLst>
+          </p:cNvPr>
+          <p:cNvSpPr>
+            <a:spLocks noGrp="1"/>
+          </p:cNvSpPr>
+          <p:nvPr>
+            <p:ph idx="1"/>
+          </p:nvPr>
+        </p:nvSpPr>
+        <p:spPr/>
+        <p:txBody>
+          <a:bodyPr/>
+          <a:lstStyle/>
+          <a:p>
+            <a:r>
+              <a:rPr lang="en-US" dirty="0"/>
+              <a:t>35 columns with Biopsy as the </a:t>
+            </a:r>
+            <a:r>
+              <a:rPr lang="en-US"/>
+              <a:t>target column</a:t>
+            </a:r>
+          </a:p>
+          <a:p>
+            <a:endParaRPr lang="en-US"/>
+          </a:p>
+        </p:txBody>
+      </p:sp>
+    </p:spTree>
+    <p:extLst>
+      <p:ext uri="{BB962C8B-B14F-4D97-AF65-F5344CB8AC3E}">
+        <p14:creationId xmlns:p14="http://schemas.microsoft.com/office/powerpoint/2010/main" val="1025123411"/>
+      </p:ext>
+    </p:extLst>
+  </p:cSld>
+  <p:clrMapOvr>
+    <a:masterClrMapping/>
+  </p:clrMapOvr>
+</p:sld>
+</file>
+
+<file path=ppt/slides/slide21.xml><?xml version="1.0" encoding="utf-8"?>
+<p:sld xmlns:a="http://schemas.openxmlformats.org/drawingml/2006/main" xmlns:r="http://schemas.openxmlformats.org/officeDocument/2006/relationships" xmlns:p="http://schemas.openxmlformats.org/presentationml/2006/main">
+  <p:cSld>
+    <p:spTree>
+      <p:nvGrpSpPr>
+        <p:cNvPr id="1" name=""/>
+        <p:cNvGrpSpPr/>
+        <p:nvPr/>
+      </p:nvGrpSpPr>
+      <p:grpSpPr>
+        <a:xfrm>
+          <a:off x="0" y="0"/>
+          <a:ext cx="0" cy="0"/>
+          <a:chOff x="0" y="0"/>
+          <a:chExt cx="0" cy="0"/>
+        </a:xfrm>
+      </p:grpSpPr>
+      <p:sp>
+        <p:nvSpPr>
+          <p:cNvPr id="2" name="Title 1">
+            <a:extLst>
+              <a:ext uri="{FF2B5EF4-FFF2-40B4-BE49-F238E27FC236}">
                 <a16:creationId xmlns:a16="http://schemas.microsoft.com/office/drawing/2014/main" id="{B39FA4A9-F560-95AC-6319-806FB6F081DA}"/>
               </a:ext>
             </a:extLst>
@@ -5296,7 +5471,7 @@
 </p:sld>
 </file>
 
-<file path=ppt/slides/slide21.xml><?xml version="1.0" encoding="utf-8"?>
+<file path=ppt/slides/slide22.xml><?xml version="1.0" encoding="utf-8"?>
 <p:sld xmlns:a="http://schemas.openxmlformats.org/drawingml/2006/main" xmlns:r="http://schemas.openxmlformats.org/officeDocument/2006/relationships" xmlns:p="http://schemas.openxmlformats.org/presentationml/2006/main">
   <p:cSld>
     <p:spTree>
@@ -5922,7 +6097,7 @@
         </p:blipFill>
         <p:spPr>
           <a:xfrm>
-            <a:off x="4146108" y="336181"/>
+            <a:off x="6750945" y="336181"/>
             <a:ext cx="3899783" cy="1332310"/>
           </a:xfrm>
           <a:prstGeom prst="rect">
